--- a/docs/p4runtime-and-psa-target-specific-types.pptx
+++ b/docs/p4runtime-and-psa-target-specific-types.pptx
@@ -111,6 +111,11 @@
       </a:defRPr>
     </a:lvl9pPr>
   </p:defaultTextStyle>
+  <p:extLst>
+    <p:ext uri="{EFAFB233-063F-42B5-8137-9DF3F51BA10A}">
+      <p15:sldGuideLst xmlns:p15="http://schemas.microsoft.com/office/powerpoint/2012/main"/>
+    </p:ext>
+  </p:extLst>
 </p:presentation>
 </file>
 
@@ -4349,7 +4354,7 @@
         <p:spPr/>
         <p:txBody>
           <a:bodyPr>
-            <a:normAutofit fontScale="85000" lnSpcReduction="20000"/>
+            <a:normAutofit fontScale="77500" lnSpcReduction="20000"/>
           </a:bodyPr>
           <a:lstStyle/>
           <a:p>
@@ -4397,9 +4402,26 @@
             </a:r>
           </a:p>
           <a:p>
-            <a:r>
-              <a:rPr lang="en-US" dirty="0"/>
-              <a:t>What if my myp4prog.p4 tries to add two values of </a:t>
+            <a:pPr lvl="2"/>
+            <a:r>
+              <a:rPr lang="en-US" dirty="0"/>
+              <a:t>Mihai </a:t>
+            </a:r>
+            <a:r>
+              <a:rPr lang="en-US" dirty="0" err="1"/>
+              <a:t>Budiu’s</a:t>
+            </a:r>
+            <a:r>
+              <a:rPr lang="en-US" dirty="0"/>
+              <a:t> suggestion of introducing in P4_16 syntax like “</a:t>
+            </a:r>
+            <a:r>
+              <a:rPr lang="en-US" dirty="0" err="1"/>
+              <a:t>newtype</a:t>
+            </a:r>
+            <a:r>
+              <a:rPr lang="en-US" dirty="0"/>
+              <a:t> bit&lt;7&gt; </a:t>
             </a:r>
             <a:r>
               <a:rPr lang="en-US" dirty="0" err="1"/>
@@ -4407,6 +4429,33 @@
             </a:r>
             <a:r>
               <a:rPr lang="en-US" dirty="0"/>
+              <a:t>” instead of using “</a:t>
+            </a:r>
+            <a:r>
+              <a:rPr lang="en-US" dirty="0" err="1"/>
+              <a:t>typedef</a:t>
+            </a:r>
+            <a:r>
+              <a:rPr lang="en-US" dirty="0"/>
+              <a:t>” may be a </a:t>
+            </a:r>
+            <a:r>
+              <a:rPr lang="en-US"/>
+              <a:t>fruitful approach to take there.</a:t>
+            </a:r>
+            <a:endParaRPr lang="en-US" dirty="0"/>
+          </a:p>
+          <a:p>
+            <a:r>
+              <a:rPr lang="en-US" dirty="0"/>
+              <a:t>What if my myp4prog.p4 tries to add two values of </a:t>
+            </a:r>
+            <a:r>
+              <a:rPr lang="en-US" dirty="0" err="1"/>
+              <a:t>PortId_t</a:t>
+            </a:r>
+            <a:r>
+              <a:rPr lang="en-US" dirty="0"/>
               <a:t>?</a:t>
             </a:r>
           </a:p>
@@ -4421,13 +4470,8 @@
             <a:pPr lvl="1"/>
             <a:r>
               <a:rPr lang="en-US" dirty="0"/>
-              <a:t>Should P4 compilers be _required_ to treat such attempts as errors?  Maybe that would be nice to have.  Beat on that drum, too, if you care strongly enough about it.  The PSA section linked on previous slide already says not to do it, but not everyone reads such things, </a:t>
-            </a:r>
-            <a:r>
-              <a:rPr lang="en-US"/>
-              <a:t>I know.</a:t>
-            </a:r>
-            <a:endParaRPr lang="en-US" dirty="0"/>
+              <a:t>Should P4 compilers be _required_ to treat such attempts as errors?  Maybe that would be nice to have.  Beat on that drum, too, if you care strongly enough about it.  The PSA section linked on previous slide already says not to do it, but not everyone reads such things, I know.</a:t>
+            </a:r>
           </a:p>
         </p:txBody>
       </p:sp>

--- a/docs/p4runtime-and-psa-target-specific-types.pptx
+++ b/docs/p4runtime-and-psa-target-specific-types.pptx
@@ -13,6 +13,7 @@
     <p:sldId id="262" r:id="rId7"/>
     <p:sldId id="263" r:id="rId8"/>
     <p:sldId id="264" r:id="rId9"/>
+    <p:sldId id="265" r:id="rId10"/>
   </p:sldIdLst>
   <p:sldSz cx="12192000" cy="6858000"/>
   <p:notesSz cx="6858000" cy="9144000"/>
@@ -4488,6 +4489,164 @@
 </p:sld>
 </file>
 
+<file path=ppt/slides/slide9.xml><?xml version="1.0" encoding="utf-8"?>
+<p:sld xmlns:a="http://schemas.openxmlformats.org/drawingml/2006/main" xmlns:r="http://schemas.openxmlformats.org/officeDocument/2006/relationships" xmlns:p="http://schemas.openxmlformats.org/presentationml/2006/main">
+  <p:cSld>
+    <p:spTree>
+      <p:nvGrpSpPr>
+        <p:cNvPr id="1" name=""/>
+        <p:cNvGrpSpPr/>
+        <p:nvPr/>
+      </p:nvGrpSpPr>
+      <p:grpSpPr>
+        <a:xfrm>
+          <a:off x="0" y="0"/>
+          <a:ext cx="0" cy="0"/>
+          <a:chOff x="0" y="0"/>
+          <a:chExt cx="0" cy="0"/>
+        </a:xfrm>
+      </p:grpSpPr>
+      <p:sp>
+        <p:nvSpPr>
+          <p:cNvPr id="2" name="Title 1">
+            <a:extLst>
+              <a:ext uri="{FF2B5EF4-FFF2-40B4-BE49-F238E27FC236}">
+                <a16:creationId xmlns:a16="http://schemas.microsoft.com/office/drawing/2014/main" id="{61C08744-3FB5-D448-9733-EB389CFB7253}"/>
+              </a:ext>
+            </a:extLst>
+          </p:cNvPr>
+          <p:cNvSpPr>
+            <a:spLocks noGrp="1"/>
+          </p:cNvSpPr>
+          <p:nvPr>
+            <p:ph type="title"/>
+          </p:nvPr>
+        </p:nvSpPr>
+        <p:spPr/>
+        <p:txBody>
+          <a:bodyPr/>
+          <a:lstStyle/>
+          <a:p>
+            <a:r>
+              <a:rPr lang="en-US" dirty="0"/>
+              <a:t>Open issues (2)</a:t>
+            </a:r>
+          </a:p>
+        </p:txBody>
+      </p:sp>
+      <p:sp>
+        <p:nvSpPr>
+          <p:cNvPr id="3" name="Content Placeholder 2">
+            <a:extLst>
+              <a:ext uri="{FF2B5EF4-FFF2-40B4-BE49-F238E27FC236}">
+                <a16:creationId xmlns:a16="http://schemas.microsoft.com/office/drawing/2014/main" id="{9639C560-520B-8341-8F84-C7D6921959C6}"/>
+              </a:ext>
+            </a:extLst>
+          </p:cNvPr>
+          <p:cNvSpPr>
+            <a:spLocks noGrp="1"/>
+          </p:cNvSpPr>
+          <p:nvPr>
+            <p:ph idx="1"/>
+          </p:nvPr>
+        </p:nvSpPr>
+        <p:spPr/>
+        <p:txBody>
+          <a:bodyPr/>
+          <a:lstStyle/>
+          <a:p>
+            <a:r>
+              <a:rPr lang="en-US" dirty="0"/>
+              <a:t>Should controller software be able to name PSA_PORT_CPU and PSA_PORT_RECIRCULATE values in target-independent way?</a:t>
+            </a:r>
+          </a:p>
+          <a:p>
+            <a:pPr lvl="1"/>
+            <a:r>
+              <a:rPr lang="en-US" dirty="0"/>
+              <a:t>Seems useful.  Seems like there should be a straightforward way to do this.</a:t>
+            </a:r>
+          </a:p>
+          <a:p>
+            <a:r>
+              <a:rPr lang="en-US" dirty="0"/>
+              <a:t>Potential quick hack:</a:t>
+            </a:r>
+          </a:p>
+          <a:p>
+            <a:pPr lvl="1"/>
+            <a:r>
+              <a:rPr lang="en-US" dirty="0"/>
+              <a:t>To generate P4Info file, compile with a psa.p4 file that has “</a:t>
+            </a:r>
+            <a:r>
+              <a:rPr lang="en-US" dirty="0" err="1"/>
+              <a:t>typedef</a:t>
+            </a:r>
+            <a:r>
+              <a:rPr lang="en-US" dirty="0"/>
+              <a:t> bit&lt;16&gt; </a:t>
+            </a:r>
+            <a:r>
+              <a:rPr lang="en-US" dirty="0" err="1"/>
+              <a:t>PortId_t</a:t>
+            </a:r>
+            <a:r>
+              <a:rPr lang="en-US" dirty="0"/>
+              <a:t>;”, the size in bits that you want </a:t>
+            </a:r>
+            <a:r>
+              <a:rPr lang="en-US" dirty="0" err="1"/>
+              <a:t>PortId_t</a:t>
+            </a:r>
+            <a:r>
+              <a:rPr lang="en-US" dirty="0"/>
+              <a:t> values to be between controllers/clients and agents/servers.</a:t>
+            </a:r>
+          </a:p>
+          <a:p>
+            <a:pPr lvl="1"/>
+            <a:r>
+              <a:rPr lang="en-US" dirty="0"/>
+              <a:t>I do not think this is a good log term approach, because for the 2 PSA types with numerical translation, </a:t>
+            </a:r>
+            <a:r>
+              <a:rPr lang="en-US" dirty="0" err="1"/>
+              <a:t>PortId_t</a:t>
+            </a:r>
+            <a:r>
+              <a:rPr lang="en-US" dirty="0"/>
+              <a:t> and </a:t>
+            </a:r>
+            <a:r>
+              <a:rPr lang="en-US" dirty="0" err="1"/>
+              <a:t>ClassOfService_t</a:t>
+            </a:r>
+            <a:r>
+              <a:rPr lang="en-US" dirty="0"/>
+              <a:t>, we still want to minimize annotations in P4 program myp4prog.p4 wherever those types are used</a:t>
+            </a:r>
+            <a:r>
+              <a:rPr lang="en-US"/>
+              <a:t>, ideally 0 of them.</a:t>
+            </a:r>
+            <a:endParaRPr lang="en-US" dirty="0"/>
+          </a:p>
+        </p:txBody>
+      </p:sp>
+    </p:spTree>
+    <p:extLst>
+      <p:ext uri="{BB962C8B-B14F-4D97-AF65-F5344CB8AC3E}">
+        <p14:creationId xmlns:p14="http://schemas.microsoft.com/office/powerpoint/2010/main" val="977021181"/>
+      </p:ext>
+    </p:extLst>
+  </p:cSld>
+  <p:clrMapOvr>
+    <a:masterClrMapping/>
+  </p:clrMapOvr>
+</p:sld>
+</file>
+
 <file path=ppt/theme/theme1.xml><?xml version="1.0" encoding="utf-8"?>
 <a:theme xmlns:a="http://schemas.openxmlformats.org/drawingml/2006/main" name="Office Theme">
   <a:themeElements>

--- a/docs/p4runtime-and-psa-target-specific-types.pptx
+++ b/docs/p4runtime-and-psa-target-specific-types.pptx
@@ -6,14 +6,21 @@
   </p:sldMasterIdLst>
   <p:sldIdLst>
     <p:sldId id="256" r:id="rId2"/>
-    <p:sldId id="257" r:id="rId3"/>
-    <p:sldId id="259" r:id="rId4"/>
-    <p:sldId id="260" r:id="rId5"/>
-    <p:sldId id="261" r:id="rId6"/>
-    <p:sldId id="262" r:id="rId7"/>
-    <p:sldId id="263" r:id="rId8"/>
-    <p:sldId id="264" r:id="rId9"/>
-    <p:sldId id="265" r:id="rId10"/>
+    <p:sldId id="266" r:id="rId3"/>
+    <p:sldId id="267" r:id="rId4"/>
+    <p:sldId id="268" r:id="rId5"/>
+    <p:sldId id="257" r:id="rId6"/>
+    <p:sldId id="259" r:id="rId7"/>
+    <p:sldId id="260" r:id="rId8"/>
+    <p:sldId id="261" r:id="rId9"/>
+    <p:sldId id="262" r:id="rId10"/>
+    <p:sldId id="263" r:id="rId11"/>
+    <p:sldId id="264" r:id="rId12"/>
+    <p:sldId id="265" r:id="rId13"/>
+    <p:sldId id="269" r:id="rId14"/>
+    <p:sldId id="272" r:id="rId15"/>
+    <p:sldId id="270" r:id="rId16"/>
+    <p:sldId id="271" r:id="rId17"/>
   </p:sldIdLst>
   <p:sldSz cx="12192000" cy="6858000"/>
   <p:notesSz cx="6858000" cy="9144000"/>
@@ -267,7 +274,7 @@
           <a:p>
             <a:fld id="{5B989F93-802E-9345-8A26-91F58232E6D2}" type="datetimeFigureOut">
               <a:rPr lang="en-US" smtClean="0"/>
-              <a:t>3/21/18</a:t>
+              <a:t>4/19/18</a:t>
             </a:fld>
             <a:endParaRPr lang="en-US"/>
           </a:p>
@@ -465,7 +472,7 @@
           <a:p>
             <a:fld id="{5B989F93-802E-9345-8A26-91F58232E6D2}" type="datetimeFigureOut">
               <a:rPr lang="en-US" smtClean="0"/>
-              <a:t>3/21/18</a:t>
+              <a:t>4/19/18</a:t>
             </a:fld>
             <a:endParaRPr lang="en-US"/>
           </a:p>
@@ -673,7 +680,7 @@
           <a:p>
             <a:fld id="{5B989F93-802E-9345-8A26-91F58232E6D2}" type="datetimeFigureOut">
               <a:rPr lang="en-US" smtClean="0"/>
-              <a:t>3/21/18</a:t>
+              <a:t>4/19/18</a:t>
             </a:fld>
             <a:endParaRPr lang="en-US"/>
           </a:p>
@@ -871,7 +878,7 @@
           <a:p>
             <a:fld id="{5B989F93-802E-9345-8A26-91F58232E6D2}" type="datetimeFigureOut">
               <a:rPr lang="en-US" smtClean="0"/>
-              <a:t>3/21/18</a:t>
+              <a:t>4/19/18</a:t>
             </a:fld>
             <a:endParaRPr lang="en-US"/>
           </a:p>
@@ -1146,7 +1153,7 @@
           <a:p>
             <a:fld id="{5B989F93-802E-9345-8A26-91F58232E6D2}" type="datetimeFigureOut">
               <a:rPr lang="en-US" smtClean="0"/>
-              <a:t>3/21/18</a:t>
+              <a:t>4/19/18</a:t>
             </a:fld>
             <a:endParaRPr lang="en-US"/>
           </a:p>
@@ -1411,7 +1418,7 @@
           <a:p>
             <a:fld id="{5B989F93-802E-9345-8A26-91F58232E6D2}" type="datetimeFigureOut">
               <a:rPr lang="en-US" smtClean="0"/>
-              <a:t>3/21/18</a:t>
+              <a:t>4/19/18</a:t>
             </a:fld>
             <a:endParaRPr lang="en-US"/>
           </a:p>
@@ -1823,7 +1830,7 @@
           <a:p>
             <a:fld id="{5B989F93-802E-9345-8A26-91F58232E6D2}" type="datetimeFigureOut">
               <a:rPr lang="en-US" smtClean="0"/>
-              <a:t>3/21/18</a:t>
+              <a:t>4/19/18</a:t>
             </a:fld>
             <a:endParaRPr lang="en-US"/>
           </a:p>
@@ -1964,7 +1971,7 @@
           <a:p>
             <a:fld id="{5B989F93-802E-9345-8A26-91F58232E6D2}" type="datetimeFigureOut">
               <a:rPr lang="en-US" smtClean="0"/>
-              <a:t>3/21/18</a:t>
+              <a:t>4/19/18</a:t>
             </a:fld>
             <a:endParaRPr lang="en-US"/>
           </a:p>
@@ -2077,7 +2084,7 @@
           <a:p>
             <a:fld id="{5B989F93-802E-9345-8A26-91F58232E6D2}" type="datetimeFigureOut">
               <a:rPr lang="en-US" smtClean="0"/>
-              <a:t>3/21/18</a:t>
+              <a:t>4/19/18</a:t>
             </a:fld>
             <a:endParaRPr lang="en-US"/>
           </a:p>
@@ -2388,7 +2395,7 @@
           <a:p>
             <a:fld id="{5B989F93-802E-9345-8A26-91F58232E6D2}" type="datetimeFigureOut">
               <a:rPr lang="en-US" smtClean="0"/>
-              <a:t>3/21/18</a:t>
+              <a:t>4/19/18</a:t>
             </a:fld>
             <a:endParaRPr lang="en-US"/>
           </a:p>
@@ -2676,7 +2683,7 @@
           <a:p>
             <a:fld id="{5B989F93-802E-9345-8A26-91F58232E6D2}" type="datetimeFigureOut">
               <a:rPr lang="en-US" smtClean="0"/>
-              <a:t>3/21/18</a:t>
+              <a:t>4/19/18</a:t>
             </a:fld>
             <a:endParaRPr lang="en-US"/>
           </a:p>
@@ -2917,7 +2924,7 @@
           <a:p>
             <a:fld id="{5B989F93-802E-9345-8A26-91F58232E6D2}" type="datetimeFigureOut">
               <a:rPr lang="en-US" smtClean="0"/>
-              <a:t>3/21/18</a:t>
+              <a:t>4/19/18</a:t>
             </a:fld>
             <a:endParaRPr lang="en-US"/>
           </a:p>
@@ -3380,7 +3387,9 @@
         </p:nvSpPr>
         <p:spPr/>
         <p:txBody>
-          <a:bodyPr/>
+          <a:bodyPr>
+            <a:normAutofit lnSpcReduction="10000"/>
+          </a:bodyPr>
           <a:lstStyle/>
           <a:p>
             <a:r>
@@ -3389,9 +3398,18 @@
             </a:r>
           </a:p>
           <a:p>
-            <a:r>
-              <a:rPr lang="en-US" dirty="0"/>
-              <a:t>March 21, 2018</a:t>
+            <a:endParaRPr lang="en-US" dirty="0"/>
+          </a:p>
+          <a:p>
+            <a:r>
+              <a:rPr lang="en-US" dirty="0"/>
+              <a:t>This version last updated: April 8, 2018</a:t>
+            </a:r>
+          </a:p>
+          <a:p>
+            <a:r>
+              <a:rPr lang="en-US" dirty="0"/>
+              <a:t>(Original version: March 21, 2018)</a:t>
             </a:r>
           </a:p>
         </p:txBody>
@@ -3400,6 +3418,1476 @@
     <p:extLst>
       <p:ext uri="{BB962C8B-B14F-4D97-AF65-F5344CB8AC3E}">
         <p14:creationId xmlns:p14="http://schemas.microsoft.com/office/powerpoint/2010/main" val="2821070392"/>
+      </p:ext>
+    </p:extLst>
+  </p:cSld>
+  <p:clrMapOvr>
+    <a:masterClrMapping/>
+  </p:clrMapOvr>
+</p:sld>
+</file>
+
+<file path=ppt/slides/slide10.xml><?xml version="1.0" encoding="utf-8"?>
+<p:sld xmlns:a="http://schemas.openxmlformats.org/drawingml/2006/main" xmlns:r="http://schemas.openxmlformats.org/officeDocument/2006/relationships" xmlns:p="http://schemas.openxmlformats.org/presentationml/2006/main">
+  <p:cSld>
+    <p:spTree>
+      <p:nvGrpSpPr>
+        <p:cNvPr id="1" name=""/>
+        <p:cNvGrpSpPr/>
+        <p:nvPr/>
+      </p:nvGrpSpPr>
+      <p:grpSpPr>
+        <a:xfrm>
+          <a:off x="0" y="0"/>
+          <a:ext cx="0" cy="0"/>
+          <a:chOff x="0" y="0"/>
+          <a:chExt cx="0" cy="0"/>
+        </a:xfrm>
+      </p:grpSpPr>
+      <p:sp>
+        <p:nvSpPr>
+          <p:cNvPr id="2" name="Title 1">
+            <a:extLst>
+              <a:ext uri="{FF2B5EF4-FFF2-40B4-BE49-F238E27FC236}">
+                <a16:creationId xmlns:a16="http://schemas.microsoft.com/office/drawing/2014/main" id="{3857E022-A056-ED4F-89D5-94A41FF95025}"/>
+              </a:ext>
+            </a:extLst>
+          </p:cNvPr>
+          <p:cNvSpPr>
+            <a:spLocks noGrp="1"/>
+          </p:cNvSpPr>
+          <p:nvPr>
+            <p:ph type="title"/>
+          </p:nvPr>
+        </p:nvSpPr>
+        <p:spPr/>
+        <p:txBody>
+          <a:bodyPr/>
+          <a:lstStyle/>
+          <a:p>
+            <a:r>
+              <a:rPr lang="en-US" dirty="0"/>
+              <a:t>Restrictions on writing P4 code</a:t>
+            </a:r>
+          </a:p>
+        </p:txBody>
+      </p:sp>
+      <p:sp>
+        <p:nvSpPr>
+          <p:cNvPr id="3" name="Content Placeholder 2">
+            <a:extLst>
+              <a:ext uri="{FF2B5EF4-FFF2-40B4-BE49-F238E27FC236}">
+                <a16:creationId xmlns:a16="http://schemas.microsoft.com/office/drawing/2014/main" id="{F0702B6F-4AD8-0347-A706-12D23F7644F3}"/>
+              </a:ext>
+            </a:extLst>
+          </p:cNvPr>
+          <p:cNvSpPr>
+            <a:spLocks noGrp="1"/>
+          </p:cNvSpPr>
+          <p:nvPr>
+            <p:ph idx="1"/>
+          </p:nvPr>
+        </p:nvSpPr>
+        <p:spPr/>
+        <p:txBody>
+          <a:bodyPr>
+            <a:normAutofit fontScale="92500" lnSpcReduction="10000"/>
+          </a:bodyPr>
+          <a:lstStyle/>
+          <a:p>
+            <a:r>
+              <a:rPr lang="en-US" dirty="0"/>
+              <a:t>I strongly recommend reading all of this section of the PSA spec.</a:t>
+            </a:r>
+          </a:p>
+          <a:p>
+            <a:pPr lvl="1"/>
+            <a:r>
+              <a:rPr lang="en-US" dirty="0">
+                <a:hlinkClick r:id="rId2"/>
+              </a:rPr>
+              <a:t>https://p4.org/p4-spec/docs/PSA-v1.0.0.html#sec-data-plane-vs-control-plane-values</a:t>
+            </a:r>
+            <a:endParaRPr lang="en-US" dirty="0"/>
+          </a:p>
+          <a:p>
+            <a:pPr lvl="1"/>
+            <a:r>
+              <a:rPr lang="en-US" dirty="0"/>
+              <a:t>It is about 1-2 pages long.  It won’t take long to read, really.</a:t>
+            </a:r>
+          </a:p>
+          <a:p>
+            <a:r>
+              <a:rPr lang="en-US" dirty="0"/>
+              <a:t>Another recommendation: </a:t>
+            </a:r>
+            <a:r>
+              <a:rPr lang="en-US" b="1" u="sng" dirty="0"/>
+              <a:t>Never</a:t>
+            </a:r>
+            <a:r>
+              <a:rPr lang="en-US" dirty="0"/>
+              <a:t> use hard-coded numeric literal values like 0xfff when comparing values of </a:t>
+            </a:r>
+            <a:r>
+              <a:rPr lang="en-US" dirty="0" err="1"/>
+              <a:t>PortId_t</a:t>
+            </a:r>
+            <a:r>
+              <a:rPr lang="en-US" dirty="0"/>
+              <a:t> (or the other 6 ‘special’ PSA types), or assigning values to them.</a:t>
+            </a:r>
+          </a:p>
+          <a:p>
+            <a:pPr lvl="1"/>
+            <a:r>
+              <a:rPr lang="en-US" dirty="0"/>
+              <a:t>Instead, limit yourself to obtaining their values from action parameters with values installed by the control plane</a:t>
+            </a:r>
+          </a:p>
+          <a:p>
+            <a:pPr lvl="1"/>
+            <a:r>
+              <a:rPr lang="en-US" dirty="0"/>
+              <a:t>PSA v1.0 defines a named constants that are perfectly fine to use for a couple of special ports:</a:t>
+            </a:r>
+          </a:p>
+          <a:p>
+            <a:pPr lvl="2"/>
+            <a:r>
+              <a:rPr lang="en-US" dirty="0"/>
+              <a:t>PSA_PORT_CPU – the port to/from the CPU</a:t>
+            </a:r>
+          </a:p>
+          <a:p>
+            <a:pPr lvl="2"/>
+            <a:r>
+              <a:rPr lang="en-US" dirty="0"/>
+              <a:t>PSA_PORT_RECIRCULATE – the port to send packets to when you want to recirculate them</a:t>
+            </a:r>
+          </a:p>
+        </p:txBody>
+      </p:sp>
+    </p:spTree>
+    <p:extLst>
+      <p:ext uri="{BB962C8B-B14F-4D97-AF65-F5344CB8AC3E}">
+        <p14:creationId xmlns:p14="http://schemas.microsoft.com/office/powerpoint/2010/main" val="3599001240"/>
+      </p:ext>
+    </p:extLst>
+  </p:cSld>
+  <p:clrMapOvr>
+    <a:masterClrMapping/>
+  </p:clrMapOvr>
+</p:sld>
+</file>
+
+<file path=ppt/slides/slide11.xml><?xml version="1.0" encoding="utf-8"?>
+<p:sld xmlns:a="http://schemas.openxmlformats.org/drawingml/2006/main" xmlns:r="http://schemas.openxmlformats.org/officeDocument/2006/relationships" xmlns:p="http://schemas.openxmlformats.org/presentationml/2006/main">
+  <p:cSld>
+    <p:spTree>
+      <p:nvGrpSpPr>
+        <p:cNvPr id="1" name=""/>
+        <p:cNvGrpSpPr/>
+        <p:nvPr/>
+      </p:nvGrpSpPr>
+      <p:grpSpPr>
+        <a:xfrm>
+          <a:off x="0" y="0"/>
+          <a:ext cx="0" cy="0"/>
+          <a:chOff x="0" y="0"/>
+          <a:chExt cx="0" cy="0"/>
+        </a:xfrm>
+      </p:grpSpPr>
+      <p:sp>
+        <p:nvSpPr>
+          <p:cNvPr id="2" name="Title 1">
+            <a:extLst>
+              <a:ext uri="{FF2B5EF4-FFF2-40B4-BE49-F238E27FC236}">
+                <a16:creationId xmlns:a16="http://schemas.microsoft.com/office/drawing/2014/main" id="{DF6B4068-52F6-C641-ADB3-00123E89361D}"/>
+              </a:ext>
+            </a:extLst>
+          </p:cNvPr>
+          <p:cNvSpPr>
+            <a:spLocks noGrp="1"/>
+          </p:cNvSpPr>
+          <p:nvPr>
+            <p:ph type="title"/>
+          </p:nvPr>
+        </p:nvSpPr>
+        <p:spPr/>
+        <p:txBody>
+          <a:bodyPr/>
+          <a:lstStyle/>
+          <a:p>
+            <a:r>
+              <a:rPr lang="en-US" dirty="0"/>
+              <a:t>Open issues</a:t>
+            </a:r>
+          </a:p>
+        </p:txBody>
+      </p:sp>
+      <p:sp>
+        <p:nvSpPr>
+          <p:cNvPr id="3" name="Content Placeholder 2">
+            <a:extLst>
+              <a:ext uri="{FF2B5EF4-FFF2-40B4-BE49-F238E27FC236}">
+                <a16:creationId xmlns:a16="http://schemas.microsoft.com/office/drawing/2014/main" id="{A3D6CB8A-23C1-B54C-A84A-64AA0BEC56F1}"/>
+              </a:ext>
+            </a:extLst>
+          </p:cNvPr>
+          <p:cNvSpPr>
+            <a:spLocks noGrp="1"/>
+          </p:cNvSpPr>
+          <p:nvPr>
+            <p:ph idx="1"/>
+          </p:nvPr>
+        </p:nvSpPr>
+        <p:spPr/>
+        <p:txBody>
+          <a:bodyPr>
+            <a:normAutofit fontScale="77500" lnSpcReduction="20000"/>
+          </a:bodyPr>
+          <a:lstStyle/>
+          <a:p>
+            <a:r>
+              <a:rPr lang="en-US" dirty="0"/>
+              <a:t>How to minimize the annotations needed in a P4_16 program myp4prog.p4 to achieve these effects?</a:t>
+            </a:r>
+          </a:p>
+          <a:p>
+            <a:pPr lvl="1"/>
+            <a:r>
+              <a:rPr lang="en-US" dirty="0"/>
+              <a:t>Ideally such annotations could be limited to only the target-specific psa.p4 file, and need not be sprinkled throughout myp4prog.p4.</a:t>
+            </a:r>
+          </a:p>
+          <a:p>
+            <a:pPr lvl="1"/>
+            <a:r>
+              <a:rPr lang="en-US" dirty="0"/>
+              <a:t>The current open source p4c compiler does not enable this.</a:t>
+            </a:r>
+          </a:p>
+          <a:p>
+            <a:pPr lvl="2"/>
+            <a:r>
+              <a:rPr lang="en-US" dirty="0"/>
+              <a:t>I have created this issue for p4c asking how this might be done.</a:t>
+            </a:r>
+          </a:p>
+          <a:p>
+            <a:pPr lvl="2"/>
+            <a:r>
+              <a:rPr lang="en-US" dirty="0">
+                <a:hlinkClick r:id="rId2"/>
+              </a:rPr>
+              <a:t>https://github.com/p4lang/p4c/issues/1157</a:t>
+            </a:r>
+            <a:endParaRPr lang="en-US" dirty="0"/>
+          </a:p>
+          <a:p>
+            <a:pPr lvl="2"/>
+            <a:r>
+              <a:rPr lang="en-US" dirty="0"/>
+              <a:t>If you think this issue is important, put your +1 or comment on that issue, or convince your representative to the P4_16 language working group to beat the drum on it until it is resolved.</a:t>
+            </a:r>
+          </a:p>
+          <a:p>
+            <a:pPr lvl="2"/>
+            <a:r>
+              <a:rPr lang="en-US" dirty="0"/>
+              <a:t>Mihai </a:t>
+            </a:r>
+            <a:r>
+              <a:rPr lang="en-US" dirty="0" err="1"/>
+              <a:t>Budiu’s</a:t>
+            </a:r>
+            <a:r>
+              <a:rPr lang="en-US" dirty="0"/>
+              <a:t> suggestion of introducing in P4_16 syntax like “</a:t>
+            </a:r>
+            <a:r>
+              <a:rPr lang="en-US" dirty="0" err="1"/>
+              <a:t>newtype</a:t>
+            </a:r>
+            <a:r>
+              <a:rPr lang="en-US" dirty="0"/>
+              <a:t> bit&lt;7&gt; </a:t>
+            </a:r>
+            <a:r>
+              <a:rPr lang="en-US" dirty="0" err="1"/>
+              <a:t>PortId_t</a:t>
+            </a:r>
+            <a:r>
+              <a:rPr lang="en-US" dirty="0"/>
+              <a:t>” instead of using “</a:t>
+            </a:r>
+            <a:r>
+              <a:rPr lang="en-US" dirty="0" err="1"/>
+              <a:t>typedef</a:t>
+            </a:r>
+            <a:r>
+              <a:rPr lang="en-US" dirty="0"/>
+              <a:t>” may be a fruitful approach to take there.</a:t>
+            </a:r>
+          </a:p>
+          <a:p>
+            <a:r>
+              <a:rPr lang="en-US" dirty="0"/>
+              <a:t>What if my myp4prog.p4 tries to add two values of </a:t>
+            </a:r>
+            <a:r>
+              <a:rPr lang="en-US" dirty="0" err="1"/>
+              <a:t>PortId_t</a:t>
+            </a:r>
+            <a:r>
+              <a:rPr lang="en-US" dirty="0"/>
+              <a:t>?</a:t>
+            </a:r>
+          </a:p>
+          <a:p>
+            <a:pPr lvl="1"/>
+            <a:r>
+              <a:rPr lang="en-US" dirty="0"/>
+              <a:t>Because of the additional PSA property of there being controller &lt;-&gt; data plane translation of numeric values involved, that is likely a non-portable thing to do that will not lead to happiness.</a:t>
+            </a:r>
+          </a:p>
+          <a:p>
+            <a:pPr lvl="1"/>
+            <a:r>
+              <a:rPr lang="en-US" dirty="0"/>
+              <a:t>Should P4 compilers be </a:t>
+            </a:r>
+            <a:r>
+              <a:rPr lang="en-US" b="1" u="sng" dirty="0"/>
+              <a:t>required</a:t>
+            </a:r>
+            <a:r>
+              <a:rPr lang="en-US" dirty="0"/>
+              <a:t> to treat such attempts as errors?  Maybe that would be nice to have.  Beat on that drum, too, if you care strongly enough about it.  The PSA section linked on previous slide already says not to do it, but not everyone reads such things, I know.</a:t>
+            </a:r>
+          </a:p>
+        </p:txBody>
+      </p:sp>
+    </p:spTree>
+    <p:extLst>
+      <p:ext uri="{BB962C8B-B14F-4D97-AF65-F5344CB8AC3E}">
+        <p14:creationId xmlns:p14="http://schemas.microsoft.com/office/powerpoint/2010/main" val="2825129593"/>
+      </p:ext>
+    </p:extLst>
+  </p:cSld>
+  <p:clrMapOvr>
+    <a:masterClrMapping/>
+  </p:clrMapOvr>
+</p:sld>
+</file>
+
+<file path=ppt/slides/slide12.xml><?xml version="1.0" encoding="utf-8"?>
+<p:sld xmlns:a="http://schemas.openxmlformats.org/drawingml/2006/main" xmlns:r="http://schemas.openxmlformats.org/officeDocument/2006/relationships" xmlns:p="http://schemas.openxmlformats.org/presentationml/2006/main">
+  <p:cSld>
+    <p:spTree>
+      <p:nvGrpSpPr>
+        <p:cNvPr id="1" name=""/>
+        <p:cNvGrpSpPr/>
+        <p:nvPr/>
+      </p:nvGrpSpPr>
+      <p:grpSpPr>
+        <a:xfrm>
+          <a:off x="0" y="0"/>
+          <a:ext cx="0" cy="0"/>
+          <a:chOff x="0" y="0"/>
+          <a:chExt cx="0" cy="0"/>
+        </a:xfrm>
+      </p:grpSpPr>
+      <p:sp>
+        <p:nvSpPr>
+          <p:cNvPr id="2" name="Title 1">
+            <a:extLst>
+              <a:ext uri="{FF2B5EF4-FFF2-40B4-BE49-F238E27FC236}">
+                <a16:creationId xmlns:a16="http://schemas.microsoft.com/office/drawing/2014/main" id="{61C08744-3FB5-D448-9733-EB389CFB7253}"/>
+              </a:ext>
+            </a:extLst>
+          </p:cNvPr>
+          <p:cNvSpPr>
+            <a:spLocks noGrp="1"/>
+          </p:cNvSpPr>
+          <p:nvPr>
+            <p:ph type="title"/>
+          </p:nvPr>
+        </p:nvSpPr>
+        <p:spPr/>
+        <p:txBody>
+          <a:bodyPr/>
+          <a:lstStyle/>
+          <a:p>
+            <a:r>
+              <a:rPr lang="en-US" dirty="0"/>
+              <a:t>Open issues (2)</a:t>
+            </a:r>
+          </a:p>
+        </p:txBody>
+      </p:sp>
+      <p:sp>
+        <p:nvSpPr>
+          <p:cNvPr id="3" name="Content Placeholder 2">
+            <a:extLst>
+              <a:ext uri="{FF2B5EF4-FFF2-40B4-BE49-F238E27FC236}">
+                <a16:creationId xmlns:a16="http://schemas.microsoft.com/office/drawing/2014/main" id="{9639C560-520B-8341-8F84-C7D6921959C6}"/>
+              </a:ext>
+            </a:extLst>
+          </p:cNvPr>
+          <p:cNvSpPr>
+            <a:spLocks noGrp="1"/>
+          </p:cNvSpPr>
+          <p:nvPr>
+            <p:ph idx="1"/>
+          </p:nvPr>
+        </p:nvSpPr>
+        <p:spPr/>
+        <p:txBody>
+          <a:bodyPr/>
+          <a:lstStyle/>
+          <a:p>
+            <a:r>
+              <a:rPr lang="en-US" dirty="0"/>
+              <a:t>Should controller software be able to name PSA_PORT_CPU and PSA_PORT_RECIRCULATE values in target-independent way?</a:t>
+            </a:r>
+          </a:p>
+          <a:p>
+            <a:pPr lvl="1"/>
+            <a:r>
+              <a:rPr lang="en-US" dirty="0"/>
+              <a:t>Seems useful.  Seems like there should be a straightforward way to do this.</a:t>
+            </a:r>
+          </a:p>
+          <a:p>
+            <a:r>
+              <a:rPr lang="en-US" dirty="0"/>
+              <a:t>Potential quick hack:</a:t>
+            </a:r>
+          </a:p>
+          <a:p>
+            <a:pPr lvl="1"/>
+            <a:r>
+              <a:rPr lang="en-US" dirty="0"/>
+              <a:t>To generate P4Info file, compile with a psa.p4 file that has “</a:t>
+            </a:r>
+            <a:r>
+              <a:rPr lang="en-US" dirty="0" err="1"/>
+              <a:t>typedef</a:t>
+            </a:r>
+            <a:r>
+              <a:rPr lang="en-US" dirty="0"/>
+              <a:t> bit&lt;32&gt; </a:t>
+            </a:r>
+            <a:r>
+              <a:rPr lang="en-US" dirty="0" err="1"/>
+              <a:t>PortId_t</a:t>
+            </a:r>
+            <a:r>
+              <a:rPr lang="en-US" dirty="0"/>
+              <a:t>;”, the size in bits that you want </a:t>
+            </a:r>
+            <a:r>
+              <a:rPr lang="en-US" dirty="0" err="1"/>
+              <a:t>PortId_t</a:t>
+            </a:r>
+            <a:r>
+              <a:rPr lang="en-US" dirty="0"/>
+              <a:t> values to be between controllers/clients and agents/servers.</a:t>
+            </a:r>
+          </a:p>
+          <a:p>
+            <a:pPr lvl="1"/>
+            <a:r>
+              <a:rPr lang="en-US" dirty="0"/>
+              <a:t>I do not think this is a good long term approach, because for the 2 PSA types with numerical translation, </a:t>
+            </a:r>
+            <a:r>
+              <a:rPr lang="en-US" dirty="0" err="1"/>
+              <a:t>PortId_t</a:t>
+            </a:r>
+            <a:r>
+              <a:rPr lang="en-US" dirty="0"/>
+              <a:t> and </a:t>
+            </a:r>
+            <a:r>
+              <a:rPr lang="en-US" dirty="0" err="1"/>
+              <a:t>ClassOfService_t</a:t>
+            </a:r>
+            <a:r>
+              <a:rPr lang="en-US" dirty="0"/>
+              <a:t>, we still want to minimize annotations in P4 program myp4prog.p4 wherever those types are used, ideally 0 of them.</a:t>
+            </a:r>
+          </a:p>
+        </p:txBody>
+      </p:sp>
+    </p:spTree>
+    <p:extLst>
+      <p:ext uri="{BB962C8B-B14F-4D97-AF65-F5344CB8AC3E}">
+        <p14:creationId xmlns:p14="http://schemas.microsoft.com/office/powerpoint/2010/main" val="977021181"/>
+      </p:ext>
+    </p:extLst>
+  </p:cSld>
+  <p:clrMapOvr>
+    <a:masterClrMapping/>
+  </p:clrMapOvr>
+</p:sld>
+</file>
+
+<file path=ppt/slides/slide13.xml><?xml version="1.0" encoding="utf-8"?>
+<p:sld xmlns:a="http://schemas.openxmlformats.org/drawingml/2006/main" xmlns:r="http://schemas.openxmlformats.org/officeDocument/2006/relationships" xmlns:p="http://schemas.openxmlformats.org/presentationml/2006/main">
+  <p:cSld>
+    <p:spTree>
+      <p:nvGrpSpPr>
+        <p:cNvPr id="1" name=""/>
+        <p:cNvGrpSpPr/>
+        <p:nvPr/>
+      </p:nvGrpSpPr>
+      <p:grpSpPr>
+        <a:xfrm>
+          <a:off x="0" y="0"/>
+          <a:ext cx="0" cy="0"/>
+          <a:chOff x="0" y="0"/>
+          <a:chExt cx="0" cy="0"/>
+        </a:xfrm>
+      </p:grpSpPr>
+      <p:sp>
+        <p:nvSpPr>
+          <p:cNvPr id="2" name="Title 1">
+            <a:extLst>
+              <a:ext uri="{FF2B5EF4-FFF2-40B4-BE49-F238E27FC236}">
+                <a16:creationId xmlns:a16="http://schemas.microsoft.com/office/drawing/2014/main" id="{8AE57471-D256-1A47-B558-EFFC46430D19}"/>
+              </a:ext>
+            </a:extLst>
+          </p:cNvPr>
+          <p:cNvSpPr>
+            <a:spLocks noGrp="1"/>
+          </p:cNvSpPr>
+          <p:nvPr>
+            <p:ph type="title"/>
+          </p:nvPr>
+        </p:nvSpPr>
+        <p:spPr/>
+        <p:txBody>
+          <a:bodyPr/>
+          <a:lstStyle/>
+          <a:p>
+            <a:r>
+              <a:rPr lang="en-US" dirty="0"/>
+              <a:t>PSA Digest extern generation</a:t>
+            </a:r>
+          </a:p>
+        </p:txBody>
+      </p:sp>
+      <p:sp>
+        <p:nvSpPr>
+          <p:cNvPr id="3" name="Content Placeholder 2">
+            <a:extLst>
+              <a:ext uri="{FF2B5EF4-FFF2-40B4-BE49-F238E27FC236}">
+                <a16:creationId xmlns:a16="http://schemas.microsoft.com/office/drawing/2014/main" id="{5BBF2223-C3E7-814A-8178-7427E06D5BC3}"/>
+              </a:ext>
+            </a:extLst>
+          </p:cNvPr>
+          <p:cNvSpPr>
+            <a:spLocks noGrp="1"/>
+          </p:cNvSpPr>
+          <p:nvPr>
+            <p:ph idx="1"/>
+          </p:nvPr>
+        </p:nvSpPr>
+        <p:spPr>
+          <a:xfrm>
+            <a:off x="838200" y="5246557"/>
+            <a:ext cx="10515600" cy="1334125"/>
+          </a:xfrm>
+        </p:spPr>
+        <p:txBody>
+          <a:bodyPr>
+            <a:normAutofit fontScale="55000" lnSpcReduction="20000"/>
+          </a:bodyPr>
+          <a:lstStyle/>
+          <a:p>
+            <a:r>
+              <a:rPr lang="en-US" dirty="0"/>
+              <a:t>Digest and Register data value types are explicit part of object instantiation</a:t>
+            </a:r>
+          </a:p>
+          <a:p>
+            <a:r>
+              <a:rPr lang="en-US" dirty="0"/>
+              <a:t>Proposal: Regardless of the expressions in the method calls for these objects, use the type definition from the object instantiation, including the types of any fields in a </a:t>
+            </a:r>
+            <a:r>
+              <a:rPr lang="en-US" dirty="0" err="1"/>
+              <a:t>struct</a:t>
+            </a:r>
+            <a:r>
+              <a:rPr lang="en-US" dirty="0"/>
+              <a:t>.</a:t>
+            </a:r>
+          </a:p>
+          <a:p>
+            <a:r>
+              <a:rPr lang="en-US" dirty="0"/>
+              <a:t>Could be arbitrarily deep nested </a:t>
+            </a:r>
+            <a:r>
+              <a:rPr lang="en-US" dirty="0" err="1"/>
+              <a:t>struct</a:t>
+            </a:r>
+            <a:r>
+              <a:rPr lang="en-US" dirty="0"/>
+              <a:t>/etc. if P4Info supports that.</a:t>
+            </a:r>
+          </a:p>
+          <a:p>
+            <a:r>
+              <a:rPr lang="en-US" dirty="0"/>
+              <a:t>Currently p4c uses the names in the list expression to generate P4Info, disallowing expressions </a:t>
+            </a:r>
+            <a:r>
+              <a:rPr lang="en-US"/>
+              <a:t>or constants.</a:t>
+            </a:r>
+            <a:endParaRPr lang="en-US" dirty="0"/>
+          </a:p>
+        </p:txBody>
+      </p:sp>
+      <p:sp>
+        <p:nvSpPr>
+          <p:cNvPr id="4" name="TextBox 3">
+            <a:extLst>
+              <a:ext uri="{FF2B5EF4-FFF2-40B4-BE49-F238E27FC236}">
+                <a16:creationId xmlns:a16="http://schemas.microsoft.com/office/drawing/2014/main" id="{4BBCCE2F-152E-3243-A709-EE7B8743BC87}"/>
+              </a:ext>
+            </a:extLst>
+          </p:cNvPr>
+          <p:cNvSpPr txBox="1"/>
+          <p:nvPr/>
+        </p:nvSpPr>
+        <p:spPr>
+          <a:xfrm>
+            <a:off x="1139252" y="1749060"/>
+            <a:ext cx="6726585" cy="3139321"/>
+          </a:xfrm>
+          <a:prstGeom prst="rect">
+            <a:avLst/>
+          </a:prstGeom>
+          <a:noFill/>
+        </p:spPr>
+        <p:txBody>
+          <a:bodyPr wrap="none" rtlCol="0">
+            <a:spAutoFit/>
+          </a:bodyPr>
+          <a:lstStyle/>
+          <a:p>
+            <a:r>
+              <a:rPr lang="en-US" dirty="0" err="1"/>
+              <a:t>struct</a:t>
+            </a:r>
+            <a:r>
+              <a:rPr lang="en-US" dirty="0"/>
+              <a:t> </a:t>
+            </a:r>
+            <a:r>
+              <a:rPr lang="en-US" b="1" dirty="0" err="1"/>
+              <a:t>mac_learn_digest_t</a:t>
+            </a:r>
+            <a:r>
+              <a:rPr lang="en-US" b="1" dirty="0"/>
+              <a:t> </a:t>
+            </a:r>
+            <a:r>
+              <a:rPr lang="en-US" dirty="0"/>
+              <a:t>{</a:t>
+            </a:r>
+          </a:p>
+          <a:p>
+            <a:r>
+              <a:rPr lang="en-US" dirty="0"/>
+              <a:t>    </a:t>
+            </a:r>
+            <a:r>
+              <a:rPr lang="en-US" dirty="0" err="1"/>
+              <a:t>PortId_t</a:t>
+            </a:r>
+            <a:r>
+              <a:rPr lang="en-US" dirty="0"/>
+              <a:t> port;</a:t>
+            </a:r>
+          </a:p>
+          <a:p>
+            <a:r>
+              <a:rPr lang="en-US" dirty="0"/>
+              <a:t>    bit&lt;48&gt; </a:t>
+            </a:r>
+            <a:r>
+              <a:rPr lang="en-US" dirty="0" err="1"/>
+              <a:t>srcAddr</a:t>
+            </a:r>
+            <a:r>
+              <a:rPr lang="en-US" dirty="0"/>
+              <a:t>;</a:t>
+            </a:r>
+          </a:p>
+          <a:p>
+            <a:r>
+              <a:rPr lang="en-US" dirty="0"/>
+              <a:t>}</a:t>
+            </a:r>
+          </a:p>
+          <a:p>
+            <a:endParaRPr lang="en-US" dirty="0"/>
+          </a:p>
+          <a:p>
+            <a:r>
+              <a:rPr lang="en-US" dirty="0"/>
+              <a:t>control </a:t>
+            </a:r>
+            <a:r>
+              <a:rPr lang="en-US" dirty="0" err="1"/>
+              <a:t>DeparserImpl</a:t>
+            </a:r>
+            <a:r>
+              <a:rPr lang="en-US" dirty="0"/>
+              <a:t> ( … ) {</a:t>
+            </a:r>
+          </a:p>
+          <a:p>
+            <a:r>
+              <a:rPr lang="en-US" dirty="0"/>
+              <a:t>﻿    Digest&lt;</a:t>
+            </a:r>
+            <a:r>
+              <a:rPr lang="en-US" b="1" dirty="0" err="1"/>
+              <a:t>mac_learn_digest_t</a:t>
+            </a:r>
+            <a:r>
+              <a:rPr lang="en-US" dirty="0"/>
+              <a:t>&gt;() </a:t>
+            </a:r>
+            <a:r>
+              <a:rPr lang="en-US" dirty="0" err="1"/>
+              <a:t>mac_learn_digest</a:t>
+            </a:r>
+            <a:r>
+              <a:rPr lang="en-US" dirty="0"/>
+              <a:t>;</a:t>
+            </a:r>
+          </a:p>
+          <a:p>
+            <a:r>
+              <a:rPr lang="en-US" dirty="0"/>
+              <a:t>    apply {</a:t>
+            </a:r>
+          </a:p>
+          <a:p>
+            <a:r>
+              <a:rPr lang="en-US" dirty="0"/>
+              <a:t>        </a:t>
+            </a:r>
+            <a:r>
+              <a:rPr lang="en-US" dirty="0" err="1"/>
+              <a:t>mac_learn_digest.pack</a:t>
+            </a:r>
+            <a:r>
+              <a:rPr lang="en-US" dirty="0"/>
+              <a:t>({ </a:t>
+            </a:r>
+            <a:r>
+              <a:rPr lang="en-US" dirty="0" err="1"/>
+              <a:t>meta.learn_port</a:t>
+            </a:r>
+            <a:r>
+              <a:rPr lang="en-US" dirty="0"/>
+              <a:t>, </a:t>
+            </a:r>
+            <a:r>
+              <a:rPr lang="en-US" dirty="0" err="1"/>
+              <a:t>meta.learn_srcAddr</a:t>
+            </a:r>
+            <a:r>
+              <a:rPr lang="en-US" dirty="0"/>
+              <a:t> });</a:t>
+            </a:r>
+          </a:p>
+          <a:p>
+            <a:r>
+              <a:rPr lang="en-US" dirty="0"/>
+              <a:t>    }</a:t>
+            </a:r>
+          </a:p>
+          <a:p>
+            <a:r>
+              <a:rPr lang="en-US" dirty="0"/>
+              <a:t>}</a:t>
+            </a:r>
+          </a:p>
+        </p:txBody>
+      </p:sp>
+    </p:spTree>
+    <p:extLst>
+      <p:ext uri="{BB962C8B-B14F-4D97-AF65-F5344CB8AC3E}">
+        <p14:creationId xmlns:p14="http://schemas.microsoft.com/office/powerpoint/2010/main" val="149449596"/>
+      </p:ext>
+    </p:extLst>
+  </p:cSld>
+  <p:clrMapOvr>
+    <a:masterClrMapping/>
+  </p:clrMapOvr>
+</p:sld>
+</file>
+
+<file path=ppt/slides/slide14.xml><?xml version="1.0" encoding="utf-8"?>
+<p:sld xmlns:a="http://schemas.openxmlformats.org/drawingml/2006/main" xmlns:r="http://schemas.openxmlformats.org/officeDocument/2006/relationships" xmlns:p="http://schemas.openxmlformats.org/presentationml/2006/main">
+  <p:cSld>
+    <p:spTree>
+      <p:nvGrpSpPr>
+        <p:cNvPr id="1" name=""/>
+        <p:cNvGrpSpPr/>
+        <p:nvPr/>
+      </p:nvGrpSpPr>
+      <p:grpSpPr>
+        <a:xfrm>
+          <a:off x="0" y="0"/>
+          <a:ext cx="0" cy="0"/>
+          <a:chOff x="0" y="0"/>
+          <a:chExt cx="0" cy="0"/>
+        </a:xfrm>
+      </p:grpSpPr>
+      <p:sp>
+        <p:nvSpPr>
+          <p:cNvPr id="2" name="Title 1">
+            <a:extLst>
+              <a:ext uri="{FF2B5EF4-FFF2-40B4-BE49-F238E27FC236}">
+                <a16:creationId xmlns:a16="http://schemas.microsoft.com/office/drawing/2014/main" id="{8723C0AD-C1A9-F34A-8EBF-6EAFA189FBC8}"/>
+              </a:ext>
+            </a:extLst>
+          </p:cNvPr>
+          <p:cNvSpPr>
+            <a:spLocks noGrp="1"/>
+          </p:cNvSpPr>
+          <p:nvPr>
+            <p:ph type="title"/>
+          </p:nvPr>
+        </p:nvSpPr>
+        <p:spPr/>
+        <p:txBody>
+          <a:bodyPr/>
+          <a:lstStyle/>
+          <a:p>
+            <a:r>
+              <a:rPr lang="en-US" dirty="0"/>
+              <a:t>Rules for types of expression</a:t>
+            </a:r>
+          </a:p>
+        </p:txBody>
+      </p:sp>
+      <p:sp>
+        <p:nvSpPr>
+          <p:cNvPr id="3" name="Content Placeholder 2">
+            <a:extLst>
+              <a:ext uri="{FF2B5EF4-FFF2-40B4-BE49-F238E27FC236}">
+                <a16:creationId xmlns:a16="http://schemas.microsoft.com/office/drawing/2014/main" id="{88DF6A85-BFAF-5F4B-B645-7BBB3DFA9FB0}"/>
+              </a:ext>
+            </a:extLst>
+          </p:cNvPr>
+          <p:cNvSpPr>
+            <a:spLocks noGrp="1"/>
+          </p:cNvSpPr>
+          <p:nvPr>
+            <p:ph idx="1"/>
+          </p:nvPr>
+        </p:nvSpPr>
+        <p:spPr/>
+        <p:txBody>
+          <a:bodyPr/>
+          <a:lstStyle/>
+          <a:p>
+            <a:endParaRPr lang="en-US"/>
+          </a:p>
+        </p:txBody>
+      </p:sp>
+    </p:spTree>
+    <p:extLst>
+      <p:ext uri="{BB962C8B-B14F-4D97-AF65-F5344CB8AC3E}">
+        <p14:creationId xmlns:p14="http://schemas.microsoft.com/office/powerpoint/2010/main" val="3908515449"/>
+      </p:ext>
+    </p:extLst>
+  </p:cSld>
+  <p:clrMapOvr>
+    <a:masterClrMapping/>
+  </p:clrMapOvr>
+</p:sld>
+</file>
+
+<file path=ppt/slides/slide15.xml><?xml version="1.0" encoding="utf-8"?>
+<p:sld xmlns:a="http://schemas.openxmlformats.org/drawingml/2006/main" xmlns:r="http://schemas.openxmlformats.org/officeDocument/2006/relationships" xmlns:p="http://schemas.openxmlformats.org/presentationml/2006/main">
+  <p:cSld>
+    <p:spTree>
+      <p:nvGrpSpPr>
+        <p:cNvPr id="1" name=""/>
+        <p:cNvGrpSpPr/>
+        <p:nvPr/>
+      </p:nvGrpSpPr>
+      <p:grpSpPr>
+        <a:xfrm>
+          <a:off x="0" y="0"/>
+          <a:ext cx="0" cy="0"/>
+          <a:chOff x="0" y="0"/>
+          <a:chExt cx="0" cy="0"/>
+        </a:xfrm>
+      </p:grpSpPr>
+      <p:sp>
+        <p:nvSpPr>
+          <p:cNvPr id="2" name="Title 1">
+            <a:extLst>
+              <a:ext uri="{FF2B5EF4-FFF2-40B4-BE49-F238E27FC236}">
+                <a16:creationId xmlns:a16="http://schemas.microsoft.com/office/drawing/2014/main" id="{4591FF90-0216-FB4A-A1A6-133587C87D41}"/>
+              </a:ext>
+            </a:extLst>
+          </p:cNvPr>
+          <p:cNvSpPr>
+            <a:spLocks noGrp="1"/>
+          </p:cNvSpPr>
+          <p:nvPr>
+            <p:ph type="title"/>
+          </p:nvPr>
+        </p:nvSpPr>
+        <p:spPr/>
+        <p:txBody>
+          <a:bodyPr/>
+          <a:lstStyle/>
+          <a:p>
+            <a:r>
+              <a:rPr lang="en-US" dirty="0"/>
+              <a:t>Determining types of expressions – idea #1</a:t>
+            </a:r>
+          </a:p>
+        </p:txBody>
+      </p:sp>
+      <p:sp>
+        <p:nvSpPr>
+          <p:cNvPr id="3" name="Content Placeholder 2">
+            <a:extLst>
+              <a:ext uri="{FF2B5EF4-FFF2-40B4-BE49-F238E27FC236}">
+                <a16:creationId xmlns:a16="http://schemas.microsoft.com/office/drawing/2014/main" id="{3FB690FD-61E6-A44D-B27E-3A1D05650047}"/>
+              </a:ext>
+            </a:extLst>
+          </p:cNvPr>
+          <p:cNvSpPr>
+            <a:spLocks noGrp="1"/>
+          </p:cNvSpPr>
+          <p:nvPr>
+            <p:ph idx="1"/>
+          </p:nvPr>
+        </p:nvSpPr>
+        <p:spPr/>
+        <p:txBody>
+          <a:bodyPr>
+            <a:normAutofit fontScale="77500" lnSpcReduction="20000"/>
+          </a:bodyPr>
+          <a:lstStyle/>
+          <a:p>
+            <a:r>
+              <a:rPr lang="en-US" dirty="0" err="1"/>
+              <a:t>PortId_t</a:t>
+            </a:r>
+            <a:r>
+              <a:rPr lang="en-US" dirty="0"/>
+              <a:t> values support all operations that values of type bit&lt;X&gt; do, but only with other values of type </a:t>
+            </a:r>
+            <a:r>
+              <a:rPr lang="en-US" dirty="0" err="1"/>
+              <a:t>PortId_t</a:t>
+            </a:r>
+            <a:r>
+              <a:rPr lang="en-US" dirty="0"/>
+              <a:t>, </a:t>
+            </a:r>
+            <a:r>
+              <a:rPr lang="en-US" u="sng" dirty="0"/>
+              <a:t>not</a:t>
+            </a:r>
+            <a:r>
+              <a:rPr lang="en-US" dirty="0"/>
+              <a:t> with values of type bit&lt;X&gt;</a:t>
+            </a:r>
+          </a:p>
+          <a:p>
+            <a:r>
+              <a:rPr lang="en-US" dirty="0"/>
+              <a:t>Deriving type of expression that includes </a:t>
+            </a:r>
+            <a:r>
+              <a:rPr lang="en-US" dirty="0" err="1"/>
+              <a:t>PortId_t</a:t>
+            </a:r>
+            <a:r>
+              <a:rPr lang="en-US" dirty="0"/>
+              <a:t> types becomes easy for compiler</a:t>
+            </a:r>
+          </a:p>
+          <a:p>
+            <a:pPr lvl="1"/>
+            <a:r>
+              <a:rPr lang="en-US" dirty="0"/>
+              <a:t>(</a:t>
+            </a:r>
+            <a:r>
+              <a:rPr lang="en-US" dirty="0" err="1"/>
+              <a:t>PortId_t</a:t>
+            </a:r>
+            <a:r>
+              <a:rPr lang="en-US" dirty="0"/>
+              <a:t> &lt;</a:t>
+            </a:r>
+            <a:r>
+              <a:rPr lang="en-US" dirty="0" err="1"/>
+              <a:t>binary_op</a:t>
+            </a:r>
+            <a:r>
+              <a:rPr lang="en-US" dirty="0"/>
+              <a:t>&gt; </a:t>
+            </a:r>
+            <a:r>
+              <a:rPr lang="en-US" dirty="0" err="1"/>
+              <a:t>PortId_t</a:t>
+            </a:r>
+            <a:r>
+              <a:rPr lang="en-US" dirty="0"/>
+              <a:t>) and (&lt;</a:t>
+            </a:r>
+            <a:r>
+              <a:rPr lang="en-US" dirty="0" err="1"/>
+              <a:t>unary_op</a:t>
+            </a:r>
+            <a:r>
+              <a:rPr lang="en-US" dirty="0"/>
+              <a:t>&gt; </a:t>
+            </a:r>
+            <a:r>
+              <a:rPr lang="en-US" dirty="0" err="1"/>
+              <a:t>PortId_t</a:t>
+            </a:r>
+            <a:r>
+              <a:rPr lang="en-US" dirty="0"/>
+              <a:t>) are always type </a:t>
+            </a:r>
+            <a:r>
+              <a:rPr lang="en-US" dirty="0" err="1"/>
+              <a:t>PortId_t</a:t>
+            </a:r>
+            <a:r>
+              <a:rPr lang="en-US" dirty="0"/>
+              <a:t>.</a:t>
+            </a:r>
+          </a:p>
+          <a:p>
+            <a:pPr lvl="1"/>
+            <a:r>
+              <a:rPr lang="en-US" dirty="0"/>
+              <a:t>(</a:t>
+            </a:r>
+            <a:r>
+              <a:rPr lang="en-US" dirty="0" err="1"/>
+              <a:t>PortId_t</a:t>
+            </a:r>
+            <a:r>
+              <a:rPr lang="en-US" dirty="0"/>
+              <a:t> &lt;</a:t>
+            </a:r>
+            <a:r>
+              <a:rPr lang="en-US" dirty="0" err="1"/>
+              <a:t>binary_op</a:t>
+            </a:r>
+            <a:r>
+              <a:rPr lang="en-US" dirty="0"/>
+              <a:t>&gt; bit&lt;X&gt; value) is compiler error, even if they are same bit width</a:t>
+            </a:r>
+          </a:p>
+          <a:p>
+            <a:pPr lvl="1"/>
+            <a:r>
+              <a:rPr lang="en-US" dirty="0"/>
+              <a:t>(</a:t>
+            </a:r>
+            <a:r>
+              <a:rPr lang="en-US" dirty="0" err="1"/>
+              <a:t>PortId_t</a:t>
+            </a:r>
+            <a:r>
+              <a:rPr lang="en-US" dirty="0"/>
+              <a:t> &lt;</a:t>
+            </a:r>
+            <a:r>
+              <a:rPr lang="en-US" dirty="0" err="1"/>
+              <a:t>binary_op</a:t>
+            </a:r>
+            <a:r>
+              <a:rPr lang="en-US" dirty="0"/>
+              <a:t>&gt; </a:t>
+            </a:r>
+            <a:r>
+              <a:rPr lang="en-US" dirty="0" err="1"/>
+              <a:t>ClassOfService_t</a:t>
+            </a:r>
+            <a:r>
+              <a:rPr lang="en-US" dirty="0"/>
+              <a:t>) is compiler error, even if they are same bit width</a:t>
+            </a:r>
+          </a:p>
+          <a:p>
+            <a:r>
+              <a:rPr lang="en-US" dirty="0"/>
+              <a:t>Values of type bit&lt;X&gt; and </a:t>
+            </a:r>
+            <a:r>
+              <a:rPr lang="en-US" dirty="0" err="1"/>
+              <a:t>PortId_t</a:t>
+            </a:r>
+            <a:r>
+              <a:rPr lang="en-US" dirty="0"/>
+              <a:t> can be cast to each other.</a:t>
+            </a:r>
+          </a:p>
+          <a:p>
+            <a:pPr lvl="1"/>
+            <a:r>
+              <a:rPr lang="en-US" dirty="0"/>
+              <a:t>This does </a:t>
+            </a:r>
+            <a:r>
+              <a:rPr lang="en-US" u="sng" dirty="0"/>
+              <a:t>not</a:t>
+            </a:r>
+            <a:r>
+              <a:rPr lang="en-US" dirty="0"/>
+              <a:t> cause any change in the bit pattern in the data plane – the cast is just to keep the types separate from each other, to make expression type derivation straightforward.</a:t>
+            </a:r>
+          </a:p>
+          <a:p>
+            <a:pPr lvl="1"/>
+            <a:r>
+              <a:rPr lang="en-US" dirty="0"/>
+              <a:t>Lets you do potentially wrong things if you really want to, as long as you use the right casts:</a:t>
+            </a:r>
+          </a:p>
+          <a:p>
+            <a:pPr lvl="2"/>
+            <a:r>
+              <a:rPr lang="en-US" dirty="0"/>
+              <a:t>(</a:t>
+            </a:r>
+            <a:r>
+              <a:rPr lang="en-US" dirty="0" err="1"/>
+              <a:t>my_port</a:t>
+            </a:r>
+            <a:r>
+              <a:rPr lang="en-US" dirty="0"/>
+              <a:t> + 1) is compiler error, but (</a:t>
+            </a:r>
+            <a:r>
+              <a:rPr lang="en-US" dirty="0" err="1"/>
+              <a:t>my_port</a:t>
+            </a:r>
+            <a:r>
+              <a:rPr lang="en-US" dirty="0"/>
+              <a:t> + (</a:t>
+            </a:r>
+            <a:r>
+              <a:rPr lang="en-US" dirty="0" err="1"/>
+              <a:t>PortId_t</a:t>
+            </a:r>
+            <a:r>
+              <a:rPr lang="en-US" dirty="0"/>
+              <a:t>) 1) compiles and does the thing you would expect with the bit patterns, and has type </a:t>
+            </a:r>
+            <a:r>
+              <a:rPr lang="en-US" dirty="0" err="1"/>
+              <a:t>PortId_t</a:t>
+            </a:r>
+            <a:r>
+              <a:rPr lang="en-US" dirty="0"/>
+              <a:t>.</a:t>
+            </a:r>
+          </a:p>
+          <a:p>
+            <a:pPr lvl="1"/>
+            <a:r>
+              <a:rPr lang="en-US" dirty="0"/>
+              <a:t>Some potentially functionally wrong things don’t require casts, e.g. (my_portid1 + my_portid2).</a:t>
+            </a:r>
+          </a:p>
+          <a:p>
+            <a:pPr lvl="2"/>
+            <a:r>
+              <a:rPr lang="en-US" dirty="0"/>
+              <a:t>The compiler can’t stop you from writing functional errors in all cases.  I don’t think anyone should reasonably expect a compiler to catch all possible functional errors (or even many of them).</a:t>
+            </a:r>
+          </a:p>
+        </p:txBody>
+      </p:sp>
+    </p:spTree>
+    <p:extLst>
+      <p:ext uri="{BB962C8B-B14F-4D97-AF65-F5344CB8AC3E}">
+        <p14:creationId xmlns:p14="http://schemas.microsoft.com/office/powerpoint/2010/main" val="3136976746"/>
+      </p:ext>
+    </p:extLst>
+  </p:cSld>
+  <p:clrMapOvr>
+    <a:masterClrMapping/>
+  </p:clrMapOvr>
+</p:sld>
+</file>
+
+<file path=ppt/slides/slide16.xml><?xml version="1.0" encoding="utf-8"?>
+<p:sld xmlns:a="http://schemas.openxmlformats.org/drawingml/2006/main" xmlns:r="http://schemas.openxmlformats.org/officeDocument/2006/relationships" xmlns:p="http://schemas.openxmlformats.org/presentationml/2006/main">
+  <p:cSld>
+    <p:spTree>
+      <p:nvGrpSpPr>
+        <p:cNvPr id="1" name=""/>
+        <p:cNvGrpSpPr/>
+        <p:nvPr/>
+      </p:nvGrpSpPr>
+      <p:grpSpPr>
+        <a:xfrm>
+          <a:off x="0" y="0"/>
+          <a:ext cx="0" cy="0"/>
+          <a:chOff x="0" y="0"/>
+          <a:chExt cx="0" cy="0"/>
+        </a:xfrm>
+      </p:grpSpPr>
+      <p:sp>
+        <p:nvSpPr>
+          <p:cNvPr id="2" name="Title 1">
+            <a:extLst>
+              <a:ext uri="{FF2B5EF4-FFF2-40B4-BE49-F238E27FC236}">
+                <a16:creationId xmlns:a16="http://schemas.microsoft.com/office/drawing/2014/main" id="{4591FF90-0216-FB4A-A1A6-133587C87D41}"/>
+              </a:ext>
+            </a:extLst>
+          </p:cNvPr>
+          <p:cNvSpPr>
+            <a:spLocks noGrp="1"/>
+          </p:cNvSpPr>
+          <p:nvPr>
+            <p:ph type="title"/>
+          </p:nvPr>
+        </p:nvSpPr>
+        <p:spPr/>
+        <p:txBody>
+          <a:bodyPr/>
+          <a:lstStyle/>
+          <a:p>
+            <a:r>
+              <a:rPr lang="en-US" dirty="0"/>
+              <a:t>Determining types of expressions – idea #2</a:t>
+            </a:r>
+          </a:p>
+        </p:txBody>
+      </p:sp>
+      <p:sp>
+        <p:nvSpPr>
+          <p:cNvPr id="3" name="Content Placeholder 2">
+            <a:extLst>
+              <a:ext uri="{FF2B5EF4-FFF2-40B4-BE49-F238E27FC236}">
+                <a16:creationId xmlns:a16="http://schemas.microsoft.com/office/drawing/2014/main" id="{3FB690FD-61E6-A44D-B27E-3A1D05650047}"/>
+              </a:ext>
+            </a:extLst>
+          </p:cNvPr>
+          <p:cNvSpPr>
+            <a:spLocks noGrp="1"/>
+          </p:cNvSpPr>
+          <p:nvPr>
+            <p:ph idx="1"/>
+          </p:nvPr>
+        </p:nvSpPr>
+        <p:spPr/>
+        <p:txBody>
+          <a:bodyPr>
+            <a:normAutofit/>
+          </a:bodyPr>
+          <a:lstStyle/>
+          <a:p>
+            <a:r>
+              <a:rPr lang="en-US" dirty="0" err="1"/>
+              <a:t>PortId_t</a:t>
+            </a:r>
+            <a:r>
+              <a:rPr lang="en-US" dirty="0"/>
+              <a:t> values support all operations that values of type bit&lt;X&gt; do, </a:t>
+            </a:r>
+            <a:r>
+              <a:rPr lang="en-US" u="sng" dirty="0"/>
+              <a:t>including</a:t>
+            </a:r>
+            <a:r>
+              <a:rPr lang="en-US" dirty="0"/>
+              <a:t> with other unsigned values of same bit width</a:t>
+            </a:r>
+          </a:p>
+          <a:p>
+            <a:pPr lvl="1"/>
+            <a:r>
+              <a:rPr lang="en-US" dirty="0"/>
+              <a:t>(</a:t>
+            </a:r>
+            <a:r>
+              <a:rPr lang="en-US" dirty="0" err="1"/>
+              <a:t>PortId_t</a:t>
+            </a:r>
+            <a:r>
+              <a:rPr lang="en-US" dirty="0"/>
+              <a:t> &lt;</a:t>
+            </a:r>
+            <a:r>
+              <a:rPr lang="en-US" dirty="0" err="1"/>
+              <a:t>binary_op</a:t>
+            </a:r>
+            <a:r>
+              <a:rPr lang="en-US" dirty="0"/>
+              <a:t>&gt; </a:t>
+            </a:r>
+            <a:r>
+              <a:rPr lang="en-US" dirty="0" err="1"/>
+              <a:t>PortId_t</a:t>
+            </a:r>
+            <a:r>
+              <a:rPr lang="en-US" dirty="0"/>
+              <a:t>) and (&lt;</a:t>
+            </a:r>
+            <a:r>
+              <a:rPr lang="en-US" dirty="0" err="1"/>
+              <a:t>unary_op</a:t>
+            </a:r>
+            <a:r>
+              <a:rPr lang="en-US" dirty="0"/>
+              <a:t>&gt; </a:t>
+            </a:r>
+            <a:r>
+              <a:rPr lang="en-US" dirty="0" err="1"/>
+              <a:t>PortId_t</a:t>
+            </a:r>
+            <a:r>
+              <a:rPr lang="en-US" dirty="0"/>
+              <a:t>) are always type </a:t>
+            </a:r>
+            <a:r>
+              <a:rPr lang="en-US" dirty="0" err="1"/>
+              <a:t>PortId_t</a:t>
+            </a:r>
+            <a:r>
+              <a:rPr lang="en-US" dirty="0"/>
+              <a:t>.  OK</a:t>
+            </a:r>
+          </a:p>
+          <a:p>
+            <a:pPr lvl="1"/>
+            <a:r>
+              <a:rPr lang="en-US" dirty="0"/>
+              <a:t>What type should (</a:t>
+            </a:r>
+            <a:r>
+              <a:rPr lang="en-US" dirty="0" err="1"/>
+              <a:t>PortId_t</a:t>
+            </a:r>
+            <a:r>
+              <a:rPr lang="en-US" dirty="0"/>
+              <a:t> &lt;</a:t>
+            </a:r>
+            <a:r>
+              <a:rPr lang="en-US" dirty="0" err="1"/>
+              <a:t>binary_op</a:t>
+            </a:r>
+            <a:r>
+              <a:rPr lang="en-US" dirty="0"/>
+              <a:t>&gt; </a:t>
+            </a:r>
+            <a:r>
+              <a:rPr lang="en-US" dirty="0" err="1"/>
+              <a:t>bix</a:t>
+            </a:r>
+            <a:r>
+              <a:rPr lang="en-US" dirty="0"/>
+              <a:t>&lt;X&gt; value) be?</a:t>
+            </a:r>
+          </a:p>
+          <a:p>
+            <a:pPr lvl="1"/>
+            <a:r>
+              <a:rPr lang="en-US" dirty="0"/>
+              <a:t>What type should (</a:t>
+            </a:r>
+            <a:r>
+              <a:rPr lang="en-US" dirty="0" err="1"/>
+              <a:t>PortId_t</a:t>
+            </a:r>
+            <a:r>
+              <a:rPr lang="en-US" dirty="0"/>
+              <a:t> &lt;</a:t>
+            </a:r>
+            <a:r>
+              <a:rPr lang="en-US" dirty="0" err="1"/>
+              <a:t>binary_op</a:t>
+            </a:r>
+            <a:r>
+              <a:rPr lang="en-US" dirty="0"/>
+              <a:t>&gt; </a:t>
+            </a:r>
+            <a:r>
+              <a:rPr lang="en-US" dirty="0" err="1"/>
+              <a:t>ClassOfService_t</a:t>
+            </a:r>
+            <a:r>
+              <a:rPr lang="en-US" dirty="0"/>
+              <a:t>) be?</a:t>
+            </a:r>
+          </a:p>
+          <a:p>
+            <a:r>
+              <a:rPr lang="en-US" dirty="0"/>
+              <a:t>I do not see how to make this idea work in any desirable way.</a:t>
+            </a:r>
+          </a:p>
+          <a:p>
+            <a:pPr lvl="1"/>
+            <a:r>
+              <a:rPr lang="en-US" dirty="0"/>
+              <a:t>How would you mark </a:t>
+            </a:r>
+            <a:r>
+              <a:rPr lang="en-US" dirty="0" err="1"/>
+              <a:t>PortId_t</a:t>
+            </a:r>
+            <a:r>
+              <a:rPr lang="en-US" dirty="0"/>
+              <a:t> values specially in P4Info file for control plane, but </a:t>
+            </a:r>
+            <a:r>
+              <a:rPr lang="en-US" u="sng" dirty="0"/>
+              <a:t>not</a:t>
+            </a:r>
+            <a:r>
+              <a:rPr lang="en-US" dirty="0"/>
+              <a:t> also values of type bit&lt;7&gt;, which happen on some platforms to be same bit width as </a:t>
+            </a:r>
+            <a:r>
+              <a:rPr lang="en-US" dirty="0" err="1"/>
+              <a:t>PortId_t</a:t>
+            </a:r>
+            <a:r>
+              <a:rPr lang="en-US" dirty="0"/>
+              <a:t>?</a:t>
+            </a:r>
+          </a:p>
+        </p:txBody>
+      </p:sp>
+    </p:spTree>
+    <p:extLst>
+      <p:ext uri="{BB962C8B-B14F-4D97-AF65-F5344CB8AC3E}">
+        <p14:creationId xmlns:p14="http://schemas.microsoft.com/office/powerpoint/2010/main" val="3466415511"/>
       </p:ext>
     </p:extLst>
   </p:cSld>
@@ -3431,7 +4919,7 @@
           <p:cNvPr id="2" name="Title 1">
             <a:extLst>
               <a:ext uri="{FF2B5EF4-FFF2-40B4-BE49-F238E27FC236}">
-                <a16:creationId xmlns:a16="http://schemas.microsoft.com/office/drawing/2014/main" id="{1EAE5722-6359-D247-8EE2-51CF6CDEB9C8}"/>
+                <a16:creationId xmlns:a16="http://schemas.microsoft.com/office/drawing/2014/main" id="{17126B98-4527-6A48-830C-16B88071B2D4}"/>
               </a:ext>
             </a:extLst>
           </p:cNvPr>
@@ -3442,15 +4930,17 @@
             <p:ph type="title"/>
           </p:nvPr>
         </p:nvSpPr>
-        <p:spPr/>
+        <p:spPr>
+          <a:xfrm>
+            <a:off x="838200" y="365125"/>
+            <a:ext cx="6686862" cy="1325563"/>
+          </a:xfrm>
+        </p:spPr>
         <p:txBody>
           <a:bodyPr/>
           <a:lstStyle/>
           <a:p>
-            <a:r>
-              <a:rPr lang="en-US" dirty="0"/>
-              <a:t>Goals</a:t>
-            </a:r>
+            <a:endParaRPr lang="en-US"/>
           </a:p>
         </p:txBody>
       </p:sp>
@@ -3459,7 +4949,7 @@
           <p:cNvPr id="3" name="Content Placeholder 2">
             <a:extLst>
               <a:ext uri="{FF2B5EF4-FFF2-40B4-BE49-F238E27FC236}">
-                <a16:creationId xmlns:a16="http://schemas.microsoft.com/office/drawing/2014/main" id="{BBDE3C08-1941-3848-B1D0-49B08EE3AA31}"/>
+                <a16:creationId xmlns:a16="http://schemas.microsoft.com/office/drawing/2014/main" id="{9310ECD1-87D2-BF43-8BFE-47B06D31C4B2}"/>
               </a:ext>
             </a:extLst>
           </p:cNvPr>
@@ -3470,7 +4960,12 @@
             <p:ph idx="1"/>
           </p:nvPr>
         </p:nvSpPr>
-        <p:spPr/>
+        <p:spPr>
+          <a:xfrm>
+            <a:off x="7601307" y="194873"/>
+            <a:ext cx="4345854" cy="6505730"/>
+          </a:xfrm>
+        </p:spPr>
         <p:txBody>
           <a:bodyPr>
             <a:normAutofit fontScale="70000" lnSpcReduction="20000"/>
@@ -3479,28 +4974,91 @@
           <a:p>
             <a:r>
               <a:rPr lang="en-US" dirty="0"/>
-              <a:t>Enable writing a P4_16 source program myp4prog.p4 that does </a:t>
-            </a:r>
-            <a:r>
-              <a:rPr lang="en-US" b="1" dirty="0"/>
-              <a:t>#include “psa.p4” </a:t>
-            </a:r>
-            <a:r>
-              <a:rPr lang="en-US" dirty="0"/>
-              <a:t>near the top, and can be compiled to multiple target devices</a:t>
-            </a:r>
+              <a:t>P4Runtime control protocol uses </a:t>
+            </a:r>
+            <a:r>
+              <a:rPr lang="en-US" dirty="0" err="1"/>
+              <a:t>gRPC</a:t>
+            </a:r>
+            <a:endParaRPr lang="en-US" dirty="0"/>
           </a:p>
           <a:p>
             <a:pPr lvl="1"/>
             <a:r>
               <a:rPr lang="en-US" dirty="0"/>
-              <a:t>without requiring changes to myp4prog.p4 for each target.</a:t>
-            </a:r>
-          </a:p>
-          <a:p>
-            <a:r>
-              <a:rPr lang="en-US" dirty="0"/>
-              <a:t>For port ids, different targets want to customize the size of type </a:t>
+              <a:t>Serialization into bytes uses Google Protocol Buffers</a:t>
+            </a:r>
+          </a:p>
+          <a:p>
+            <a:pPr lvl="1"/>
+            <a:r>
+              <a:rPr lang="en-US" dirty="0"/>
+              <a:t>Transport method between controller and agents is likely HTTP / TCP / etc.</a:t>
+            </a:r>
+          </a:p>
+          <a:p>
+            <a:pPr lvl="1"/>
+            <a:r>
+              <a:rPr lang="en-US" dirty="0"/>
+              <a:t>Values of type bit&lt;17&gt; in P4 program will be serialized with padding up to whole number of bytes, but P4Info file will contain bit&lt;17&gt; type, not bit&lt;24&gt;.  Controller software </a:t>
+            </a:r>
+            <a:r>
+              <a:rPr lang="en-US" u="sng" dirty="0"/>
+              <a:t>should</a:t>
+            </a:r>
+            <a:r>
+              <a:rPr lang="en-US" dirty="0"/>
+              <a:t> know data plane has 17-bit width, to know legal range of values possible.</a:t>
+            </a:r>
+          </a:p>
+          <a:p>
+            <a:pPr lvl="1"/>
+            <a:r>
+              <a:rPr lang="en-US" dirty="0"/>
+              <a:t>PSA types with target-specific widths will have widths defined by P4Runtime or PSA spec, wide enough for </a:t>
+            </a:r>
+            <a:r>
+              <a:rPr lang="en-US" u="sng" dirty="0"/>
+              <a:t>all</a:t>
+            </a:r>
+            <a:r>
+              <a:rPr lang="en-US" dirty="0"/>
+              <a:t> PSA targets, e.g. 32 bits for port ids.</a:t>
+            </a:r>
+          </a:p>
+          <a:p>
+            <a:r>
+              <a:rPr lang="en-US" dirty="0"/>
+              <a:t>Agent software speaks P4Runtime to controller</a:t>
+            </a:r>
+          </a:p>
+          <a:p>
+            <a:pPr lvl="1"/>
+            <a:r>
+              <a:rPr lang="en-US" dirty="0"/>
+              <a:t>But it has a large portion of its code that is very specific to target device.</a:t>
+            </a:r>
+          </a:p>
+          <a:p>
+            <a:pPr lvl="1"/>
+            <a:r>
+              <a:rPr lang="en-US" dirty="0"/>
+              <a:t>If target is an ASIC / FGPA / NPU, typically agent will run on a general purpose CPU on the same board as target, and use something like </a:t>
+            </a:r>
+            <a:r>
+              <a:rPr lang="en-US" dirty="0" err="1"/>
+              <a:t>PCIe</a:t>
+            </a:r>
+            <a:r>
+              <a:rPr lang="en-US" dirty="0"/>
+              <a:t> interface to do register reads and writes and DMA to the target.</a:t>
+            </a:r>
+          </a:p>
+          <a:p>
+            <a:pPr lvl="1"/>
+            <a:r>
+              <a:rPr lang="en-US" dirty="0"/>
+              <a:t>Target X Agent knows how to numerically translate 32-bit control plane port values to/from target X 7-bit </a:t>
             </a:r>
             <a:r>
               <a:rPr lang="en-US" dirty="0" err="1"/>
@@ -3508,119 +5066,832 @@
             </a:r>
             <a:r>
               <a:rPr lang="en-US" dirty="0"/>
-              <a:t> </a:t>
-            </a:r>
-            <a:r>
-              <a:rPr lang="en-US" b="1" u="sng" dirty="0"/>
-              <a:t>in the data plane</a:t>
-            </a:r>
-            <a:r>
-              <a:rPr lang="en-US" dirty="0"/>
-              <a:t>.</a:t>
-            </a:r>
-          </a:p>
-          <a:p>
-            <a:pPr lvl="1"/>
-            <a:r>
-              <a:rPr lang="en-US" dirty="0"/>
-              <a:t>e.g. maybe vendor device X wants a 7-bit wide value in the data plane for </a:t>
-            </a:r>
+              <a:t> values.</a:t>
+            </a:r>
+          </a:p>
+        </p:txBody>
+      </p:sp>
+      <p:sp>
+        <p:nvSpPr>
+          <p:cNvPr id="4" name="Rectangle 3">
+            <a:extLst>
+              <a:ext uri="{FF2B5EF4-FFF2-40B4-BE49-F238E27FC236}">
+                <a16:creationId xmlns:a16="http://schemas.microsoft.com/office/drawing/2014/main" id="{3C15F60D-B159-A840-89AF-5CCE55A20096}"/>
+              </a:ext>
+            </a:extLst>
+          </p:cNvPr>
+          <p:cNvSpPr/>
+          <p:nvPr/>
+        </p:nvSpPr>
+        <p:spPr>
+          <a:xfrm>
+            <a:off x="3195579" y="1817097"/>
+            <a:ext cx="1948543" cy="849086"/>
+          </a:xfrm>
+          <a:prstGeom prst="rect">
+            <a:avLst/>
+          </a:prstGeom>
+        </p:spPr>
+        <p:style>
+          <a:lnRef idx="2">
+            <a:schemeClr val="accent1">
+              <a:shade val="50000"/>
+            </a:schemeClr>
+          </a:lnRef>
+          <a:fillRef idx="1">
+            <a:schemeClr val="accent1"/>
+          </a:fillRef>
+          <a:effectRef idx="0">
+            <a:schemeClr val="accent1"/>
+          </a:effectRef>
+          <a:fontRef idx="minor">
+            <a:schemeClr val="lt1"/>
+          </a:fontRef>
+        </p:style>
+        <p:txBody>
+          <a:bodyPr rtlCol="0" anchor="ctr"/>
+          <a:lstStyle/>
+          <a:p>
+            <a:pPr algn="ctr"/>
+            <a:r>
+              <a:rPr lang="en-US" dirty="0"/>
+              <a:t>Controller</a:t>
+            </a:r>
+          </a:p>
+          <a:p>
+            <a:pPr algn="ctr"/>
+            <a:r>
+              <a:rPr lang="en-US" dirty="0"/>
+              <a:t>(P4Runtime client)</a:t>
+            </a:r>
+          </a:p>
+        </p:txBody>
+      </p:sp>
+      <p:sp>
+        <p:nvSpPr>
+          <p:cNvPr id="5" name="Rectangle 4">
+            <a:extLst>
+              <a:ext uri="{FF2B5EF4-FFF2-40B4-BE49-F238E27FC236}">
+                <a16:creationId xmlns:a16="http://schemas.microsoft.com/office/drawing/2014/main" id="{08F736B0-B087-2C46-8BCB-0E3FE9CF9600}"/>
+              </a:ext>
+            </a:extLst>
+          </p:cNvPr>
+          <p:cNvSpPr/>
+          <p:nvPr/>
+        </p:nvSpPr>
+        <p:spPr>
+          <a:xfrm>
+            <a:off x="947056" y="3544094"/>
+            <a:ext cx="2111829" cy="548935"/>
+          </a:xfrm>
+          <a:prstGeom prst="rect">
+            <a:avLst/>
+          </a:prstGeom>
+        </p:spPr>
+        <p:style>
+          <a:lnRef idx="2">
+            <a:schemeClr val="accent1">
+              <a:shade val="50000"/>
+            </a:schemeClr>
+          </a:lnRef>
+          <a:fillRef idx="1">
+            <a:schemeClr val="accent1"/>
+          </a:fillRef>
+          <a:effectRef idx="0">
+            <a:schemeClr val="accent1"/>
+          </a:effectRef>
+          <a:fontRef idx="minor">
+            <a:schemeClr val="lt1"/>
+          </a:fontRef>
+        </p:style>
+        <p:txBody>
+          <a:bodyPr rtlCol="0" anchor="ctr"/>
+          <a:lstStyle/>
+          <a:p>
+            <a:pPr algn="ctr"/>
+            <a:r>
+              <a:rPr lang="en-US" dirty="0"/>
+              <a:t>(P4Runtime server)</a:t>
+            </a:r>
+          </a:p>
+        </p:txBody>
+      </p:sp>
+      <p:sp>
+        <p:nvSpPr>
+          <p:cNvPr id="6" name="Rectangle 5">
+            <a:extLst>
+              <a:ext uri="{FF2B5EF4-FFF2-40B4-BE49-F238E27FC236}">
+                <a16:creationId xmlns:a16="http://schemas.microsoft.com/office/drawing/2014/main" id="{AD873AC1-3D26-AC48-A87D-46521B7A57B8}"/>
+              </a:ext>
+            </a:extLst>
+          </p:cNvPr>
+          <p:cNvSpPr/>
+          <p:nvPr/>
+        </p:nvSpPr>
+        <p:spPr>
+          <a:xfrm>
+            <a:off x="947057" y="4093029"/>
+            <a:ext cx="2111828" cy="947057"/>
+          </a:xfrm>
+          <a:prstGeom prst="rect">
+            <a:avLst/>
+          </a:prstGeom>
+          <a:solidFill>
+            <a:srgbClr val="00B050"/>
+          </a:solidFill>
+        </p:spPr>
+        <p:style>
+          <a:lnRef idx="2">
+            <a:schemeClr val="accent1">
+              <a:shade val="50000"/>
+            </a:schemeClr>
+          </a:lnRef>
+          <a:fillRef idx="1">
+            <a:schemeClr val="accent1"/>
+          </a:fillRef>
+          <a:effectRef idx="0">
+            <a:schemeClr val="accent1"/>
+          </a:effectRef>
+          <a:fontRef idx="minor">
+            <a:schemeClr val="lt1"/>
+          </a:fontRef>
+        </p:style>
+        <p:txBody>
+          <a:bodyPr rtlCol="0" anchor="ctr"/>
+          <a:lstStyle/>
+          <a:p>
+            <a:pPr algn="ctr"/>
+            <a:r>
+              <a:rPr lang="en-US" dirty="0"/>
+              <a:t>Target X Agent</a:t>
+            </a:r>
+          </a:p>
+        </p:txBody>
+      </p:sp>
+      <p:sp>
+        <p:nvSpPr>
+          <p:cNvPr id="7" name="Rectangle 6">
+            <a:extLst>
+              <a:ext uri="{FF2B5EF4-FFF2-40B4-BE49-F238E27FC236}">
+                <a16:creationId xmlns:a16="http://schemas.microsoft.com/office/drawing/2014/main" id="{5A47643F-5DAB-804D-8D69-8075FED08F53}"/>
+              </a:ext>
+            </a:extLst>
+          </p:cNvPr>
+          <p:cNvSpPr/>
+          <p:nvPr/>
+        </p:nvSpPr>
+        <p:spPr>
+          <a:xfrm>
+            <a:off x="947057" y="5589021"/>
+            <a:ext cx="2111828" cy="947057"/>
+          </a:xfrm>
+          <a:prstGeom prst="rect">
+            <a:avLst/>
+          </a:prstGeom>
+          <a:solidFill>
+            <a:srgbClr val="00B050"/>
+          </a:solidFill>
+        </p:spPr>
+        <p:style>
+          <a:lnRef idx="2">
+            <a:schemeClr val="accent1">
+              <a:shade val="50000"/>
+            </a:schemeClr>
+          </a:lnRef>
+          <a:fillRef idx="1">
+            <a:schemeClr val="accent1"/>
+          </a:fillRef>
+          <a:effectRef idx="0">
+            <a:schemeClr val="accent1"/>
+          </a:effectRef>
+          <a:fontRef idx="minor">
+            <a:schemeClr val="lt1"/>
+          </a:fontRef>
+        </p:style>
+        <p:txBody>
+          <a:bodyPr rtlCol="0" anchor="ctr"/>
+          <a:lstStyle/>
+          <a:p>
+            <a:pPr algn="ctr"/>
+            <a:r>
+              <a:rPr lang="en-US" dirty="0"/>
+              <a:t>Target X Data plane</a:t>
+            </a:r>
+          </a:p>
+          <a:p>
+            <a:pPr algn="ctr"/>
             <a:r>
               <a:rPr lang="en-US" dirty="0" err="1"/>
               <a:t>PortId_t</a:t>
             </a:r>
             <a:r>
               <a:rPr lang="en-US" dirty="0"/>
-              <a:t>, but vendor device Y wants a 15-bit wide value.</a:t>
-            </a:r>
-          </a:p>
-          <a:p>
-            <a:pPr lvl="1"/>
-            <a:r>
-              <a:rPr lang="en-US" dirty="0"/>
-              <a:t>Vendor device X does not want to waste 15-7=8 bits to store a </a:t>
-            </a:r>
+              <a:t> size is  </a:t>
+            </a:r>
+            <a:r>
+              <a:rPr lang="en-US" u="sng" dirty="0"/>
+              <a:t>7</a:t>
+            </a:r>
+            <a:r>
+              <a:rPr lang="en-US" dirty="0"/>
+              <a:t> bits</a:t>
+            </a:r>
+          </a:p>
+        </p:txBody>
+      </p:sp>
+      <p:cxnSp>
+        <p:nvCxnSpPr>
+          <p:cNvPr id="9" name="Straight Arrow Connector 8">
+            <a:extLst>
+              <a:ext uri="{FF2B5EF4-FFF2-40B4-BE49-F238E27FC236}">
+                <a16:creationId xmlns:a16="http://schemas.microsoft.com/office/drawing/2014/main" id="{F1BF502E-BD2B-7749-BFBF-2B43D54DE00F}"/>
+              </a:ext>
+            </a:extLst>
+          </p:cNvPr>
+          <p:cNvCxnSpPr>
+            <a:cxnSpLocks/>
+            <a:stCxn id="5" idx="0"/>
+          </p:cNvCxnSpPr>
+          <p:nvPr/>
+        </p:nvCxnSpPr>
+        <p:spPr>
+          <a:xfrm flipV="1">
+            <a:off x="2002971" y="2666183"/>
+            <a:ext cx="1714590" cy="877911"/>
+          </a:xfrm>
+          <a:prstGeom prst="straightConnector1">
+            <a:avLst/>
+          </a:prstGeom>
+          <a:ln>
+            <a:headEnd type="triangle"/>
+            <a:tailEnd type="triangle"/>
+          </a:ln>
+        </p:spPr>
+        <p:style>
+          <a:lnRef idx="1">
+            <a:schemeClr val="accent1"/>
+          </a:lnRef>
+          <a:fillRef idx="0">
+            <a:schemeClr val="accent1"/>
+          </a:fillRef>
+          <a:effectRef idx="0">
+            <a:schemeClr val="accent1"/>
+          </a:effectRef>
+          <a:fontRef idx="minor">
+            <a:schemeClr val="tx1"/>
+          </a:fontRef>
+        </p:style>
+      </p:cxnSp>
+      <p:sp>
+        <p:nvSpPr>
+          <p:cNvPr id="10" name="Rectangle 9">
+            <a:extLst>
+              <a:ext uri="{FF2B5EF4-FFF2-40B4-BE49-F238E27FC236}">
+                <a16:creationId xmlns:a16="http://schemas.microsoft.com/office/drawing/2014/main" id="{D7672715-DF89-044E-9A43-560B4F37A122}"/>
+              </a:ext>
+            </a:extLst>
+          </p:cNvPr>
+          <p:cNvSpPr/>
+          <p:nvPr/>
+        </p:nvSpPr>
+        <p:spPr>
+          <a:xfrm>
+            <a:off x="3058886" y="2885236"/>
+            <a:ext cx="2502466" cy="535607"/>
+          </a:xfrm>
+          <a:prstGeom prst="rect">
+            <a:avLst/>
+          </a:prstGeom>
+          <a:noFill/>
+          <a:ln>
+            <a:noFill/>
+          </a:ln>
+        </p:spPr>
+        <p:style>
+          <a:lnRef idx="2">
+            <a:schemeClr val="accent1">
+              <a:shade val="50000"/>
+            </a:schemeClr>
+          </a:lnRef>
+          <a:fillRef idx="1">
+            <a:schemeClr val="accent1"/>
+          </a:fillRef>
+          <a:effectRef idx="0">
+            <a:schemeClr val="accent1"/>
+          </a:effectRef>
+          <a:fontRef idx="minor">
+            <a:schemeClr val="lt1"/>
+          </a:fontRef>
+        </p:style>
+        <p:txBody>
+          <a:bodyPr rtlCol="0" anchor="ctr"/>
+          <a:lstStyle/>
+          <a:p>
+            <a:pPr algn="ctr"/>
+            <a:r>
+              <a:rPr lang="en-US" dirty="0">
+                <a:solidFill>
+                  <a:schemeClr val="tx1"/>
+                </a:solidFill>
+              </a:rPr>
+              <a:t>P4Runtime protocol</a:t>
+            </a:r>
+          </a:p>
+          <a:p>
+            <a:pPr algn="ctr"/>
+            <a:r>
+              <a:rPr lang="en-US" dirty="0">
+                <a:solidFill>
+                  <a:schemeClr val="tx1"/>
+                </a:solidFill>
+              </a:rPr>
+              <a:t>port id size is </a:t>
+            </a:r>
+            <a:r>
+              <a:rPr lang="en-US" u="sng" dirty="0">
+                <a:solidFill>
+                  <a:schemeClr val="tx1"/>
+                </a:solidFill>
+              </a:rPr>
+              <a:t>32</a:t>
+            </a:r>
+            <a:r>
+              <a:rPr lang="en-US" dirty="0">
+                <a:solidFill>
+                  <a:schemeClr val="tx1"/>
+                </a:solidFill>
+              </a:rPr>
+              <a:t> bits</a:t>
+            </a:r>
+          </a:p>
+        </p:txBody>
+      </p:sp>
+      <p:sp>
+        <p:nvSpPr>
+          <p:cNvPr id="12" name="Rectangle 11">
+            <a:extLst>
+              <a:ext uri="{FF2B5EF4-FFF2-40B4-BE49-F238E27FC236}">
+                <a16:creationId xmlns:a16="http://schemas.microsoft.com/office/drawing/2014/main" id="{F5340041-64BE-8F4B-A21C-BB4DC9F72CCF}"/>
+              </a:ext>
+            </a:extLst>
+          </p:cNvPr>
+          <p:cNvSpPr/>
+          <p:nvPr/>
+        </p:nvSpPr>
+        <p:spPr>
+          <a:xfrm>
+            <a:off x="5173657" y="3544094"/>
+            <a:ext cx="2111829" cy="548935"/>
+          </a:xfrm>
+          <a:prstGeom prst="rect">
+            <a:avLst/>
+          </a:prstGeom>
+        </p:spPr>
+        <p:style>
+          <a:lnRef idx="2">
+            <a:schemeClr val="accent1">
+              <a:shade val="50000"/>
+            </a:schemeClr>
+          </a:lnRef>
+          <a:fillRef idx="1">
+            <a:schemeClr val="accent1"/>
+          </a:fillRef>
+          <a:effectRef idx="0">
+            <a:schemeClr val="accent1"/>
+          </a:effectRef>
+          <a:fontRef idx="minor">
+            <a:schemeClr val="lt1"/>
+          </a:fontRef>
+        </p:style>
+        <p:txBody>
+          <a:bodyPr rtlCol="0" anchor="ctr"/>
+          <a:lstStyle/>
+          <a:p>
+            <a:pPr algn="ctr"/>
+            <a:r>
+              <a:rPr lang="en-US" dirty="0"/>
+              <a:t>(P4Runtime server)</a:t>
+            </a:r>
+          </a:p>
+        </p:txBody>
+      </p:sp>
+      <p:sp>
+        <p:nvSpPr>
+          <p:cNvPr id="13" name="Rectangle 12">
+            <a:extLst>
+              <a:ext uri="{FF2B5EF4-FFF2-40B4-BE49-F238E27FC236}">
+                <a16:creationId xmlns:a16="http://schemas.microsoft.com/office/drawing/2014/main" id="{5A65A994-D6B9-4C4F-BF74-AC12DF4B4DB5}"/>
+              </a:ext>
+            </a:extLst>
+          </p:cNvPr>
+          <p:cNvSpPr/>
+          <p:nvPr/>
+        </p:nvSpPr>
+        <p:spPr>
+          <a:xfrm>
+            <a:off x="5173658" y="4093029"/>
+            <a:ext cx="2111828" cy="947057"/>
+          </a:xfrm>
+          <a:prstGeom prst="rect">
+            <a:avLst/>
+          </a:prstGeom>
+          <a:solidFill>
+            <a:schemeClr val="accent2">
+              <a:lumMod val="75000"/>
+            </a:schemeClr>
+          </a:solidFill>
+        </p:spPr>
+        <p:style>
+          <a:lnRef idx="2">
+            <a:schemeClr val="accent1">
+              <a:shade val="50000"/>
+            </a:schemeClr>
+          </a:lnRef>
+          <a:fillRef idx="1">
+            <a:schemeClr val="accent1"/>
+          </a:fillRef>
+          <a:effectRef idx="0">
+            <a:schemeClr val="accent1"/>
+          </a:effectRef>
+          <a:fontRef idx="minor">
+            <a:schemeClr val="lt1"/>
+          </a:fontRef>
+        </p:style>
+        <p:txBody>
+          <a:bodyPr rtlCol="0" anchor="ctr"/>
+          <a:lstStyle/>
+          <a:p>
+            <a:pPr algn="ctr"/>
+            <a:r>
+              <a:rPr lang="en-US" dirty="0"/>
+              <a:t>Target Y Agent</a:t>
+            </a:r>
+          </a:p>
+        </p:txBody>
+      </p:sp>
+      <p:sp>
+        <p:nvSpPr>
+          <p:cNvPr id="14" name="Rectangle 13">
+            <a:extLst>
+              <a:ext uri="{FF2B5EF4-FFF2-40B4-BE49-F238E27FC236}">
+                <a16:creationId xmlns:a16="http://schemas.microsoft.com/office/drawing/2014/main" id="{F4D04023-2BE6-F746-91CD-DC045043300E}"/>
+              </a:ext>
+            </a:extLst>
+          </p:cNvPr>
+          <p:cNvSpPr/>
+          <p:nvPr/>
+        </p:nvSpPr>
+        <p:spPr>
+          <a:xfrm>
+            <a:off x="5173658" y="5589021"/>
+            <a:ext cx="2111828" cy="947057"/>
+          </a:xfrm>
+          <a:prstGeom prst="rect">
+            <a:avLst/>
+          </a:prstGeom>
+          <a:solidFill>
+            <a:schemeClr val="accent2">
+              <a:lumMod val="75000"/>
+            </a:schemeClr>
+          </a:solidFill>
+        </p:spPr>
+        <p:style>
+          <a:lnRef idx="2">
+            <a:schemeClr val="accent1">
+              <a:shade val="50000"/>
+            </a:schemeClr>
+          </a:lnRef>
+          <a:fillRef idx="1">
+            <a:schemeClr val="accent1"/>
+          </a:fillRef>
+          <a:effectRef idx="0">
+            <a:schemeClr val="accent1"/>
+          </a:effectRef>
+          <a:fontRef idx="minor">
+            <a:schemeClr val="lt1"/>
+          </a:fontRef>
+        </p:style>
+        <p:txBody>
+          <a:bodyPr rtlCol="0" anchor="ctr"/>
+          <a:lstStyle/>
+          <a:p>
+            <a:pPr algn="ctr"/>
+            <a:r>
+              <a:rPr lang="en-US" dirty="0"/>
+              <a:t>Target Y Data plane</a:t>
+            </a:r>
+          </a:p>
+          <a:p>
+            <a:pPr algn="ctr"/>
             <a:r>
               <a:rPr lang="en-US" dirty="0" err="1"/>
               <a:t>PortId_t</a:t>
             </a:r>
             <a:r>
               <a:rPr lang="en-US" dirty="0"/>
-              <a:t> in the data plane implementation of P4 programs, just because some other vendor device wants to use that many bits.</a:t>
-            </a:r>
-          </a:p>
-          <a:p>
-            <a:r>
-              <a:rPr lang="en-US" dirty="0"/>
-              <a:t>As far as possible, controller software does </a:t>
+              <a:t> size is  </a:t>
             </a:r>
             <a:r>
               <a:rPr lang="en-US" u="sng" dirty="0"/>
-              <a:t>not</a:t>
-            </a:r>
-            <a:r>
-              <a:rPr lang="en-US" dirty="0"/>
-              <a:t> want to know about these differences.</a:t>
-            </a:r>
-          </a:p>
-          <a:p>
-            <a:pPr lvl="1"/>
-            <a:r>
-              <a:rPr lang="en-US" dirty="0"/>
-              <a:t>It does need to somehow discover and restrict itself to using the physical ports that actually exist on each device, but that does </a:t>
-            </a:r>
-            <a:r>
-              <a:rPr lang="en-US" b="1" u="sng" dirty="0"/>
-              <a:t>not</a:t>
-            </a:r>
-            <a:r>
-              <a:rPr lang="en-US" dirty="0"/>
-              <a:t> imply that it needs to know about the custom sizes in the data plane mentioned above.</a:t>
-            </a:r>
-          </a:p>
-          <a:p>
-            <a:r>
-              <a:rPr lang="en-US" dirty="0" err="1"/>
-              <a:t>PortId_t</a:t>
-            </a:r>
-            <a:r>
-              <a:rPr lang="en-US" dirty="0"/>
-              <a:t> is one example type used in these slides, but there are other similar types defined in PSA.</a:t>
-            </a:r>
-          </a:p>
-          <a:p>
-            <a:pPr lvl="1"/>
-            <a:r>
-              <a:rPr lang="en-US" dirty="0"/>
-              <a:t>PSA v1.0 defines 7 types that are expected to be customized by different vendors</a:t>
-            </a:r>
-          </a:p>
-          <a:p>
-            <a:pPr lvl="1"/>
-            <a:r>
-              <a:rPr lang="en-US" dirty="0"/>
-              <a:t>For the complete list, see: </a:t>
-            </a:r>
+              <a:t>15</a:t>
+            </a:r>
+            <a:r>
+              <a:rPr lang="en-US" dirty="0"/>
+              <a:t> bits</a:t>
+            </a:r>
+          </a:p>
+        </p:txBody>
+      </p:sp>
+      <p:cxnSp>
+        <p:nvCxnSpPr>
+          <p:cNvPr id="16" name="Straight Arrow Connector 15">
+            <a:extLst>
+              <a:ext uri="{FF2B5EF4-FFF2-40B4-BE49-F238E27FC236}">
+                <a16:creationId xmlns:a16="http://schemas.microsoft.com/office/drawing/2014/main" id="{8AA0E6A6-B879-4A49-800D-0AE98ED6C1BA}"/>
+              </a:ext>
+            </a:extLst>
+          </p:cNvPr>
+          <p:cNvCxnSpPr>
+            <a:cxnSpLocks/>
+            <a:stCxn id="12" idx="0"/>
+          </p:cNvCxnSpPr>
+          <p:nvPr/>
+        </p:nvCxnSpPr>
+        <p:spPr>
+          <a:xfrm flipH="1" flipV="1">
+            <a:off x="4718422" y="2700758"/>
+            <a:ext cx="1511150" cy="843336"/>
+          </a:xfrm>
+          <a:prstGeom prst="straightConnector1">
+            <a:avLst/>
+          </a:prstGeom>
+          <a:ln>
+            <a:headEnd type="triangle"/>
+            <a:tailEnd type="triangle"/>
+          </a:ln>
+        </p:spPr>
+        <p:style>
+          <a:lnRef idx="1">
+            <a:schemeClr val="accent1"/>
+          </a:lnRef>
+          <a:fillRef idx="0">
+            <a:schemeClr val="accent1"/>
+          </a:fillRef>
+          <a:effectRef idx="0">
+            <a:schemeClr val="accent1"/>
+          </a:effectRef>
+          <a:fontRef idx="minor">
+            <a:schemeClr val="tx1"/>
+          </a:fontRef>
+        </p:style>
+      </p:cxnSp>
+      <p:cxnSp>
+        <p:nvCxnSpPr>
+          <p:cNvPr id="20" name="Straight Arrow Connector 19">
+            <a:extLst>
+              <a:ext uri="{FF2B5EF4-FFF2-40B4-BE49-F238E27FC236}">
+                <a16:creationId xmlns:a16="http://schemas.microsoft.com/office/drawing/2014/main" id="{6873D999-5A56-7B45-912D-2718D3C6CE6B}"/>
+              </a:ext>
+            </a:extLst>
+          </p:cNvPr>
+          <p:cNvCxnSpPr>
+            <a:cxnSpLocks/>
+            <a:stCxn id="7" idx="0"/>
+            <a:endCxn id="6" idx="2"/>
+          </p:cNvCxnSpPr>
+          <p:nvPr/>
+        </p:nvCxnSpPr>
+        <p:spPr>
+          <a:xfrm flipV="1">
+            <a:off x="2002971" y="5040086"/>
+            <a:ext cx="0" cy="548935"/>
+          </a:xfrm>
+          <a:prstGeom prst="straightConnector1">
+            <a:avLst/>
+          </a:prstGeom>
+          <a:ln>
+            <a:headEnd type="triangle"/>
+            <a:tailEnd type="triangle"/>
+          </a:ln>
+        </p:spPr>
+        <p:style>
+          <a:lnRef idx="1">
+            <a:schemeClr val="accent1"/>
+          </a:lnRef>
+          <a:fillRef idx="0">
+            <a:schemeClr val="accent1"/>
+          </a:fillRef>
+          <a:effectRef idx="0">
+            <a:schemeClr val="accent1"/>
+          </a:effectRef>
+          <a:fontRef idx="minor">
+            <a:schemeClr val="tx1"/>
+          </a:fontRef>
+        </p:style>
+      </p:cxnSp>
+      <p:sp>
+        <p:nvSpPr>
+          <p:cNvPr id="23" name="Rectangle 22">
+            <a:extLst>
+              <a:ext uri="{FF2B5EF4-FFF2-40B4-BE49-F238E27FC236}">
+                <a16:creationId xmlns:a16="http://schemas.microsoft.com/office/drawing/2014/main" id="{5CF72B48-3508-C441-852C-B976A5A5631E}"/>
+              </a:ext>
+            </a:extLst>
+          </p:cNvPr>
+          <p:cNvSpPr/>
+          <p:nvPr/>
+        </p:nvSpPr>
+        <p:spPr>
+          <a:xfrm>
+            <a:off x="3058886" y="4970940"/>
+            <a:ext cx="2085236" cy="845244"/>
+          </a:xfrm>
+          <a:prstGeom prst="rect">
+            <a:avLst/>
+          </a:prstGeom>
+          <a:noFill/>
+          <a:ln>
+            <a:noFill/>
+          </a:ln>
+        </p:spPr>
+        <p:style>
+          <a:lnRef idx="2">
+            <a:schemeClr val="accent1">
+              <a:shade val="50000"/>
+            </a:schemeClr>
+          </a:lnRef>
+          <a:fillRef idx="1">
+            <a:schemeClr val="accent1"/>
+          </a:fillRef>
+          <a:effectRef idx="0">
+            <a:schemeClr val="accent1"/>
+          </a:effectRef>
+          <a:fontRef idx="minor">
+            <a:schemeClr val="lt1"/>
+          </a:fontRef>
+        </p:style>
+        <p:txBody>
+          <a:bodyPr rtlCol="0" anchor="ctr"/>
+          <a:lstStyle/>
+          <a:p>
+            <a:pPr algn="ctr"/>
             <a:r>
               <a:rPr lang="en-US" dirty="0">
-                <a:hlinkClick r:id="rId2"/>
+                <a:solidFill>
+                  <a:schemeClr val="tx1"/>
+                </a:solidFill>
               </a:rPr>
-              <a:t>https://p4.org/p4-spec/docs/PSA-v1.0.0.html#sec-psa-type-definitions</a:t>
-            </a:r>
-            <a:endParaRPr lang="en-US" dirty="0"/>
-          </a:p>
-          <a:p>
-            <a:pPr marL="0" indent="0">
-              <a:buNone/>
-            </a:pPr>
-            <a:endParaRPr lang="en-US" dirty="0"/>
-          </a:p>
-        </p:txBody>
-      </p:sp>
+              <a:t>Target-specific communication (e.g. </a:t>
+            </a:r>
+            <a:r>
+              <a:rPr lang="en-US" dirty="0" err="1">
+                <a:solidFill>
+                  <a:schemeClr val="tx1"/>
+                </a:solidFill>
+              </a:rPr>
+              <a:t>PCIe</a:t>
+            </a:r>
+            <a:r>
+              <a:rPr lang="en-US" dirty="0">
+                <a:solidFill>
+                  <a:schemeClr val="tx1"/>
+                </a:solidFill>
+              </a:rPr>
+              <a:t>, Ethernet)</a:t>
+            </a:r>
+          </a:p>
+        </p:txBody>
+      </p:sp>
+      <p:cxnSp>
+        <p:nvCxnSpPr>
+          <p:cNvPr id="24" name="Straight Arrow Connector 23">
+            <a:extLst>
+              <a:ext uri="{FF2B5EF4-FFF2-40B4-BE49-F238E27FC236}">
+                <a16:creationId xmlns:a16="http://schemas.microsoft.com/office/drawing/2014/main" id="{2AC40C44-B665-0341-8ABD-ACEF067ED6D8}"/>
+              </a:ext>
+            </a:extLst>
+          </p:cNvPr>
+          <p:cNvCxnSpPr>
+            <a:cxnSpLocks/>
+            <a:stCxn id="14" idx="0"/>
+          </p:cNvCxnSpPr>
+          <p:nvPr/>
+        </p:nvCxnSpPr>
+        <p:spPr>
+          <a:xfrm flipV="1">
+            <a:off x="6229572" y="5040087"/>
+            <a:ext cx="0" cy="548934"/>
+          </a:xfrm>
+          <a:prstGeom prst="straightConnector1">
+            <a:avLst/>
+          </a:prstGeom>
+          <a:ln>
+            <a:headEnd type="triangle"/>
+            <a:tailEnd type="triangle"/>
+          </a:ln>
+        </p:spPr>
+        <p:style>
+          <a:lnRef idx="1">
+            <a:schemeClr val="accent1"/>
+          </a:lnRef>
+          <a:fillRef idx="0">
+            <a:schemeClr val="accent1"/>
+          </a:fillRef>
+          <a:effectRef idx="0">
+            <a:schemeClr val="accent1"/>
+          </a:effectRef>
+          <a:fontRef idx="minor">
+            <a:schemeClr val="tx1"/>
+          </a:fontRef>
+        </p:style>
+      </p:cxnSp>
+      <p:cxnSp>
+        <p:nvCxnSpPr>
+          <p:cNvPr id="28" name="Straight Arrow Connector 27">
+            <a:extLst>
+              <a:ext uri="{FF2B5EF4-FFF2-40B4-BE49-F238E27FC236}">
+                <a16:creationId xmlns:a16="http://schemas.microsoft.com/office/drawing/2014/main" id="{1F6227DB-8EEC-5045-820A-9AABE45FE002}"/>
+              </a:ext>
+            </a:extLst>
+          </p:cNvPr>
+          <p:cNvCxnSpPr>
+            <a:cxnSpLocks/>
+            <a:stCxn id="23" idx="1"/>
+          </p:cNvCxnSpPr>
+          <p:nvPr/>
+        </p:nvCxnSpPr>
+        <p:spPr>
+          <a:xfrm flipH="1">
+            <a:off x="2638270" y="5393562"/>
+            <a:ext cx="420616" cy="2897"/>
+          </a:xfrm>
+          <a:prstGeom prst="straightConnector1">
+            <a:avLst/>
+          </a:prstGeom>
+          <a:ln>
+            <a:tailEnd type="triangle"/>
+          </a:ln>
+        </p:spPr>
+        <p:style>
+          <a:lnRef idx="1">
+            <a:schemeClr val="accent1"/>
+          </a:lnRef>
+          <a:fillRef idx="0">
+            <a:schemeClr val="accent1"/>
+          </a:fillRef>
+          <a:effectRef idx="0">
+            <a:schemeClr val="accent1"/>
+          </a:effectRef>
+          <a:fontRef idx="minor">
+            <a:schemeClr val="tx1"/>
+          </a:fontRef>
+        </p:style>
+      </p:cxnSp>
+      <p:cxnSp>
+        <p:nvCxnSpPr>
+          <p:cNvPr id="30" name="Straight Arrow Connector 29">
+            <a:extLst>
+              <a:ext uri="{FF2B5EF4-FFF2-40B4-BE49-F238E27FC236}">
+                <a16:creationId xmlns:a16="http://schemas.microsoft.com/office/drawing/2014/main" id="{69BE2D07-DD72-0E40-A093-027389A22C17}"/>
+              </a:ext>
+            </a:extLst>
+          </p:cNvPr>
+          <p:cNvCxnSpPr>
+            <a:cxnSpLocks/>
+          </p:cNvCxnSpPr>
+          <p:nvPr/>
+        </p:nvCxnSpPr>
+        <p:spPr>
+          <a:xfrm>
+            <a:off x="5065919" y="5393562"/>
+            <a:ext cx="420616" cy="2897"/>
+          </a:xfrm>
+          <a:prstGeom prst="straightConnector1">
+            <a:avLst/>
+          </a:prstGeom>
+          <a:ln>
+            <a:tailEnd type="triangle"/>
+          </a:ln>
+        </p:spPr>
+        <p:style>
+          <a:lnRef idx="1">
+            <a:schemeClr val="accent1"/>
+          </a:lnRef>
+          <a:fillRef idx="0">
+            <a:schemeClr val="accent1"/>
+          </a:fillRef>
+          <a:effectRef idx="0">
+            <a:schemeClr val="accent1"/>
+          </a:effectRef>
+          <a:fontRef idx="minor">
+            <a:schemeClr val="tx1"/>
+          </a:fontRef>
+        </p:style>
+      </p:cxnSp>
     </p:spTree>
     <p:extLst>
       <p:ext uri="{BB962C8B-B14F-4D97-AF65-F5344CB8AC3E}">
-        <p14:creationId xmlns:p14="http://schemas.microsoft.com/office/powerpoint/2010/main" val="1553631007"/>
+        <p14:creationId xmlns:p14="http://schemas.microsoft.com/office/powerpoint/2010/main" val="3830519233"/>
       </p:ext>
     </p:extLst>
   </p:cSld>
@@ -3652,7 +5923,7 @@
           <p:cNvPr id="2" name="Title 1">
             <a:extLst>
               <a:ext uri="{FF2B5EF4-FFF2-40B4-BE49-F238E27FC236}">
-                <a16:creationId xmlns:a16="http://schemas.microsoft.com/office/drawing/2014/main" id="{1EAE5722-6359-D247-8EE2-51CF6CDEB9C8}"/>
+                <a16:creationId xmlns:a16="http://schemas.microsoft.com/office/drawing/2014/main" id="{17126B98-4527-6A48-830C-16B88071B2D4}"/>
               </a:ext>
             </a:extLst>
           </p:cNvPr>
@@ -3661,40 +5932,45 @@
           </p:cNvSpPr>
           <p:nvPr>
             <p:ph type="title"/>
-          </p:nvPr>
-        </p:nvSpPr>
-        <p:spPr/>
-        <p:txBody>
-          <a:bodyPr/>
-          <a:lstStyle/>
-          <a:p>
-            <a:r>
-              <a:rPr lang="en-US" dirty="0"/>
-              <a:t>Goals (2)</a:t>
-            </a:r>
-          </a:p>
-        </p:txBody>
-      </p:sp>
-      <p:sp>
-        <p:nvSpPr>
-          <p:cNvPr id="3" name="Content Placeholder 2">
-            <a:extLst>
-              <a:ext uri="{FF2B5EF4-FFF2-40B4-BE49-F238E27FC236}">
-                <a16:creationId xmlns:a16="http://schemas.microsoft.com/office/drawing/2014/main" id="{BBDE3C08-1941-3848-B1D0-49B08EE3AA31}"/>
-              </a:ext>
-            </a:extLst>
-          </p:cNvPr>
-          <p:cNvSpPr>
-            <a:spLocks noGrp="1"/>
-          </p:cNvSpPr>
-          <p:nvPr>
-            <p:ph idx="1"/>
           </p:nvPr>
         </p:nvSpPr>
         <p:spPr>
           <a:xfrm>
-            <a:off x="838200" y="1600200"/>
-            <a:ext cx="10515600" cy="4800600"/>
+            <a:off x="838200" y="365125"/>
+            <a:ext cx="6686862" cy="1325563"/>
+          </a:xfrm>
+        </p:spPr>
+        <p:txBody>
+          <a:bodyPr/>
+          <a:lstStyle/>
+          <a:p>
+            <a:r>
+              <a:rPr lang="en-US" dirty="0"/>
+              <a:t>What agents touch #1</a:t>
+            </a:r>
+          </a:p>
+        </p:txBody>
+      </p:sp>
+      <p:sp>
+        <p:nvSpPr>
+          <p:cNvPr id="3" name="Content Placeholder 2">
+            <a:extLst>
+              <a:ext uri="{FF2B5EF4-FFF2-40B4-BE49-F238E27FC236}">
+                <a16:creationId xmlns:a16="http://schemas.microsoft.com/office/drawing/2014/main" id="{9310ECD1-87D2-BF43-8BFE-47B06D31C4B2}"/>
+              </a:ext>
+            </a:extLst>
+          </p:cNvPr>
+          <p:cNvSpPr>
+            <a:spLocks noGrp="1"/>
+          </p:cNvSpPr>
+          <p:nvPr>
+            <p:ph idx="1"/>
+          </p:nvPr>
+        </p:nvSpPr>
+        <p:spPr>
+          <a:xfrm>
+            <a:off x="7554598" y="239843"/>
+            <a:ext cx="4392563" cy="6445769"/>
           </a:xfrm>
         </p:spPr>
         <p:txBody>
@@ -3705,99 +5981,961 @@
           <a:p>
             <a:r>
               <a:rPr lang="en-US" dirty="0"/>
-              <a:t>The P4Runtime wants a P4Info file, auto-generated from myp4prog.p4, that tells a controller most or all of what it needs to know to communicate with a target device that has that P4 program installed into it.</a:t>
+              <a:t>Agents handle these</a:t>
             </a:r>
           </a:p>
           <a:p>
             <a:pPr lvl="1"/>
             <a:r>
               <a:rPr lang="en-US" dirty="0"/>
-              <a:t>E.g. if a P4_16 program has a table key with a field named </a:t>
+              <a:t>Table add/delete/modify</a:t>
+            </a:r>
+          </a:p>
+          <a:p>
+            <a:pPr lvl="2"/>
+            <a:r>
+              <a:rPr lang="en-US" dirty="0"/>
+              <a:t>Table key fields and action parameters</a:t>
+            </a:r>
+          </a:p>
+          <a:p>
+            <a:pPr lvl="1"/>
+            <a:r>
+              <a:rPr lang="en-US" dirty="0"/>
+              <a:t>parser value set add/del</a:t>
+            </a:r>
+          </a:p>
+          <a:p>
+            <a:pPr lvl="1"/>
+            <a:r>
+              <a:rPr lang="en-US" dirty="0"/>
+              <a:t>Digest message contents</a:t>
+            </a:r>
+          </a:p>
+          <a:p>
+            <a:pPr lvl="2"/>
+            <a:r>
+              <a:rPr lang="en-US" dirty="0"/>
+              <a:t>Rationale: Batch many small messages into larger messages to reduce message rate to controller</a:t>
+            </a:r>
+          </a:p>
+          <a:p>
+            <a:pPr lvl="1"/>
+            <a:r>
+              <a:rPr lang="en-US" dirty="0"/>
+              <a:t>Register read/write</a:t>
+            </a:r>
+          </a:p>
+          <a:p>
+            <a:pPr lvl="2"/>
+            <a:r>
+              <a:rPr lang="en-US" dirty="0"/>
+              <a:t>Register data contents, and nice if they support </a:t>
             </a:r>
             <a:r>
               <a:rPr lang="en-US" dirty="0" err="1"/>
-              <a:t>my_funky_field</a:t>
-            </a:r>
-            <a:r>
-              <a:rPr lang="en-US" dirty="0"/>
-              <a:t> that is type bit&lt;17&gt; in it, P4Info should indicate that the field is type bit&lt;17&gt;.</a:t>
+              <a:t>structs</a:t>
+            </a:r>
+            <a:r>
+              <a:rPr lang="en-US" dirty="0"/>
+              <a:t> here, too, like Digest messages will.</a:t>
+            </a:r>
+          </a:p>
+          <a:p>
+            <a:pPr lvl="2"/>
+            <a:r>
+              <a:rPr lang="en-US" dirty="0"/>
+              <a:t>Translate index values?</a:t>
             </a:r>
           </a:p>
           <a:p>
             <a:pPr lvl="1"/>
             <a:r>
               <a:rPr lang="en-US" dirty="0"/>
-              <a:t>For cases where the bit width is explicitly given in myp4prog.p4, both the target-specific data plane implementation </a:t>
-            </a:r>
-            <a:r>
-              <a:rPr lang="en-US" b="1" u="sng" dirty="0"/>
-              <a:t>and</a:t>
-            </a:r>
-            <a:r>
-              <a:rPr lang="en-US" dirty="0"/>
-              <a:t> P4Info should reflect that, and the controller will thus be aware of that size.  This is expected and normal.</a:t>
+              <a:t>Indexed Counter and Meter </a:t>
+            </a:r>
+            <a:r>
+              <a:rPr lang="en-US" dirty="0" err="1"/>
+              <a:t>config</a:t>
+            </a:r>
+            <a:r>
+              <a:rPr lang="en-US" dirty="0"/>
+              <a:t>/read/etc.</a:t>
+            </a:r>
+          </a:p>
+          <a:p>
+            <a:pPr lvl="2"/>
+            <a:r>
+              <a:rPr lang="en-US" dirty="0"/>
+              <a:t>Translate index values?</a:t>
+            </a:r>
+          </a:p>
+          <a:p>
+            <a:r>
+              <a:rPr lang="en-US" dirty="0"/>
+              <a:t>Agent handles these?</a:t>
             </a:r>
           </a:p>
           <a:p>
             <a:pPr lvl="1"/>
             <a:r>
               <a:rPr lang="en-US" dirty="0"/>
-              <a:t>The potentially tricky part is for the values that the data planes want to have target-specific sizes for.</a:t>
-            </a:r>
-          </a:p>
-          <a:p>
-            <a:r>
-              <a:rPr lang="en-US" dirty="0"/>
-              <a:t>Generate the target-specific compiled versions (i.e. “binary blobs”) of a P4 program from myp4prog.p4 and the psa.p4 #include file.</a:t>
+              <a:t>P4Runtime </a:t>
+            </a:r>
+            <a:r>
+              <a:rPr lang="en-US" dirty="0" err="1"/>
+              <a:t>PacketOut</a:t>
+            </a:r>
+            <a:r>
+              <a:rPr lang="en-US" dirty="0"/>
+              <a:t> – these become packets received by PSA device on input port PSA_PORT_CPU</a:t>
             </a:r>
           </a:p>
           <a:p>
             <a:pPr lvl="1"/>
             <a:r>
               <a:rPr lang="en-US" dirty="0"/>
-              <a:t>Note: It is </a:t>
-            </a:r>
-            <a:r>
-              <a:rPr lang="en-US" b="1" u="sng" dirty="0"/>
-              <a:t>OK</a:t>
-            </a:r>
-            <a:r>
-              <a:rPr lang="en-US" dirty="0"/>
-              <a:t> if psa.p4 is mostly the same, but has target-specific customizations in it.  Each vendor will ship its customized psa.p4 file with its target-specific compiler.</a:t>
-            </a:r>
-          </a:p>
-          <a:p>
-            <a:r>
-              <a:rPr lang="en-US" dirty="0"/>
-              <a:t>Generate the P4Info file from myp4prog.p4, too</a:t>
+              <a:t>P4Runtime </a:t>
+            </a:r>
+            <a:r>
+              <a:rPr lang="en-US" dirty="0" err="1"/>
+              <a:t>PacketIn</a:t>
+            </a:r>
+            <a:r>
+              <a:rPr lang="en-US" dirty="0"/>
+              <a:t> - packets sent by PSA device to output port PSA_PORT_CPU become these</a:t>
             </a:r>
           </a:p>
           <a:p>
             <a:pPr lvl="1"/>
             <a:r>
               <a:rPr lang="en-US" dirty="0"/>
-              <a:t>Perhaps in the same compilation run as the target-specific binary blob is created, or it could be a separate invocation of the P4 compiler.</a:t>
-            </a:r>
-          </a:p>
-          <a:p>
-            <a:pPr lvl="1"/>
-            <a:r>
-              <a:rPr lang="en-US" dirty="0"/>
-              <a:t>The P4Info file contents should ideally be identical, regardless of the target device.  It should be a function only of myp4prog.p4, regardless of any differences that might exist in target-specific psa.p4 files.</a:t>
-            </a:r>
-          </a:p>
-          <a:p>
-            <a:r>
-              <a:rPr lang="en-US" dirty="0"/>
-              <a:t>Minimize the number of annotations required in the P4 source code in order to achieve these goals.</a:t>
-            </a:r>
-          </a:p>
-        </p:txBody>
-      </p:sp>
+              <a:t>If yes, agent can do translation of header fields, but may be considered too limiting on packet rates supported.</a:t>
+            </a:r>
+          </a:p>
+        </p:txBody>
+      </p:sp>
+      <p:sp>
+        <p:nvSpPr>
+          <p:cNvPr id="4" name="Rectangle 3">
+            <a:extLst>
+              <a:ext uri="{FF2B5EF4-FFF2-40B4-BE49-F238E27FC236}">
+                <a16:creationId xmlns:a16="http://schemas.microsoft.com/office/drawing/2014/main" id="{3C15F60D-B159-A840-89AF-5CCE55A20096}"/>
+              </a:ext>
+            </a:extLst>
+          </p:cNvPr>
+          <p:cNvSpPr/>
+          <p:nvPr/>
+        </p:nvSpPr>
+        <p:spPr>
+          <a:xfrm>
+            <a:off x="3195579" y="1817097"/>
+            <a:ext cx="1948543" cy="849086"/>
+          </a:xfrm>
+          <a:prstGeom prst="rect">
+            <a:avLst/>
+          </a:prstGeom>
+        </p:spPr>
+        <p:style>
+          <a:lnRef idx="2">
+            <a:schemeClr val="accent1">
+              <a:shade val="50000"/>
+            </a:schemeClr>
+          </a:lnRef>
+          <a:fillRef idx="1">
+            <a:schemeClr val="accent1"/>
+          </a:fillRef>
+          <a:effectRef idx="0">
+            <a:schemeClr val="accent1"/>
+          </a:effectRef>
+          <a:fontRef idx="minor">
+            <a:schemeClr val="lt1"/>
+          </a:fontRef>
+        </p:style>
+        <p:txBody>
+          <a:bodyPr rtlCol="0" anchor="ctr"/>
+          <a:lstStyle/>
+          <a:p>
+            <a:pPr algn="ctr"/>
+            <a:r>
+              <a:rPr lang="en-US" dirty="0"/>
+              <a:t>Controller</a:t>
+            </a:r>
+          </a:p>
+          <a:p>
+            <a:pPr algn="ctr"/>
+            <a:r>
+              <a:rPr lang="en-US" dirty="0"/>
+              <a:t>(P4Runtime client)</a:t>
+            </a:r>
+          </a:p>
+        </p:txBody>
+      </p:sp>
+      <p:sp>
+        <p:nvSpPr>
+          <p:cNvPr id="5" name="Rectangle 4">
+            <a:extLst>
+              <a:ext uri="{FF2B5EF4-FFF2-40B4-BE49-F238E27FC236}">
+                <a16:creationId xmlns:a16="http://schemas.microsoft.com/office/drawing/2014/main" id="{08F736B0-B087-2C46-8BCB-0E3FE9CF9600}"/>
+              </a:ext>
+            </a:extLst>
+          </p:cNvPr>
+          <p:cNvSpPr/>
+          <p:nvPr/>
+        </p:nvSpPr>
+        <p:spPr>
+          <a:xfrm>
+            <a:off x="947056" y="3544094"/>
+            <a:ext cx="2111829" cy="548935"/>
+          </a:xfrm>
+          <a:prstGeom prst="rect">
+            <a:avLst/>
+          </a:prstGeom>
+        </p:spPr>
+        <p:style>
+          <a:lnRef idx="2">
+            <a:schemeClr val="accent1">
+              <a:shade val="50000"/>
+            </a:schemeClr>
+          </a:lnRef>
+          <a:fillRef idx="1">
+            <a:schemeClr val="accent1"/>
+          </a:fillRef>
+          <a:effectRef idx="0">
+            <a:schemeClr val="accent1"/>
+          </a:effectRef>
+          <a:fontRef idx="minor">
+            <a:schemeClr val="lt1"/>
+          </a:fontRef>
+        </p:style>
+        <p:txBody>
+          <a:bodyPr rtlCol="0" anchor="ctr"/>
+          <a:lstStyle/>
+          <a:p>
+            <a:pPr algn="ctr"/>
+            <a:r>
+              <a:rPr lang="en-US" dirty="0"/>
+              <a:t>(P4Runtime server)</a:t>
+            </a:r>
+          </a:p>
+        </p:txBody>
+      </p:sp>
+      <p:sp>
+        <p:nvSpPr>
+          <p:cNvPr id="6" name="Rectangle 5">
+            <a:extLst>
+              <a:ext uri="{FF2B5EF4-FFF2-40B4-BE49-F238E27FC236}">
+                <a16:creationId xmlns:a16="http://schemas.microsoft.com/office/drawing/2014/main" id="{AD873AC1-3D26-AC48-A87D-46521B7A57B8}"/>
+              </a:ext>
+            </a:extLst>
+          </p:cNvPr>
+          <p:cNvSpPr/>
+          <p:nvPr/>
+        </p:nvSpPr>
+        <p:spPr>
+          <a:xfrm>
+            <a:off x="947057" y="4093029"/>
+            <a:ext cx="2111828" cy="947057"/>
+          </a:xfrm>
+          <a:prstGeom prst="rect">
+            <a:avLst/>
+          </a:prstGeom>
+          <a:solidFill>
+            <a:srgbClr val="00B050"/>
+          </a:solidFill>
+        </p:spPr>
+        <p:style>
+          <a:lnRef idx="2">
+            <a:schemeClr val="accent1">
+              <a:shade val="50000"/>
+            </a:schemeClr>
+          </a:lnRef>
+          <a:fillRef idx="1">
+            <a:schemeClr val="accent1"/>
+          </a:fillRef>
+          <a:effectRef idx="0">
+            <a:schemeClr val="accent1"/>
+          </a:effectRef>
+          <a:fontRef idx="minor">
+            <a:schemeClr val="lt1"/>
+          </a:fontRef>
+        </p:style>
+        <p:txBody>
+          <a:bodyPr rtlCol="0" anchor="ctr"/>
+          <a:lstStyle/>
+          <a:p>
+            <a:pPr algn="ctr"/>
+            <a:r>
+              <a:rPr lang="en-US" dirty="0"/>
+              <a:t>Target X Agent</a:t>
+            </a:r>
+          </a:p>
+        </p:txBody>
+      </p:sp>
+      <p:sp>
+        <p:nvSpPr>
+          <p:cNvPr id="7" name="Rectangle 6">
+            <a:extLst>
+              <a:ext uri="{FF2B5EF4-FFF2-40B4-BE49-F238E27FC236}">
+                <a16:creationId xmlns:a16="http://schemas.microsoft.com/office/drawing/2014/main" id="{5A47643F-5DAB-804D-8D69-8075FED08F53}"/>
+              </a:ext>
+            </a:extLst>
+          </p:cNvPr>
+          <p:cNvSpPr/>
+          <p:nvPr/>
+        </p:nvSpPr>
+        <p:spPr>
+          <a:xfrm>
+            <a:off x="947057" y="5589021"/>
+            <a:ext cx="2111828" cy="947057"/>
+          </a:xfrm>
+          <a:prstGeom prst="rect">
+            <a:avLst/>
+          </a:prstGeom>
+          <a:solidFill>
+            <a:srgbClr val="00B050"/>
+          </a:solidFill>
+        </p:spPr>
+        <p:style>
+          <a:lnRef idx="2">
+            <a:schemeClr val="accent1">
+              <a:shade val="50000"/>
+            </a:schemeClr>
+          </a:lnRef>
+          <a:fillRef idx="1">
+            <a:schemeClr val="accent1"/>
+          </a:fillRef>
+          <a:effectRef idx="0">
+            <a:schemeClr val="accent1"/>
+          </a:effectRef>
+          <a:fontRef idx="minor">
+            <a:schemeClr val="lt1"/>
+          </a:fontRef>
+        </p:style>
+        <p:txBody>
+          <a:bodyPr rtlCol="0" anchor="ctr"/>
+          <a:lstStyle/>
+          <a:p>
+            <a:pPr algn="ctr"/>
+            <a:r>
+              <a:rPr lang="en-US" dirty="0"/>
+              <a:t>Target X Data plane</a:t>
+            </a:r>
+          </a:p>
+          <a:p>
+            <a:pPr algn="ctr"/>
+            <a:r>
+              <a:rPr lang="en-US" dirty="0" err="1"/>
+              <a:t>PortId_t</a:t>
+            </a:r>
+            <a:r>
+              <a:rPr lang="en-US" dirty="0"/>
+              <a:t> size is  </a:t>
+            </a:r>
+            <a:r>
+              <a:rPr lang="en-US" u="sng" dirty="0"/>
+              <a:t>7</a:t>
+            </a:r>
+            <a:r>
+              <a:rPr lang="en-US" dirty="0"/>
+              <a:t> bits</a:t>
+            </a:r>
+          </a:p>
+        </p:txBody>
+      </p:sp>
+      <p:cxnSp>
+        <p:nvCxnSpPr>
+          <p:cNvPr id="9" name="Straight Arrow Connector 8">
+            <a:extLst>
+              <a:ext uri="{FF2B5EF4-FFF2-40B4-BE49-F238E27FC236}">
+                <a16:creationId xmlns:a16="http://schemas.microsoft.com/office/drawing/2014/main" id="{F1BF502E-BD2B-7749-BFBF-2B43D54DE00F}"/>
+              </a:ext>
+            </a:extLst>
+          </p:cNvPr>
+          <p:cNvCxnSpPr>
+            <a:cxnSpLocks/>
+            <a:stCxn id="5" idx="0"/>
+          </p:cNvCxnSpPr>
+          <p:nvPr/>
+        </p:nvCxnSpPr>
+        <p:spPr>
+          <a:xfrm flipV="1">
+            <a:off x="2002971" y="2666183"/>
+            <a:ext cx="1714590" cy="877911"/>
+          </a:xfrm>
+          <a:prstGeom prst="straightConnector1">
+            <a:avLst/>
+          </a:prstGeom>
+          <a:ln>
+            <a:headEnd type="triangle"/>
+            <a:tailEnd type="triangle"/>
+          </a:ln>
+        </p:spPr>
+        <p:style>
+          <a:lnRef idx="1">
+            <a:schemeClr val="accent1"/>
+          </a:lnRef>
+          <a:fillRef idx="0">
+            <a:schemeClr val="accent1"/>
+          </a:fillRef>
+          <a:effectRef idx="0">
+            <a:schemeClr val="accent1"/>
+          </a:effectRef>
+          <a:fontRef idx="minor">
+            <a:schemeClr val="tx1"/>
+          </a:fontRef>
+        </p:style>
+      </p:cxnSp>
+      <p:sp>
+        <p:nvSpPr>
+          <p:cNvPr id="10" name="Rectangle 9">
+            <a:extLst>
+              <a:ext uri="{FF2B5EF4-FFF2-40B4-BE49-F238E27FC236}">
+                <a16:creationId xmlns:a16="http://schemas.microsoft.com/office/drawing/2014/main" id="{D7672715-DF89-044E-9A43-560B4F37A122}"/>
+              </a:ext>
+            </a:extLst>
+          </p:cNvPr>
+          <p:cNvSpPr/>
+          <p:nvPr/>
+        </p:nvSpPr>
+        <p:spPr>
+          <a:xfrm>
+            <a:off x="3058886" y="2885236"/>
+            <a:ext cx="2502466" cy="535607"/>
+          </a:xfrm>
+          <a:prstGeom prst="rect">
+            <a:avLst/>
+          </a:prstGeom>
+          <a:noFill/>
+          <a:ln>
+            <a:noFill/>
+          </a:ln>
+        </p:spPr>
+        <p:style>
+          <a:lnRef idx="2">
+            <a:schemeClr val="accent1">
+              <a:shade val="50000"/>
+            </a:schemeClr>
+          </a:lnRef>
+          <a:fillRef idx="1">
+            <a:schemeClr val="accent1"/>
+          </a:fillRef>
+          <a:effectRef idx="0">
+            <a:schemeClr val="accent1"/>
+          </a:effectRef>
+          <a:fontRef idx="minor">
+            <a:schemeClr val="lt1"/>
+          </a:fontRef>
+        </p:style>
+        <p:txBody>
+          <a:bodyPr rtlCol="0" anchor="ctr"/>
+          <a:lstStyle/>
+          <a:p>
+            <a:pPr algn="ctr"/>
+            <a:r>
+              <a:rPr lang="en-US" dirty="0">
+                <a:solidFill>
+                  <a:schemeClr val="tx1"/>
+                </a:solidFill>
+              </a:rPr>
+              <a:t>P4Runtime protocol</a:t>
+            </a:r>
+          </a:p>
+          <a:p>
+            <a:pPr algn="ctr"/>
+            <a:r>
+              <a:rPr lang="en-US" dirty="0">
+                <a:solidFill>
+                  <a:schemeClr val="tx1"/>
+                </a:solidFill>
+              </a:rPr>
+              <a:t>port id size is </a:t>
+            </a:r>
+            <a:r>
+              <a:rPr lang="en-US" u="sng" dirty="0">
+                <a:solidFill>
+                  <a:schemeClr val="tx1"/>
+                </a:solidFill>
+              </a:rPr>
+              <a:t>32</a:t>
+            </a:r>
+            <a:r>
+              <a:rPr lang="en-US" dirty="0">
+                <a:solidFill>
+                  <a:schemeClr val="tx1"/>
+                </a:solidFill>
+              </a:rPr>
+              <a:t> bits</a:t>
+            </a:r>
+          </a:p>
+        </p:txBody>
+      </p:sp>
+      <p:sp>
+        <p:nvSpPr>
+          <p:cNvPr id="12" name="Rectangle 11">
+            <a:extLst>
+              <a:ext uri="{FF2B5EF4-FFF2-40B4-BE49-F238E27FC236}">
+                <a16:creationId xmlns:a16="http://schemas.microsoft.com/office/drawing/2014/main" id="{F5340041-64BE-8F4B-A21C-BB4DC9F72CCF}"/>
+              </a:ext>
+            </a:extLst>
+          </p:cNvPr>
+          <p:cNvSpPr/>
+          <p:nvPr/>
+        </p:nvSpPr>
+        <p:spPr>
+          <a:xfrm>
+            <a:off x="5173657" y="3544094"/>
+            <a:ext cx="2111829" cy="548935"/>
+          </a:xfrm>
+          <a:prstGeom prst="rect">
+            <a:avLst/>
+          </a:prstGeom>
+        </p:spPr>
+        <p:style>
+          <a:lnRef idx="2">
+            <a:schemeClr val="accent1">
+              <a:shade val="50000"/>
+            </a:schemeClr>
+          </a:lnRef>
+          <a:fillRef idx="1">
+            <a:schemeClr val="accent1"/>
+          </a:fillRef>
+          <a:effectRef idx="0">
+            <a:schemeClr val="accent1"/>
+          </a:effectRef>
+          <a:fontRef idx="minor">
+            <a:schemeClr val="lt1"/>
+          </a:fontRef>
+        </p:style>
+        <p:txBody>
+          <a:bodyPr rtlCol="0" anchor="ctr"/>
+          <a:lstStyle/>
+          <a:p>
+            <a:pPr algn="ctr"/>
+            <a:r>
+              <a:rPr lang="en-US" dirty="0"/>
+              <a:t>(P4Runtime server)</a:t>
+            </a:r>
+          </a:p>
+        </p:txBody>
+      </p:sp>
+      <p:sp>
+        <p:nvSpPr>
+          <p:cNvPr id="13" name="Rectangle 12">
+            <a:extLst>
+              <a:ext uri="{FF2B5EF4-FFF2-40B4-BE49-F238E27FC236}">
+                <a16:creationId xmlns:a16="http://schemas.microsoft.com/office/drawing/2014/main" id="{5A65A994-D6B9-4C4F-BF74-AC12DF4B4DB5}"/>
+              </a:ext>
+            </a:extLst>
+          </p:cNvPr>
+          <p:cNvSpPr/>
+          <p:nvPr/>
+        </p:nvSpPr>
+        <p:spPr>
+          <a:xfrm>
+            <a:off x="5173658" y="4093029"/>
+            <a:ext cx="2111828" cy="947057"/>
+          </a:xfrm>
+          <a:prstGeom prst="rect">
+            <a:avLst/>
+          </a:prstGeom>
+          <a:solidFill>
+            <a:schemeClr val="accent2">
+              <a:lumMod val="75000"/>
+            </a:schemeClr>
+          </a:solidFill>
+        </p:spPr>
+        <p:style>
+          <a:lnRef idx="2">
+            <a:schemeClr val="accent1">
+              <a:shade val="50000"/>
+            </a:schemeClr>
+          </a:lnRef>
+          <a:fillRef idx="1">
+            <a:schemeClr val="accent1"/>
+          </a:fillRef>
+          <a:effectRef idx="0">
+            <a:schemeClr val="accent1"/>
+          </a:effectRef>
+          <a:fontRef idx="minor">
+            <a:schemeClr val="lt1"/>
+          </a:fontRef>
+        </p:style>
+        <p:txBody>
+          <a:bodyPr rtlCol="0" anchor="ctr"/>
+          <a:lstStyle/>
+          <a:p>
+            <a:pPr algn="ctr"/>
+            <a:r>
+              <a:rPr lang="en-US" dirty="0"/>
+              <a:t>Target Y Agent</a:t>
+            </a:r>
+          </a:p>
+        </p:txBody>
+      </p:sp>
+      <p:sp>
+        <p:nvSpPr>
+          <p:cNvPr id="14" name="Rectangle 13">
+            <a:extLst>
+              <a:ext uri="{FF2B5EF4-FFF2-40B4-BE49-F238E27FC236}">
+                <a16:creationId xmlns:a16="http://schemas.microsoft.com/office/drawing/2014/main" id="{F4D04023-2BE6-F746-91CD-DC045043300E}"/>
+              </a:ext>
+            </a:extLst>
+          </p:cNvPr>
+          <p:cNvSpPr/>
+          <p:nvPr/>
+        </p:nvSpPr>
+        <p:spPr>
+          <a:xfrm>
+            <a:off x="5173658" y="5589021"/>
+            <a:ext cx="2111828" cy="947057"/>
+          </a:xfrm>
+          <a:prstGeom prst="rect">
+            <a:avLst/>
+          </a:prstGeom>
+          <a:solidFill>
+            <a:schemeClr val="accent2">
+              <a:lumMod val="75000"/>
+            </a:schemeClr>
+          </a:solidFill>
+        </p:spPr>
+        <p:style>
+          <a:lnRef idx="2">
+            <a:schemeClr val="accent1">
+              <a:shade val="50000"/>
+            </a:schemeClr>
+          </a:lnRef>
+          <a:fillRef idx="1">
+            <a:schemeClr val="accent1"/>
+          </a:fillRef>
+          <a:effectRef idx="0">
+            <a:schemeClr val="accent1"/>
+          </a:effectRef>
+          <a:fontRef idx="minor">
+            <a:schemeClr val="lt1"/>
+          </a:fontRef>
+        </p:style>
+        <p:txBody>
+          <a:bodyPr rtlCol="0" anchor="ctr"/>
+          <a:lstStyle/>
+          <a:p>
+            <a:pPr algn="ctr"/>
+            <a:r>
+              <a:rPr lang="en-US" dirty="0"/>
+              <a:t>Target Y Data plane</a:t>
+            </a:r>
+          </a:p>
+          <a:p>
+            <a:pPr algn="ctr"/>
+            <a:r>
+              <a:rPr lang="en-US" dirty="0" err="1"/>
+              <a:t>PortId_t</a:t>
+            </a:r>
+            <a:r>
+              <a:rPr lang="en-US" dirty="0"/>
+              <a:t> size is  </a:t>
+            </a:r>
+            <a:r>
+              <a:rPr lang="en-US" u="sng" dirty="0"/>
+              <a:t>15</a:t>
+            </a:r>
+            <a:r>
+              <a:rPr lang="en-US" dirty="0"/>
+              <a:t> bits</a:t>
+            </a:r>
+          </a:p>
+        </p:txBody>
+      </p:sp>
+      <p:cxnSp>
+        <p:nvCxnSpPr>
+          <p:cNvPr id="16" name="Straight Arrow Connector 15">
+            <a:extLst>
+              <a:ext uri="{FF2B5EF4-FFF2-40B4-BE49-F238E27FC236}">
+                <a16:creationId xmlns:a16="http://schemas.microsoft.com/office/drawing/2014/main" id="{8AA0E6A6-B879-4A49-800D-0AE98ED6C1BA}"/>
+              </a:ext>
+            </a:extLst>
+          </p:cNvPr>
+          <p:cNvCxnSpPr>
+            <a:cxnSpLocks/>
+            <a:stCxn id="12" idx="0"/>
+          </p:cNvCxnSpPr>
+          <p:nvPr/>
+        </p:nvCxnSpPr>
+        <p:spPr>
+          <a:xfrm flipH="1" flipV="1">
+            <a:off x="4718422" y="2700758"/>
+            <a:ext cx="1511150" cy="843336"/>
+          </a:xfrm>
+          <a:prstGeom prst="straightConnector1">
+            <a:avLst/>
+          </a:prstGeom>
+          <a:ln>
+            <a:headEnd type="triangle"/>
+            <a:tailEnd type="triangle"/>
+          </a:ln>
+        </p:spPr>
+        <p:style>
+          <a:lnRef idx="1">
+            <a:schemeClr val="accent1"/>
+          </a:lnRef>
+          <a:fillRef idx="0">
+            <a:schemeClr val="accent1"/>
+          </a:fillRef>
+          <a:effectRef idx="0">
+            <a:schemeClr val="accent1"/>
+          </a:effectRef>
+          <a:fontRef idx="minor">
+            <a:schemeClr val="tx1"/>
+          </a:fontRef>
+        </p:style>
+      </p:cxnSp>
+      <p:cxnSp>
+        <p:nvCxnSpPr>
+          <p:cNvPr id="20" name="Straight Arrow Connector 19">
+            <a:extLst>
+              <a:ext uri="{FF2B5EF4-FFF2-40B4-BE49-F238E27FC236}">
+                <a16:creationId xmlns:a16="http://schemas.microsoft.com/office/drawing/2014/main" id="{6873D999-5A56-7B45-912D-2718D3C6CE6B}"/>
+              </a:ext>
+            </a:extLst>
+          </p:cNvPr>
+          <p:cNvCxnSpPr>
+            <a:cxnSpLocks/>
+            <a:stCxn id="7" idx="0"/>
+            <a:endCxn id="6" idx="2"/>
+          </p:cNvCxnSpPr>
+          <p:nvPr/>
+        </p:nvCxnSpPr>
+        <p:spPr>
+          <a:xfrm flipV="1">
+            <a:off x="2002971" y="5040086"/>
+            <a:ext cx="0" cy="548935"/>
+          </a:xfrm>
+          <a:prstGeom prst="straightConnector1">
+            <a:avLst/>
+          </a:prstGeom>
+          <a:ln>
+            <a:headEnd type="triangle"/>
+            <a:tailEnd type="triangle"/>
+          </a:ln>
+        </p:spPr>
+        <p:style>
+          <a:lnRef idx="1">
+            <a:schemeClr val="accent1"/>
+          </a:lnRef>
+          <a:fillRef idx="0">
+            <a:schemeClr val="accent1"/>
+          </a:fillRef>
+          <a:effectRef idx="0">
+            <a:schemeClr val="accent1"/>
+          </a:effectRef>
+          <a:fontRef idx="minor">
+            <a:schemeClr val="tx1"/>
+          </a:fontRef>
+        </p:style>
+      </p:cxnSp>
+      <p:sp>
+        <p:nvSpPr>
+          <p:cNvPr id="23" name="Rectangle 22">
+            <a:extLst>
+              <a:ext uri="{FF2B5EF4-FFF2-40B4-BE49-F238E27FC236}">
+                <a16:creationId xmlns:a16="http://schemas.microsoft.com/office/drawing/2014/main" id="{5CF72B48-3508-C441-852C-B976A5A5631E}"/>
+              </a:ext>
+            </a:extLst>
+          </p:cNvPr>
+          <p:cNvSpPr/>
+          <p:nvPr/>
+        </p:nvSpPr>
+        <p:spPr>
+          <a:xfrm>
+            <a:off x="3058886" y="4970940"/>
+            <a:ext cx="2085236" cy="845244"/>
+          </a:xfrm>
+          <a:prstGeom prst="rect">
+            <a:avLst/>
+          </a:prstGeom>
+          <a:noFill/>
+          <a:ln>
+            <a:noFill/>
+          </a:ln>
+        </p:spPr>
+        <p:style>
+          <a:lnRef idx="2">
+            <a:schemeClr val="accent1">
+              <a:shade val="50000"/>
+            </a:schemeClr>
+          </a:lnRef>
+          <a:fillRef idx="1">
+            <a:schemeClr val="accent1"/>
+          </a:fillRef>
+          <a:effectRef idx="0">
+            <a:schemeClr val="accent1"/>
+          </a:effectRef>
+          <a:fontRef idx="minor">
+            <a:schemeClr val="lt1"/>
+          </a:fontRef>
+        </p:style>
+        <p:txBody>
+          <a:bodyPr rtlCol="0" anchor="ctr"/>
+          <a:lstStyle/>
+          <a:p>
+            <a:pPr algn="ctr"/>
+            <a:r>
+              <a:rPr lang="en-US" dirty="0">
+                <a:solidFill>
+                  <a:schemeClr val="tx1"/>
+                </a:solidFill>
+              </a:rPr>
+              <a:t>Target-specific communication (e.g. </a:t>
+            </a:r>
+            <a:r>
+              <a:rPr lang="en-US" dirty="0" err="1">
+                <a:solidFill>
+                  <a:schemeClr val="tx1"/>
+                </a:solidFill>
+              </a:rPr>
+              <a:t>PCIe</a:t>
+            </a:r>
+            <a:r>
+              <a:rPr lang="en-US" dirty="0">
+                <a:solidFill>
+                  <a:schemeClr val="tx1"/>
+                </a:solidFill>
+              </a:rPr>
+              <a:t>, Ethernet)</a:t>
+            </a:r>
+          </a:p>
+        </p:txBody>
+      </p:sp>
+      <p:cxnSp>
+        <p:nvCxnSpPr>
+          <p:cNvPr id="24" name="Straight Arrow Connector 23">
+            <a:extLst>
+              <a:ext uri="{FF2B5EF4-FFF2-40B4-BE49-F238E27FC236}">
+                <a16:creationId xmlns:a16="http://schemas.microsoft.com/office/drawing/2014/main" id="{2AC40C44-B665-0341-8ABD-ACEF067ED6D8}"/>
+              </a:ext>
+            </a:extLst>
+          </p:cNvPr>
+          <p:cNvCxnSpPr>
+            <a:cxnSpLocks/>
+            <a:stCxn id="14" idx="0"/>
+          </p:cNvCxnSpPr>
+          <p:nvPr/>
+        </p:nvCxnSpPr>
+        <p:spPr>
+          <a:xfrm flipV="1">
+            <a:off x="6229572" y="5040087"/>
+            <a:ext cx="0" cy="548934"/>
+          </a:xfrm>
+          <a:prstGeom prst="straightConnector1">
+            <a:avLst/>
+          </a:prstGeom>
+          <a:ln>
+            <a:headEnd type="triangle"/>
+            <a:tailEnd type="triangle"/>
+          </a:ln>
+        </p:spPr>
+        <p:style>
+          <a:lnRef idx="1">
+            <a:schemeClr val="accent1"/>
+          </a:lnRef>
+          <a:fillRef idx="0">
+            <a:schemeClr val="accent1"/>
+          </a:fillRef>
+          <a:effectRef idx="0">
+            <a:schemeClr val="accent1"/>
+          </a:effectRef>
+          <a:fontRef idx="minor">
+            <a:schemeClr val="tx1"/>
+          </a:fontRef>
+        </p:style>
+      </p:cxnSp>
+      <p:cxnSp>
+        <p:nvCxnSpPr>
+          <p:cNvPr id="28" name="Straight Arrow Connector 27">
+            <a:extLst>
+              <a:ext uri="{FF2B5EF4-FFF2-40B4-BE49-F238E27FC236}">
+                <a16:creationId xmlns:a16="http://schemas.microsoft.com/office/drawing/2014/main" id="{1F6227DB-8EEC-5045-820A-9AABE45FE002}"/>
+              </a:ext>
+            </a:extLst>
+          </p:cNvPr>
+          <p:cNvCxnSpPr>
+            <a:cxnSpLocks/>
+            <a:stCxn id="23" idx="1"/>
+          </p:cNvCxnSpPr>
+          <p:nvPr/>
+        </p:nvCxnSpPr>
+        <p:spPr>
+          <a:xfrm flipH="1">
+            <a:off x="2638270" y="5393562"/>
+            <a:ext cx="420616" cy="2897"/>
+          </a:xfrm>
+          <a:prstGeom prst="straightConnector1">
+            <a:avLst/>
+          </a:prstGeom>
+          <a:ln>
+            <a:tailEnd type="triangle"/>
+          </a:ln>
+        </p:spPr>
+        <p:style>
+          <a:lnRef idx="1">
+            <a:schemeClr val="accent1"/>
+          </a:lnRef>
+          <a:fillRef idx="0">
+            <a:schemeClr val="accent1"/>
+          </a:fillRef>
+          <a:effectRef idx="0">
+            <a:schemeClr val="accent1"/>
+          </a:effectRef>
+          <a:fontRef idx="minor">
+            <a:schemeClr val="tx1"/>
+          </a:fontRef>
+        </p:style>
+      </p:cxnSp>
+      <p:cxnSp>
+        <p:nvCxnSpPr>
+          <p:cNvPr id="30" name="Straight Arrow Connector 29">
+            <a:extLst>
+              <a:ext uri="{FF2B5EF4-FFF2-40B4-BE49-F238E27FC236}">
+                <a16:creationId xmlns:a16="http://schemas.microsoft.com/office/drawing/2014/main" id="{69BE2D07-DD72-0E40-A093-027389A22C17}"/>
+              </a:ext>
+            </a:extLst>
+          </p:cNvPr>
+          <p:cNvCxnSpPr>
+            <a:cxnSpLocks/>
+          </p:cNvCxnSpPr>
+          <p:nvPr/>
+        </p:nvCxnSpPr>
+        <p:spPr>
+          <a:xfrm>
+            <a:off x="5065919" y="5393562"/>
+            <a:ext cx="420616" cy="2897"/>
+          </a:xfrm>
+          <a:prstGeom prst="straightConnector1">
+            <a:avLst/>
+          </a:prstGeom>
+          <a:ln>
+            <a:tailEnd type="triangle"/>
+          </a:ln>
+        </p:spPr>
+        <p:style>
+          <a:lnRef idx="1">
+            <a:schemeClr val="accent1"/>
+          </a:lnRef>
+          <a:fillRef idx="0">
+            <a:schemeClr val="accent1"/>
+          </a:fillRef>
+          <a:effectRef idx="0">
+            <a:schemeClr val="accent1"/>
+          </a:effectRef>
+          <a:fontRef idx="minor">
+            <a:schemeClr val="tx1"/>
+          </a:fontRef>
+        </p:style>
+      </p:cxnSp>
     </p:spTree>
     <p:extLst>
       <p:ext uri="{BB962C8B-B14F-4D97-AF65-F5344CB8AC3E}">
-        <p14:creationId xmlns:p14="http://schemas.microsoft.com/office/powerpoint/2010/main" val="1020387146"/>
+        <p14:creationId xmlns:p14="http://schemas.microsoft.com/office/powerpoint/2010/main" val="3938919299"/>
       </p:ext>
     </p:extLst>
   </p:cSld>
@@ -3829,7 +6967,7 @@
           <p:cNvPr id="2" name="Title 1">
             <a:extLst>
               <a:ext uri="{FF2B5EF4-FFF2-40B4-BE49-F238E27FC236}">
-                <a16:creationId xmlns:a16="http://schemas.microsoft.com/office/drawing/2014/main" id="{D0621919-373A-7641-8C1A-B92FC69DBCC1}"/>
+                <a16:creationId xmlns:a16="http://schemas.microsoft.com/office/drawing/2014/main" id="{17126B98-4527-6A48-830C-16B88071B2D4}"/>
               </a:ext>
             </a:extLst>
           </p:cNvPr>
@@ -3840,47 +6978,961 @@
             <p:ph type="title"/>
           </p:nvPr>
         </p:nvSpPr>
-        <p:spPr/>
+        <p:spPr>
+          <a:xfrm>
+            <a:off x="838200" y="365125"/>
+            <a:ext cx="6686862" cy="1325563"/>
+          </a:xfrm>
+        </p:spPr>
         <p:txBody>
           <a:bodyPr/>
           <a:lstStyle/>
           <a:p>
+            <a:r>
+              <a:rPr lang="en-US" dirty="0"/>
+              <a:t>What agents touch #2</a:t>
+            </a:r>
+          </a:p>
+        </p:txBody>
+      </p:sp>
+      <p:sp>
+        <p:nvSpPr>
+          <p:cNvPr id="3" name="Content Placeholder 2">
+            <a:extLst>
+              <a:ext uri="{FF2B5EF4-FFF2-40B4-BE49-F238E27FC236}">
+                <a16:creationId xmlns:a16="http://schemas.microsoft.com/office/drawing/2014/main" id="{9310ECD1-87D2-BF43-8BFE-47B06D31C4B2}"/>
+              </a:ext>
+            </a:extLst>
+          </p:cNvPr>
+          <p:cNvSpPr>
+            <a:spLocks noGrp="1"/>
+          </p:cNvSpPr>
+          <p:nvPr>
+            <p:ph idx="1"/>
+          </p:nvPr>
+        </p:nvSpPr>
+        <p:spPr>
+          <a:xfrm>
+            <a:off x="7554598" y="239843"/>
+            <a:ext cx="4392563" cy="6445769"/>
+          </a:xfrm>
+        </p:spPr>
+        <p:txBody>
+          <a:bodyPr>
+            <a:normAutofit fontScale="92500" lnSpcReduction="20000"/>
+          </a:bodyPr>
+          <a:lstStyle/>
+          <a:p>
+            <a:r>
+              <a:rPr lang="en-US" dirty="0"/>
+              <a:t>PSA externs that are not affected by numerical translation/size issues:</a:t>
+            </a:r>
+          </a:p>
+          <a:p>
+            <a:pPr lvl="1"/>
+            <a:r>
+              <a:rPr lang="en-US" dirty="0" err="1"/>
+              <a:t>DirectCounter</a:t>
+            </a:r>
+            <a:r>
+              <a:rPr lang="en-US" dirty="0"/>
+              <a:t>, </a:t>
+            </a:r>
+            <a:r>
+              <a:rPr lang="en-US" dirty="0" err="1"/>
+              <a:t>DirectMeter</a:t>
+            </a:r>
+            <a:r>
+              <a:rPr lang="en-US" dirty="0"/>
+              <a:t>, Hash, Checksum, Random, </a:t>
+            </a:r>
+            <a:r>
+              <a:rPr lang="en-US" dirty="0" err="1"/>
+              <a:t>ActionProfile</a:t>
+            </a:r>
+            <a:r>
+              <a:rPr lang="en-US" dirty="0"/>
+              <a:t>, </a:t>
+            </a:r>
+            <a:r>
+              <a:rPr lang="en-US" dirty="0" err="1"/>
+              <a:t>ActionSelector</a:t>
+            </a:r>
             <a:endParaRPr lang="en-US" dirty="0"/>
           </a:p>
-        </p:txBody>
-      </p:sp>
-      <p:sp>
-        <p:nvSpPr>
-          <p:cNvPr id="3" name="Content Placeholder 2">
-            <a:extLst>
-              <a:ext uri="{FF2B5EF4-FFF2-40B4-BE49-F238E27FC236}">
-                <a16:creationId xmlns:a16="http://schemas.microsoft.com/office/drawing/2014/main" id="{97D5F3C4-BFE8-9741-95BD-F25270DFAF36}"/>
-              </a:ext>
-            </a:extLst>
-          </p:cNvPr>
-          <p:cNvSpPr>
-            <a:spLocks noGrp="1"/>
-          </p:cNvSpPr>
-          <p:nvPr>
-            <p:ph idx="1"/>
-          </p:nvPr>
-        </p:nvSpPr>
-        <p:spPr/>
-        <p:txBody>
-          <a:bodyPr/>
-          <a:lstStyle/>
-          <a:p>
-            <a:r>
-              <a:rPr lang="en-US" dirty="0"/>
-              <a:t>If you disagree with any of the goals, then you can stop here.  We should first agree on a set of goals.</a:t>
-            </a:r>
-          </a:p>
-        </p:txBody>
-      </p:sp>
+          <a:p>
+            <a:r>
+              <a:rPr lang="en-US" dirty="0"/>
+              <a:t>Agents do not handle direct data plane to data plane packets</a:t>
+            </a:r>
+          </a:p>
+          <a:p>
+            <a:r>
+              <a:rPr lang="en-US" dirty="0"/>
+              <a:t>Control plane things that a </a:t>
+            </a:r>
+            <a:r>
+              <a:rPr lang="en-US" u="sng" dirty="0"/>
+              <a:t>P4 compiler</a:t>
+            </a:r>
+            <a:r>
+              <a:rPr lang="en-US" dirty="0"/>
+              <a:t> does not need to know about</a:t>
+            </a:r>
+          </a:p>
+          <a:p>
+            <a:pPr lvl="1"/>
+            <a:r>
+              <a:rPr lang="en-US" dirty="0"/>
+              <a:t>Any control plane APIs for configuring port up/down/settings, or Packet </a:t>
+            </a:r>
+            <a:r>
+              <a:rPr lang="en-US" dirty="0" err="1"/>
+              <a:t>ReplicationEngine</a:t>
+            </a:r>
+            <a:r>
+              <a:rPr lang="en-US" dirty="0"/>
+              <a:t> APIs.</a:t>
+            </a:r>
+          </a:p>
+          <a:p>
+            <a:pPr lvl="1"/>
+            <a:r>
+              <a:rPr lang="en-US" dirty="0"/>
+              <a:t>Agent needs to know about any port translation or other target specific things there, but that is </a:t>
+            </a:r>
+            <a:r>
+              <a:rPr lang="en-US" u="sng" dirty="0"/>
+              <a:t>independent</a:t>
+            </a:r>
+            <a:r>
+              <a:rPr lang="en-US" dirty="0"/>
+              <a:t> of any P4 program.</a:t>
+            </a:r>
+          </a:p>
+        </p:txBody>
+      </p:sp>
+      <p:sp>
+        <p:nvSpPr>
+          <p:cNvPr id="4" name="Rectangle 3">
+            <a:extLst>
+              <a:ext uri="{FF2B5EF4-FFF2-40B4-BE49-F238E27FC236}">
+                <a16:creationId xmlns:a16="http://schemas.microsoft.com/office/drawing/2014/main" id="{3C15F60D-B159-A840-89AF-5CCE55A20096}"/>
+              </a:ext>
+            </a:extLst>
+          </p:cNvPr>
+          <p:cNvSpPr/>
+          <p:nvPr/>
+        </p:nvSpPr>
+        <p:spPr>
+          <a:xfrm>
+            <a:off x="3195579" y="1817097"/>
+            <a:ext cx="1948543" cy="849086"/>
+          </a:xfrm>
+          <a:prstGeom prst="rect">
+            <a:avLst/>
+          </a:prstGeom>
+        </p:spPr>
+        <p:style>
+          <a:lnRef idx="2">
+            <a:schemeClr val="accent1">
+              <a:shade val="50000"/>
+            </a:schemeClr>
+          </a:lnRef>
+          <a:fillRef idx="1">
+            <a:schemeClr val="accent1"/>
+          </a:fillRef>
+          <a:effectRef idx="0">
+            <a:schemeClr val="accent1"/>
+          </a:effectRef>
+          <a:fontRef idx="minor">
+            <a:schemeClr val="lt1"/>
+          </a:fontRef>
+        </p:style>
+        <p:txBody>
+          <a:bodyPr rtlCol="0" anchor="ctr"/>
+          <a:lstStyle/>
+          <a:p>
+            <a:pPr algn="ctr"/>
+            <a:r>
+              <a:rPr lang="en-US" dirty="0"/>
+              <a:t>Controller</a:t>
+            </a:r>
+          </a:p>
+          <a:p>
+            <a:pPr algn="ctr"/>
+            <a:r>
+              <a:rPr lang="en-US" dirty="0"/>
+              <a:t>(P4Runtime client)</a:t>
+            </a:r>
+          </a:p>
+        </p:txBody>
+      </p:sp>
+      <p:sp>
+        <p:nvSpPr>
+          <p:cNvPr id="5" name="Rectangle 4">
+            <a:extLst>
+              <a:ext uri="{FF2B5EF4-FFF2-40B4-BE49-F238E27FC236}">
+                <a16:creationId xmlns:a16="http://schemas.microsoft.com/office/drawing/2014/main" id="{08F736B0-B087-2C46-8BCB-0E3FE9CF9600}"/>
+              </a:ext>
+            </a:extLst>
+          </p:cNvPr>
+          <p:cNvSpPr/>
+          <p:nvPr/>
+        </p:nvSpPr>
+        <p:spPr>
+          <a:xfrm>
+            <a:off x="947056" y="3544094"/>
+            <a:ext cx="2111829" cy="548935"/>
+          </a:xfrm>
+          <a:prstGeom prst="rect">
+            <a:avLst/>
+          </a:prstGeom>
+        </p:spPr>
+        <p:style>
+          <a:lnRef idx="2">
+            <a:schemeClr val="accent1">
+              <a:shade val="50000"/>
+            </a:schemeClr>
+          </a:lnRef>
+          <a:fillRef idx="1">
+            <a:schemeClr val="accent1"/>
+          </a:fillRef>
+          <a:effectRef idx="0">
+            <a:schemeClr val="accent1"/>
+          </a:effectRef>
+          <a:fontRef idx="minor">
+            <a:schemeClr val="lt1"/>
+          </a:fontRef>
+        </p:style>
+        <p:txBody>
+          <a:bodyPr rtlCol="0" anchor="ctr"/>
+          <a:lstStyle/>
+          <a:p>
+            <a:pPr algn="ctr"/>
+            <a:r>
+              <a:rPr lang="en-US" dirty="0"/>
+              <a:t>(P4Runtime server)</a:t>
+            </a:r>
+          </a:p>
+        </p:txBody>
+      </p:sp>
+      <p:sp>
+        <p:nvSpPr>
+          <p:cNvPr id="6" name="Rectangle 5">
+            <a:extLst>
+              <a:ext uri="{FF2B5EF4-FFF2-40B4-BE49-F238E27FC236}">
+                <a16:creationId xmlns:a16="http://schemas.microsoft.com/office/drawing/2014/main" id="{AD873AC1-3D26-AC48-A87D-46521B7A57B8}"/>
+              </a:ext>
+            </a:extLst>
+          </p:cNvPr>
+          <p:cNvSpPr/>
+          <p:nvPr/>
+        </p:nvSpPr>
+        <p:spPr>
+          <a:xfrm>
+            <a:off x="947057" y="4093029"/>
+            <a:ext cx="2111828" cy="947057"/>
+          </a:xfrm>
+          <a:prstGeom prst="rect">
+            <a:avLst/>
+          </a:prstGeom>
+          <a:solidFill>
+            <a:srgbClr val="00B050"/>
+          </a:solidFill>
+        </p:spPr>
+        <p:style>
+          <a:lnRef idx="2">
+            <a:schemeClr val="accent1">
+              <a:shade val="50000"/>
+            </a:schemeClr>
+          </a:lnRef>
+          <a:fillRef idx="1">
+            <a:schemeClr val="accent1"/>
+          </a:fillRef>
+          <a:effectRef idx="0">
+            <a:schemeClr val="accent1"/>
+          </a:effectRef>
+          <a:fontRef idx="minor">
+            <a:schemeClr val="lt1"/>
+          </a:fontRef>
+        </p:style>
+        <p:txBody>
+          <a:bodyPr rtlCol="0" anchor="ctr"/>
+          <a:lstStyle/>
+          <a:p>
+            <a:pPr algn="ctr"/>
+            <a:r>
+              <a:rPr lang="en-US" dirty="0"/>
+              <a:t>Target X Agent</a:t>
+            </a:r>
+          </a:p>
+        </p:txBody>
+      </p:sp>
+      <p:sp>
+        <p:nvSpPr>
+          <p:cNvPr id="7" name="Rectangle 6">
+            <a:extLst>
+              <a:ext uri="{FF2B5EF4-FFF2-40B4-BE49-F238E27FC236}">
+                <a16:creationId xmlns:a16="http://schemas.microsoft.com/office/drawing/2014/main" id="{5A47643F-5DAB-804D-8D69-8075FED08F53}"/>
+              </a:ext>
+            </a:extLst>
+          </p:cNvPr>
+          <p:cNvSpPr/>
+          <p:nvPr/>
+        </p:nvSpPr>
+        <p:spPr>
+          <a:xfrm>
+            <a:off x="947057" y="5589021"/>
+            <a:ext cx="2111828" cy="947057"/>
+          </a:xfrm>
+          <a:prstGeom prst="rect">
+            <a:avLst/>
+          </a:prstGeom>
+          <a:solidFill>
+            <a:srgbClr val="00B050"/>
+          </a:solidFill>
+        </p:spPr>
+        <p:style>
+          <a:lnRef idx="2">
+            <a:schemeClr val="accent1">
+              <a:shade val="50000"/>
+            </a:schemeClr>
+          </a:lnRef>
+          <a:fillRef idx="1">
+            <a:schemeClr val="accent1"/>
+          </a:fillRef>
+          <a:effectRef idx="0">
+            <a:schemeClr val="accent1"/>
+          </a:effectRef>
+          <a:fontRef idx="minor">
+            <a:schemeClr val="lt1"/>
+          </a:fontRef>
+        </p:style>
+        <p:txBody>
+          <a:bodyPr rtlCol="0" anchor="ctr"/>
+          <a:lstStyle/>
+          <a:p>
+            <a:pPr algn="ctr"/>
+            <a:r>
+              <a:rPr lang="en-US" dirty="0"/>
+              <a:t>Target X Data plane</a:t>
+            </a:r>
+          </a:p>
+          <a:p>
+            <a:pPr algn="ctr"/>
+            <a:r>
+              <a:rPr lang="en-US" dirty="0" err="1"/>
+              <a:t>PortId_t</a:t>
+            </a:r>
+            <a:r>
+              <a:rPr lang="en-US" dirty="0"/>
+              <a:t> size is  </a:t>
+            </a:r>
+            <a:r>
+              <a:rPr lang="en-US" u="sng" dirty="0"/>
+              <a:t>7</a:t>
+            </a:r>
+            <a:r>
+              <a:rPr lang="en-US" dirty="0"/>
+              <a:t> bits</a:t>
+            </a:r>
+          </a:p>
+        </p:txBody>
+      </p:sp>
+      <p:cxnSp>
+        <p:nvCxnSpPr>
+          <p:cNvPr id="9" name="Straight Arrow Connector 8">
+            <a:extLst>
+              <a:ext uri="{FF2B5EF4-FFF2-40B4-BE49-F238E27FC236}">
+                <a16:creationId xmlns:a16="http://schemas.microsoft.com/office/drawing/2014/main" id="{F1BF502E-BD2B-7749-BFBF-2B43D54DE00F}"/>
+              </a:ext>
+            </a:extLst>
+          </p:cNvPr>
+          <p:cNvCxnSpPr>
+            <a:cxnSpLocks/>
+            <a:stCxn id="5" idx="0"/>
+          </p:cNvCxnSpPr>
+          <p:nvPr/>
+        </p:nvCxnSpPr>
+        <p:spPr>
+          <a:xfrm flipV="1">
+            <a:off x="2002971" y="2666183"/>
+            <a:ext cx="1714590" cy="877911"/>
+          </a:xfrm>
+          <a:prstGeom prst="straightConnector1">
+            <a:avLst/>
+          </a:prstGeom>
+          <a:ln>
+            <a:headEnd type="triangle"/>
+            <a:tailEnd type="triangle"/>
+          </a:ln>
+        </p:spPr>
+        <p:style>
+          <a:lnRef idx="1">
+            <a:schemeClr val="accent1"/>
+          </a:lnRef>
+          <a:fillRef idx="0">
+            <a:schemeClr val="accent1"/>
+          </a:fillRef>
+          <a:effectRef idx="0">
+            <a:schemeClr val="accent1"/>
+          </a:effectRef>
+          <a:fontRef idx="minor">
+            <a:schemeClr val="tx1"/>
+          </a:fontRef>
+        </p:style>
+      </p:cxnSp>
+      <p:sp>
+        <p:nvSpPr>
+          <p:cNvPr id="10" name="Rectangle 9">
+            <a:extLst>
+              <a:ext uri="{FF2B5EF4-FFF2-40B4-BE49-F238E27FC236}">
+                <a16:creationId xmlns:a16="http://schemas.microsoft.com/office/drawing/2014/main" id="{D7672715-DF89-044E-9A43-560B4F37A122}"/>
+              </a:ext>
+            </a:extLst>
+          </p:cNvPr>
+          <p:cNvSpPr/>
+          <p:nvPr/>
+        </p:nvSpPr>
+        <p:spPr>
+          <a:xfrm>
+            <a:off x="3058886" y="2885236"/>
+            <a:ext cx="2502466" cy="535607"/>
+          </a:xfrm>
+          <a:prstGeom prst="rect">
+            <a:avLst/>
+          </a:prstGeom>
+          <a:noFill/>
+          <a:ln>
+            <a:noFill/>
+          </a:ln>
+        </p:spPr>
+        <p:style>
+          <a:lnRef idx="2">
+            <a:schemeClr val="accent1">
+              <a:shade val="50000"/>
+            </a:schemeClr>
+          </a:lnRef>
+          <a:fillRef idx="1">
+            <a:schemeClr val="accent1"/>
+          </a:fillRef>
+          <a:effectRef idx="0">
+            <a:schemeClr val="accent1"/>
+          </a:effectRef>
+          <a:fontRef idx="minor">
+            <a:schemeClr val="lt1"/>
+          </a:fontRef>
+        </p:style>
+        <p:txBody>
+          <a:bodyPr rtlCol="0" anchor="ctr"/>
+          <a:lstStyle/>
+          <a:p>
+            <a:pPr algn="ctr"/>
+            <a:r>
+              <a:rPr lang="en-US" dirty="0">
+                <a:solidFill>
+                  <a:schemeClr val="tx1"/>
+                </a:solidFill>
+              </a:rPr>
+              <a:t>P4Runtime protocol</a:t>
+            </a:r>
+          </a:p>
+          <a:p>
+            <a:pPr algn="ctr"/>
+            <a:r>
+              <a:rPr lang="en-US" dirty="0">
+                <a:solidFill>
+                  <a:schemeClr val="tx1"/>
+                </a:solidFill>
+              </a:rPr>
+              <a:t>port id size is </a:t>
+            </a:r>
+            <a:r>
+              <a:rPr lang="en-US" u="sng" dirty="0">
+                <a:solidFill>
+                  <a:schemeClr val="tx1"/>
+                </a:solidFill>
+              </a:rPr>
+              <a:t>32</a:t>
+            </a:r>
+            <a:r>
+              <a:rPr lang="en-US" dirty="0">
+                <a:solidFill>
+                  <a:schemeClr val="tx1"/>
+                </a:solidFill>
+              </a:rPr>
+              <a:t> bits</a:t>
+            </a:r>
+          </a:p>
+        </p:txBody>
+      </p:sp>
+      <p:sp>
+        <p:nvSpPr>
+          <p:cNvPr id="12" name="Rectangle 11">
+            <a:extLst>
+              <a:ext uri="{FF2B5EF4-FFF2-40B4-BE49-F238E27FC236}">
+                <a16:creationId xmlns:a16="http://schemas.microsoft.com/office/drawing/2014/main" id="{F5340041-64BE-8F4B-A21C-BB4DC9F72CCF}"/>
+              </a:ext>
+            </a:extLst>
+          </p:cNvPr>
+          <p:cNvSpPr/>
+          <p:nvPr/>
+        </p:nvSpPr>
+        <p:spPr>
+          <a:xfrm>
+            <a:off x="5173657" y="3544094"/>
+            <a:ext cx="2111829" cy="548935"/>
+          </a:xfrm>
+          <a:prstGeom prst="rect">
+            <a:avLst/>
+          </a:prstGeom>
+        </p:spPr>
+        <p:style>
+          <a:lnRef idx="2">
+            <a:schemeClr val="accent1">
+              <a:shade val="50000"/>
+            </a:schemeClr>
+          </a:lnRef>
+          <a:fillRef idx="1">
+            <a:schemeClr val="accent1"/>
+          </a:fillRef>
+          <a:effectRef idx="0">
+            <a:schemeClr val="accent1"/>
+          </a:effectRef>
+          <a:fontRef idx="minor">
+            <a:schemeClr val="lt1"/>
+          </a:fontRef>
+        </p:style>
+        <p:txBody>
+          <a:bodyPr rtlCol="0" anchor="ctr"/>
+          <a:lstStyle/>
+          <a:p>
+            <a:pPr algn="ctr"/>
+            <a:r>
+              <a:rPr lang="en-US" dirty="0"/>
+              <a:t>(P4Runtime server)</a:t>
+            </a:r>
+          </a:p>
+        </p:txBody>
+      </p:sp>
+      <p:sp>
+        <p:nvSpPr>
+          <p:cNvPr id="13" name="Rectangle 12">
+            <a:extLst>
+              <a:ext uri="{FF2B5EF4-FFF2-40B4-BE49-F238E27FC236}">
+                <a16:creationId xmlns:a16="http://schemas.microsoft.com/office/drawing/2014/main" id="{5A65A994-D6B9-4C4F-BF74-AC12DF4B4DB5}"/>
+              </a:ext>
+            </a:extLst>
+          </p:cNvPr>
+          <p:cNvSpPr/>
+          <p:nvPr/>
+        </p:nvSpPr>
+        <p:spPr>
+          <a:xfrm>
+            <a:off x="5173658" y="4093029"/>
+            <a:ext cx="2111828" cy="947057"/>
+          </a:xfrm>
+          <a:prstGeom prst="rect">
+            <a:avLst/>
+          </a:prstGeom>
+          <a:solidFill>
+            <a:schemeClr val="accent2">
+              <a:lumMod val="75000"/>
+            </a:schemeClr>
+          </a:solidFill>
+        </p:spPr>
+        <p:style>
+          <a:lnRef idx="2">
+            <a:schemeClr val="accent1">
+              <a:shade val="50000"/>
+            </a:schemeClr>
+          </a:lnRef>
+          <a:fillRef idx="1">
+            <a:schemeClr val="accent1"/>
+          </a:fillRef>
+          <a:effectRef idx="0">
+            <a:schemeClr val="accent1"/>
+          </a:effectRef>
+          <a:fontRef idx="minor">
+            <a:schemeClr val="lt1"/>
+          </a:fontRef>
+        </p:style>
+        <p:txBody>
+          <a:bodyPr rtlCol="0" anchor="ctr"/>
+          <a:lstStyle/>
+          <a:p>
+            <a:pPr algn="ctr"/>
+            <a:r>
+              <a:rPr lang="en-US" dirty="0"/>
+              <a:t>Target Y Agent</a:t>
+            </a:r>
+          </a:p>
+        </p:txBody>
+      </p:sp>
+      <p:sp>
+        <p:nvSpPr>
+          <p:cNvPr id="14" name="Rectangle 13">
+            <a:extLst>
+              <a:ext uri="{FF2B5EF4-FFF2-40B4-BE49-F238E27FC236}">
+                <a16:creationId xmlns:a16="http://schemas.microsoft.com/office/drawing/2014/main" id="{F4D04023-2BE6-F746-91CD-DC045043300E}"/>
+              </a:ext>
+            </a:extLst>
+          </p:cNvPr>
+          <p:cNvSpPr/>
+          <p:nvPr/>
+        </p:nvSpPr>
+        <p:spPr>
+          <a:xfrm>
+            <a:off x="5173658" y="5589021"/>
+            <a:ext cx="2111828" cy="947057"/>
+          </a:xfrm>
+          <a:prstGeom prst="rect">
+            <a:avLst/>
+          </a:prstGeom>
+          <a:solidFill>
+            <a:schemeClr val="accent2">
+              <a:lumMod val="75000"/>
+            </a:schemeClr>
+          </a:solidFill>
+        </p:spPr>
+        <p:style>
+          <a:lnRef idx="2">
+            <a:schemeClr val="accent1">
+              <a:shade val="50000"/>
+            </a:schemeClr>
+          </a:lnRef>
+          <a:fillRef idx="1">
+            <a:schemeClr val="accent1"/>
+          </a:fillRef>
+          <a:effectRef idx="0">
+            <a:schemeClr val="accent1"/>
+          </a:effectRef>
+          <a:fontRef idx="minor">
+            <a:schemeClr val="lt1"/>
+          </a:fontRef>
+        </p:style>
+        <p:txBody>
+          <a:bodyPr rtlCol="0" anchor="ctr"/>
+          <a:lstStyle/>
+          <a:p>
+            <a:pPr algn="ctr"/>
+            <a:r>
+              <a:rPr lang="en-US" dirty="0"/>
+              <a:t>Target Y Data plane</a:t>
+            </a:r>
+          </a:p>
+          <a:p>
+            <a:pPr algn="ctr"/>
+            <a:r>
+              <a:rPr lang="en-US" dirty="0" err="1"/>
+              <a:t>PortId_t</a:t>
+            </a:r>
+            <a:r>
+              <a:rPr lang="en-US" dirty="0"/>
+              <a:t> size is  </a:t>
+            </a:r>
+            <a:r>
+              <a:rPr lang="en-US" u="sng" dirty="0"/>
+              <a:t>15</a:t>
+            </a:r>
+            <a:r>
+              <a:rPr lang="en-US" dirty="0"/>
+              <a:t> bits</a:t>
+            </a:r>
+          </a:p>
+        </p:txBody>
+      </p:sp>
+      <p:cxnSp>
+        <p:nvCxnSpPr>
+          <p:cNvPr id="16" name="Straight Arrow Connector 15">
+            <a:extLst>
+              <a:ext uri="{FF2B5EF4-FFF2-40B4-BE49-F238E27FC236}">
+                <a16:creationId xmlns:a16="http://schemas.microsoft.com/office/drawing/2014/main" id="{8AA0E6A6-B879-4A49-800D-0AE98ED6C1BA}"/>
+              </a:ext>
+            </a:extLst>
+          </p:cNvPr>
+          <p:cNvCxnSpPr>
+            <a:cxnSpLocks/>
+            <a:stCxn id="12" idx="0"/>
+          </p:cNvCxnSpPr>
+          <p:nvPr/>
+        </p:nvCxnSpPr>
+        <p:spPr>
+          <a:xfrm flipH="1" flipV="1">
+            <a:off x="4718422" y="2700758"/>
+            <a:ext cx="1511150" cy="843336"/>
+          </a:xfrm>
+          <a:prstGeom prst="straightConnector1">
+            <a:avLst/>
+          </a:prstGeom>
+          <a:ln>
+            <a:headEnd type="triangle"/>
+            <a:tailEnd type="triangle"/>
+          </a:ln>
+        </p:spPr>
+        <p:style>
+          <a:lnRef idx="1">
+            <a:schemeClr val="accent1"/>
+          </a:lnRef>
+          <a:fillRef idx="0">
+            <a:schemeClr val="accent1"/>
+          </a:fillRef>
+          <a:effectRef idx="0">
+            <a:schemeClr val="accent1"/>
+          </a:effectRef>
+          <a:fontRef idx="minor">
+            <a:schemeClr val="tx1"/>
+          </a:fontRef>
+        </p:style>
+      </p:cxnSp>
+      <p:cxnSp>
+        <p:nvCxnSpPr>
+          <p:cNvPr id="20" name="Straight Arrow Connector 19">
+            <a:extLst>
+              <a:ext uri="{FF2B5EF4-FFF2-40B4-BE49-F238E27FC236}">
+                <a16:creationId xmlns:a16="http://schemas.microsoft.com/office/drawing/2014/main" id="{6873D999-5A56-7B45-912D-2718D3C6CE6B}"/>
+              </a:ext>
+            </a:extLst>
+          </p:cNvPr>
+          <p:cNvCxnSpPr>
+            <a:cxnSpLocks/>
+            <a:stCxn id="7" idx="0"/>
+            <a:endCxn id="6" idx="2"/>
+          </p:cNvCxnSpPr>
+          <p:nvPr/>
+        </p:nvCxnSpPr>
+        <p:spPr>
+          <a:xfrm flipV="1">
+            <a:off x="2002971" y="5040086"/>
+            <a:ext cx="0" cy="548935"/>
+          </a:xfrm>
+          <a:prstGeom prst="straightConnector1">
+            <a:avLst/>
+          </a:prstGeom>
+          <a:ln>
+            <a:headEnd type="triangle"/>
+            <a:tailEnd type="triangle"/>
+          </a:ln>
+        </p:spPr>
+        <p:style>
+          <a:lnRef idx="1">
+            <a:schemeClr val="accent1"/>
+          </a:lnRef>
+          <a:fillRef idx="0">
+            <a:schemeClr val="accent1"/>
+          </a:fillRef>
+          <a:effectRef idx="0">
+            <a:schemeClr val="accent1"/>
+          </a:effectRef>
+          <a:fontRef idx="minor">
+            <a:schemeClr val="tx1"/>
+          </a:fontRef>
+        </p:style>
+      </p:cxnSp>
+      <p:sp>
+        <p:nvSpPr>
+          <p:cNvPr id="23" name="Rectangle 22">
+            <a:extLst>
+              <a:ext uri="{FF2B5EF4-FFF2-40B4-BE49-F238E27FC236}">
+                <a16:creationId xmlns:a16="http://schemas.microsoft.com/office/drawing/2014/main" id="{5CF72B48-3508-C441-852C-B976A5A5631E}"/>
+              </a:ext>
+            </a:extLst>
+          </p:cNvPr>
+          <p:cNvSpPr/>
+          <p:nvPr/>
+        </p:nvSpPr>
+        <p:spPr>
+          <a:xfrm>
+            <a:off x="3058886" y="4970940"/>
+            <a:ext cx="2085236" cy="845244"/>
+          </a:xfrm>
+          <a:prstGeom prst="rect">
+            <a:avLst/>
+          </a:prstGeom>
+          <a:noFill/>
+          <a:ln>
+            <a:noFill/>
+          </a:ln>
+        </p:spPr>
+        <p:style>
+          <a:lnRef idx="2">
+            <a:schemeClr val="accent1">
+              <a:shade val="50000"/>
+            </a:schemeClr>
+          </a:lnRef>
+          <a:fillRef idx="1">
+            <a:schemeClr val="accent1"/>
+          </a:fillRef>
+          <a:effectRef idx="0">
+            <a:schemeClr val="accent1"/>
+          </a:effectRef>
+          <a:fontRef idx="minor">
+            <a:schemeClr val="lt1"/>
+          </a:fontRef>
+        </p:style>
+        <p:txBody>
+          <a:bodyPr rtlCol="0" anchor="ctr"/>
+          <a:lstStyle/>
+          <a:p>
+            <a:pPr algn="ctr"/>
+            <a:r>
+              <a:rPr lang="en-US" dirty="0">
+                <a:solidFill>
+                  <a:schemeClr val="tx1"/>
+                </a:solidFill>
+              </a:rPr>
+              <a:t>Target-specific communication (e.g. </a:t>
+            </a:r>
+            <a:r>
+              <a:rPr lang="en-US" dirty="0" err="1">
+                <a:solidFill>
+                  <a:schemeClr val="tx1"/>
+                </a:solidFill>
+              </a:rPr>
+              <a:t>PCIe</a:t>
+            </a:r>
+            <a:r>
+              <a:rPr lang="en-US" dirty="0">
+                <a:solidFill>
+                  <a:schemeClr val="tx1"/>
+                </a:solidFill>
+              </a:rPr>
+              <a:t>, Ethernet)</a:t>
+            </a:r>
+          </a:p>
+        </p:txBody>
+      </p:sp>
+      <p:cxnSp>
+        <p:nvCxnSpPr>
+          <p:cNvPr id="24" name="Straight Arrow Connector 23">
+            <a:extLst>
+              <a:ext uri="{FF2B5EF4-FFF2-40B4-BE49-F238E27FC236}">
+                <a16:creationId xmlns:a16="http://schemas.microsoft.com/office/drawing/2014/main" id="{2AC40C44-B665-0341-8ABD-ACEF067ED6D8}"/>
+              </a:ext>
+            </a:extLst>
+          </p:cNvPr>
+          <p:cNvCxnSpPr>
+            <a:cxnSpLocks/>
+            <a:stCxn id="14" idx="0"/>
+          </p:cNvCxnSpPr>
+          <p:nvPr/>
+        </p:nvCxnSpPr>
+        <p:spPr>
+          <a:xfrm flipV="1">
+            <a:off x="6229572" y="5040087"/>
+            <a:ext cx="0" cy="548934"/>
+          </a:xfrm>
+          <a:prstGeom prst="straightConnector1">
+            <a:avLst/>
+          </a:prstGeom>
+          <a:ln>
+            <a:headEnd type="triangle"/>
+            <a:tailEnd type="triangle"/>
+          </a:ln>
+        </p:spPr>
+        <p:style>
+          <a:lnRef idx="1">
+            <a:schemeClr val="accent1"/>
+          </a:lnRef>
+          <a:fillRef idx="0">
+            <a:schemeClr val="accent1"/>
+          </a:fillRef>
+          <a:effectRef idx="0">
+            <a:schemeClr val="accent1"/>
+          </a:effectRef>
+          <a:fontRef idx="minor">
+            <a:schemeClr val="tx1"/>
+          </a:fontRef>
+        </p:style>
+      </p:cxnSp>
+      <p:cxnSp>
+        <p:nvCxnSpPr>
+          <p:cNvPr id="28" name="Straight Arrow Connector 27">
+            <a:extLst>
+              <a:ext uri="{FF2B5EF4-FFF2-40B4-BE49-F238E27FC236}">
+                <a16:creationId xmlns:a16="http://schemas.microsoft.com/office/drawing/2014/main" id="{1F6227DB-8EEC-5045-820A-9AABE45FE002}"/>
+              </a:ext>
+            </a:extLst>
+          </p:cNvPr>
+          <p:cNvCxnSpPr>
+            <a:cxnSpLocks/>
+            <a:stCxn id="23" idx="1"/>
+          </p:cNvCxnSpPr>
+          <p:nvPr/>
+        </p:nvCxnSpPr>
+        <p:spPr>
+          <a:xfrm flipH="1">
+            <a:off x="2638270" y="5393562"/>
+            <a:ext cx="420616" cy="2897"/>
+          </a:xfrm>
+          <a:prstGeom prst="straightConnector1">
+            <a:avLst/>
+          </a:prstGeom>
+          <a:ln>
+            <a:tailEnd type="triangle"/>
+          </a:ln>
+        </p:spPr>
+        <p:style>
+          <a:lnRef idx="1">
+            <a:schemeClr val="accent1"/>
+          </a:lnRef>
+          <a:fillRef idx="0">
+            <a:schemeClr val="accent1"/>
+          </a:fillRef>
+          <a:effectRef idx="0">
+            <a:schemeClr val="accent1"/>
+          </a:effectRef>
+          <a:fontRef idx="minor">
+            <a:schemeClr val="tx1"/>
+          </a:fontRef>
+        </p:style>
+      </p:cxnSp>
+      <p:cxnSp>
+        <p:nvCxnSpPr>
+          <p:cNvPr id="30" name="Straight Arrow Connector 29">
+            <a:extLst>
+              <a:ext uri="{FF2B5EF4-FFF2-40B4-BE49-F238E27FC236}">
+                <a16:creationId xmlns:a16="http://schemas.microsoft.com/office/drawing/2014/main" id="{69BE2D07-DD72-0E40-A093-027389A22C17}"/>
+              </a:ext>
+            </a:extLst>
+          </p:cNvPr>
+          <p:cNvCxnSpPr>
+            <a:cxnSpLocks/>
+          </p:cNvCxnSpPr>
+          <p:nvPr/>
+        </p:nvCxnSpPr>
+        <p:spPr>
+          <a:xfrm>
+            <a:off x="5065919" y="5393562"/>
+            <a:ext cx="420616" cy="2897"/>
+          </a:xfrm>
+          <a:prstGeom prst="straightConnector1">
+            <a:avLst/>
+          </a:prstGeom>
+          <a:ln>
+            <a:tailEnd type="triangle"/>
+          </a:ln>
+        </p:spPr>
+        <p:style>
+          <a:lnRef idx="1">
+            <a:schemeClr val="accent1"/>
+          </a:lnRef>
+          <a:fillRef idx="0">
+            <a:schemeClr val="accent1"/>
+          </a:fillRef>
+          <a:effectRef idx="0">
+            <a:schemeClr val="accent1"/>
+          </a:effectRef>
+          <a:fontRef idx="minor">
+            <a:schemeClr val="tx1"/>
+          </a:fontRef>
+        </p:style>
+      </p:cxnSp>
     </p:spTree>
     <p:extLst>
       <p:ext uri="{BB962C8B-B14F-4D97-AF65-F5344CB8AC3E}">
-        <p14:creationId xmlns:p14="http://schemas.microsoft.com/office/powerpoint/2010/main" val="3999728408"/>
+        <p14:creationId xmlns:p14="http://schemas.microsoft.com/office/powerpoint/2010/main" val="1850213574"/>
       </p:ext>
     </p:extLst>
   </p:cSld>
@@ -3912,7 +7964,7 @@
           <p:cNvPr id="2" name="Title 1">
             <a:extLst>
               <a:ext uri="{FF2B5EF4-FFF2-40B4-BE49-F238E27FC236}">
-                <a16:creationId xmlns:a16="http://schemas.microsoft.com/office/drawing/2014/main" id="{E4154C84-AAFC-0F4D-B426-8BBE54EB9ECD}"/>
+                <a16:creationId xmlns:a16="http://schemas.microsoft.com/office/drawing/2014/main" id="{1EAE5722-6359-D247-8EE2-51CF6CDEB9C8}"/>
               </a:ext>
             </a:extLst>
           </p:cNvPr>
@@ -3930,7 +7982,7 @@
           <a:p>
             <a:r>
               <a:rPr lang="en-US" dirty="0"/>
-              <a:t>One potential approach</a:t>
+              <a:t>Goals</a:t>
             </a:r>
           </a:p>
         </p:txBody>
@@ -3940,7 +7992,7 @@
           <p:cNvPr id="3" name="Content Placeholder 2">
             <a:extLst>
               <a:ext uri="{FF2B5EF4-FFF2-40B4-BE49-F238E27FC236}">
-                <a16:creationId xmlns:a16="http://schemas.microsoft.com/office/drawing/2014/main" id="{FA8936ED-369F-8945-9D3F-6011EEAB25F9}"/>
+                <a16:creationId xmlns:a16="http://schemas.microsoft.com/office/drawing/2014/main" id="{BBDE3C08-1941-3848-B1D0-49B08EE3AA31}"/>
               </a:ext>
             </a:extLst>
           </p:cNvPr>
@@ -3951,23 +8003,42 @@
             <p:ph idx="1"/>
           </p:nvPr>
         </p:nvSpPr>
-        <p:spPr/>
+        <p:spPr>
+          <a:xfrm>
+            <a:off x="838200" y="1825625"/>
+            <a:ext cx="10515600" cy="4694918"/>
+          </a:xfrm>
+        </p:spPr>
         <p:txBody>
           <a:bodyPr>
-            <a:normAutofit fontScale="92500"/>
+            <a:normAutofit fontScale="70000" lnSpcReduction="20000"/>
           </a:bodyPr>
           <a:lstStyle/>
           <a:p>
             <a:r>
               <a:rPr lang="en-US" dirty="0"/>
-              <a:t>Let each vendor create customized psa.p4 files that they ship with their compiler.</a:t>
+              <a:t>Enable writing a P4_16 source program myp4prog.p4 that does </a:t>
+            </a:r>
+            <a:r>
+              <a:rPr lang="en-US" b="1" dirty="0"/>
+              <a:t>#include “psa.p4” </a:t>
+            </a:r>
+            <a:r>
+              <a:rPr lang="en-US" dirty="0"/>
+              <a:t>near the top, and can be compiled to multiple target devices</a:t>
             </a:r>
           </a:p>
           <a:p>
             <a:pPr lvl="1"/>
             <a:r>
               <a:rPr lang="en-US" dirty="0"/>
-              <a:t>They contain whatever details are needed so that their compiler will generate target-specific binary blobs that customize the bit widths of values with type </a:t>
+              <a:t>without requiring changes to myp4prog.p4 for each target.</a:t>
+            </a:r>
+          </a:p>
+          <a:p>
+            <a:r>
+              <a:rPr lang="en-US" dirty="0"/>
+              <a:t>For port ids, different targets want to customize the size of type </a:t>
             </a:r>
             <a:r>
               <a:rPr lang="en-US" dirty="0" err="1"/>
@@ -3975,6 +8046,14 @@
             </a:r>
             <a:r>
               <a:rPr lang="en-US" dirty="0"/>
+              <a:t> </a:t>
+            </a:r>
+            <a:r>
+              <a:rPr lang="en-US" b="1" u="sng" dirty="0"/>
+              <a:t>in the data plane</a:t>
+            </a:r>
+            <a:r>
+              <a:rPr lang="en-US" dirty="0"/>
               <a:t>.</a:t>
             </a:r>
           </a:p>
@@ -3982,21 +8061,7 @@
             <a:pPr lvl="1"/>
             <a:r>
               <a:rPr lang="en-US" dirty="0"/>
-              <a:t>Other than that, the psa.p4 files for different targets are likely to be very similar.</a:t>
-            </a:r>
-          </a:p>
-          <a:p>
-            <a:r>
-              <a:rPr lang="en-US" dirty="0"/>
-              <a:t>When a P4Info file is generated from myp4prog.p4, </a:t>
-            </a:r>
-            <a:r>
-              <a:rPr lang="en-US" b="1" u="sng" dirty="0"/>
-              <a:t>every</a:t>
-            </a:r>
-            <a:r>
-              <a:rPr lang="en-US" dirty="0"/>
-              <a:t> value of type </a:t>
+              <a:t>e.g. maybe vendor device X wants a 7-bit wide value in the data plane for </a:t>
             </a:r>
             <a:r>
               <a:rPr lang="en-US" dirty="0" err="1"/>
@@ -4004,29 +8069,127 @@
             </a:r>
             <a:r>
               <a:rPr lang="en-US" dirty="0"/>
-              <a:t> should be described as having size 16 bits.</a:t>
+              <a:t>, but vendor device Y wants a 15-bit wide value.</a:t>
             </a:r>
           </a:p>
           <a:p>
             <a:pPr lvl="1"/>
             <a:r>
               <a:rPr lang="en-US" dirty="0"/>
-              <a:t>Note: This value 16 would be common to _all_ PSA implementations.  Every P4 compiler that can generate a P4Info file would know about it, somehow.</a:t>
+              <a:t>Vendor device X does not want to waste 15-7=8 bits to store a </a:t>
+            </a:r>
+            <a:r>
+              <a:rPr lang="en-US" dirty="0" err="1"/>
+              <a:t>PortId_t</a:t>
+            </a:r>
+            <a:r>
+              <a:rPr lang="en-US" dirty="0"/>
+              <a:t> in the data plane implementation of P4 programs, just because some other vendor device wants to use that many bits.</a:t>
+            </a:r>
+          </a:p>
+          <a:p>
+            <a:r>
+              <a:rPr lang="en-US" dirty="0"/>
+              <a:t>As far as possible, controller software does </a:t>
+            </a:r>
+            <a:r>
+              <a:rPr lang="en-US" u="sng" dirty="0"/>
+              <a:t>not</a:t>
+            </a:r>
+            <a:r>
+              <a:rPr lang="en-US" dirty="0"/>
+              <a:t> want to know about these differences.</a:t>
             </a:r>
           </a:p>
           <a:p>
             <a:pPr lvl="1"/>
             <a:r>
               <a:rPr lang="en-US" dirty="0"/>
-              <a:t>If 16 is not big enough, we should pick a number we can all agree on really, really soon.  One that will last a long time, e.g. for the expected lifetime of PSA.</a:t>
-            </a:r>
+              <a:t>It does need to somehow discover and restrict itself to using the physical ports that actually exist on each device, but that does </a:t>
+            </a:r>
+            <a:r>
+              <a:rPr lang="en-US" b="1" u="sng" dirty="0"/>
+              <a:t>not</a:t>
+            </a:r>
+            <a:r>
+              <a:rPr lang="en-US" dirty="0"/>
+              <a:t> imply that it needs to know about the custom sizes in the data plane mentioned above.</a:t>
+            </a:r>
+          </a:p>
+          <a:p>
+            <a:r>
+              <a:rPr lang="en-US" dirty="0" err="1"/>
+              <a:t>PortId_t</a:t>
+            </a:r>
+            <a:r>
+              <a:rPr lang="en-US" dirty="0"/>
+              <a:t> is one example type used in these slides, but there are other similar types defined in PSA.</a:t>
+            </a:r>
+          </a:p>
+          <a:p>
+            <a:pPr lvl="1"/>
+            <a:r>
+              <a:rPr lang="en-US" dirty="0"/>
+              <a:t>PSA v1.0 defines 7 types that are expected to be customized by different vendors</a:t>
+            </a:r>
+          </a:p>
+          <a:p>
+            <a:pPr lvl="1"/>
+            <a:r>
+              <a:rPr lang="en-US" dirty="0"/>
+              <a:t>For the complete list, see: </a:t>
+            </a:r>
+            <a:r>
+              <a:rPr lang="en-US" dirty="0">
+                <a:hlinkClick r:id="rId2"/>
+              </a:rPr>
+              <a:t>https://p4.org/p4-spec/docs/PSA-v1.0.0.html#sec-psa-type-definitions</a:t>
+            </a:r>
+            <a:endParaRPr lang="en-US" dirty="0"/>
+          </a:p>
+          <a:p>
+            <a:pPr lvl="1"/>
+            <a:r>
+              <a:rPr lang="en-US" dirty="0"/>
+              <a:t>Currently 2 of them are special in that we expect numerical translation to occur between the controller software and the data plane.  These are </a:t>
+            </a:r>
+            <a:r>
+              <a:rPr lang="en-US" dirty="0" err="1"/>
+              <a:t>PortId_t</a:t>
+            </a:r>
+            <a:r>
+              <a:rPr lang="en-US" dirty="0"/>
+              <a:t> and </a:t>
+            </a:r>
+            <a:r>
+              <a:rPr lang="en-US" dirty="0" err="1"/>
+              <a:t>ClassOfService_t</a:t>
+            </a:r>
+            <a:r>
+              <a:rPr lang="en-US" dirty="0"/>
+              <a:t>.  Maybe also this will be done for </a:t>
+            </a:r>
+            <a:r>
+              <a:rPr lang="en-US" dirty="0" err="1"/>
+              <a:t>Timestamp_t</a:t>
+            </a:r>
+            <a:r>
+              <a:rPr lang="en-US" dirty="0"/>
+              <a:t> values.</a:t>
+            </a:r>
+          </a:p>
+          <a:p>
+            <a:pPr marL="0" indent="0">
+              <a:buNone/>
+            </a:pPr>
+            <a:endParaRPr lang="en-US" dirty="0"/>
           </a:p>
         </p:txBody>
       </p:sp>
     </p:spTree>
     <p:extLst>
       <p:ext uri="{BB962C8B-B14F-4D97-AF65-F5344CB8AC3E}">
-        <p14:creationId xmlns:p14="http://schemas.microsoft.com/office/powerpoint/2010/main" val="1426435965"/>
+        <p14:creationId xmlns:p14="http://schemas.microsoft.com/office/powerpoint/2010/main" val="1553631007"/>
       </p:ext>
     </p:extLst>
   </p:cSld>
@@ -4058,7 +8221,7 @@
           <p:cNvPr id="2" name="Title 1">
             <a:extLst>
               <a:ext uri="{FF2B5EF4-FFF2-40B4-BE49-F238E27FC236}">
-                <a16:creationId xmlns:a16="http://schemas.microsoft.com/office/drawing/2014/main" id="{D5C910F7-326A-C747-BE6D-8922D856FF84}"/>
+                <a16:creationId xmlns:a16="http://schemas.microsoft.com/office/drawing/2014/main" id="{1EAE5722-6359-D247-8EE2-51CF6CDEB9C8}"/>
               </a:ext>
             </a:extLst>
           </p:cNvPr>
@@ -4076,7 +8239,7 @@
           <a:p>
             <a:r>
               <a:rPr lang="en-US" dirty="0"/>
-              <a:t>One potential approach (2)</a:t>
+              <a:t>Goals (2)</a:t>
             </a:r>
           </a:p>
         </p:txBody>
@@ -4086,7 +8249,7 @@
           <p:cNvPr id="3" name="Content Placeholder 2">
             <a:extLst>
               <a:ext uri="{FF2B5EF4-FFF2-40B4-BE49-F238E27FC236}">
-                <a16:creationId xmlns:a16="http://schemas.microsoft.com/office/drawing/2014/main" id="{91D49D4F-5B81-B642-BA93-137043AE4718}"/>
+                <a16:creationId xmlns:a16="http://schemas.microsoft.com/office/drawing/2014/main" id="{BBDE3C08-1941-3848-B1D0-49B08EE3AA31}"/>
               </a:ext>
             </a:extLst>
           </p:cNvPr>
@@ -4097,36 +8260,105 @@
             <p:ph idx="1"/>
           </p:nvPr>
         </p:nvSpPr>
-        <p:spPr/>
-        <p:txBody>
-          <a:bodyPr/>
-          <a:lstStyle/>
-          <a:p>
-            <a:r>
-              <a:rPr lang="en-US" dirty="0"/>
-              <a:t>Result:</a:t>
+        <p:spPr>
+          <a:xfrm>
+            <a:off x="838200" y="1600200"/>
+            <a:ext cx="10515600" cy="4800600"/>
+          </a:xfrm>
+        </p:spPr>
+        <p:txBody>
+          <a:bodyPr>
+            <a:normAutofit fontScale="70000" lnSpcReduction="20000"/>
+          </a:bodyPr>
+          <a:lstStyle/>
+          <a:p>
+            <a:r>
+              <a:rPr lang="en-US" dirty="0"/>
+              <a:t>The P4Runtime wants a P4Info file, auto-generated from myp4prog.p4, that tells a controller most or all of what it needs to know to communicate with a target device that has that P4 program installed into it.</a:t>
             </a:r>
           </a:p>
           <a:p>
             <a:pPr lvl="1"/>
             <a:r>
               <a:rPr lang="en-US" dirty="0"/>
-              <a:t>Target X binary blobs will use only 7 bits wherever type </a:t>
+              <a:t>e.g. if a P4_16 program has a table key with a field named </a:t>
             </a:r>
             <a:r>
               <a:rPr lang="en-US" dirty="0" err="1"/>
-              <a:t>PortId_t</a:t>
-            </a:r>
-            <a:r>
-              <a:rPr lang="en-US" dirty="0"/>
-              <a:t> values appear, but target Y binary blobs will use 15 bits wherever that type appears.</a:t>
+              <a:t>my_funky_field</a:t>
+            </a:r>
+            <a:r>
+              <a:rPr lang="en-US" dirty="0"/>
+              <a:t> that is type bit&lt;17&gt; in it, P4Info should indicate that the field is type bit&lt;17&gt;.</a:t>
             </a:r>
           </a:p>
           <a:p>
             <a:pPr lvl="1"/>
             <a:r>
               <a:rPr lang="en-US" dirty="0"/>
-              <a:t>P4Info file will use 16 bits wherever that type appears.</a:t>
+              <a:t>For cases where the bit width is explicitly given in myp4prog.p4, both the target-specific data plane implementation </a:t>
+            </a:r>
+            <a:r>
+              <a:rPr lang="en-US" b="1" u="sng" dirty="0"/>
+              <a:t>and</a:t>
+            </a:r>
+            <a:r>
+              <a:rPr lang="en-US" dirty="0"/>
+              <a:t> P4Info should reflect that, and the controller will thus be aware of that size.  This is expected and normal.</a:t>
+            </a:r>
+          </a:p>
+          <a:p>
+            <a:pPr lvl="1"/>
+            <a:r>
+              <a:rPr lang="en-US" dirty="0"/>
+              <a:t>The potentially tricky part is for the values that the data planes want to have target-specific sizes for.</a:t>
+            </a:r>
+          </a:p>
+          <a:p>
+            <a:r>
+              <a:rPr lang="en-US" dirty="0"/>
+              <a:t>Generate the target-specific compiled versions (i.e. “binary blobs”) of a P4 program from myp4prog.p4 and the psa.p4 #include file.</a:t>
+            </a:r>
+          </a:p>
+          <a:p>
+            <a:pPr lvl="1"/>
+            <a:r>
+              <a:rPr lang="en-US" dirty="0"/>
+              <a:t>Note: It is </a:t>
+            </a:r>
+            <a:r>
+              <a:rPr lang="en-US" b="1" u="sng" dirty="0"/>
+              <a:t>OK</a:t>
+            </a:r>
+            <a:r>
+              <a:rPr lang="en-US" dirty="0"/>
+              <a:t> if psa.p4 is mostly the same, but has target-specific customizations in it.  Each vendor will ship its customized psa.p4 file with its target-specific compiler.</a:t>
+            </a:r>
+          </a:p>
+          <a:p>
+            <a:r>
+              <a:rPr lang="en-US" dirty="0"/>
+              <a:t>Generate the P4Info file from myp4prog.p4, too</a:t>
+            </a:r>
+          </a:p>
+          <a:p>
+            <a:pPr lvl="1"/>
+            <a:r>
+              <a:rPr lang="en-US" dirty="0"/>
+              <a:t>Perhaps in the same compilation run as the target-specific binary blob is created, or it could be a separate invocation of the P4 compiler.</a:t>
+            </a:r>
+          </a:p>
+          <a:p>
+            <a:pPr lvl="1"/>
+            <a:r>
+              <a:rPr lang="en-US" dirty="0"/>
+              <a:t>The P4Info file contents should ideally be identical, regardless of the target device.  It should be a function only of myp4prog.p4, regardless of any differences that might exist in target-specific psa.p4 files.</a:t>
+            </a:r>
+          </a:p>
+          <a:p>
+            <a:r>
+              <a:rPr lang="en-US" dirty="0"/>
+              <a:t>Minimize the number of annotations required in the P4 source code file myp4prog.p4 in order to achieve these goals.</a:t>
             </a:r>
           </a:p>
         </p:txBody>
@@ -4134,7 +8366,7 @@
     </p:spTree>
     <p:extLst>
       <p:ext uri="{BB962C8B-B14F-4D97-AF65-F5344CB8AC3E}">
-        <p14:creationId xmlns:p14="http://schemas.microsoft.com/office/powerpoint/2010/main" val="361258838"/>
+        <p14:creationId xmlns:p14="http://schemas.microsoft.com/office/powerpoint/2010/main" val="1020387146"/>
       </p:ext>
     </p:extLst>
   </p:cSld>
@@ -4166,7 +8398,7 @@
           <p:cNvPr id="2" name="Title 1">
             <a:extLst>
               <a:ext uri="{FF2B5EF4-FFF2-40B4-BE49-F238E27FC236}">
-                <a16:creationId xmlns:a16="http://schemas.microsoft.com/office/drawing/2014/main" id="{3857E022-A056-ED4F-89D5-94A41FF95025}"/>
+                <a16:creationId xmlns:a16="http://schemas.microsoft.com/office/drawing/2014/main" id="{D0621919-373A-7641-8C1A-B92FC69DBCC1}"/>
               </a:ext>
             </a:extLst>
           </p:cNvPr>
@@ -4182,10 +8414,7 @@
           <a:bodyPr/>
           <a:lstStyle/>
           <a:p>
-            <a:r>
-              <a:rPr lang="en-US" dirty="0"/>
-              <a:t>Restrictions on writing P4 code</a:t>
-            </a:r>
+            <a:endParaRPr lang="en-US" dirty="0"/>
           </a:p>
         </p:txBody>
       </p:sp>
@@ -4194,7 +8423,7 @@
           <p:cNvPr id="3" name="Content Placeholder 2">
             <a:extLst>
               <a:ext uri="{FF2B5EF4-FFF2-40B4-BE49-F238E27FC236}">
-                <a16:creationId xmlns:a16="http://schemas.microsoft.com/office/drawing/2014/main" id="{F0702B6F-4AD8-0347-A706-12D23F7644F3}"/>
+                <a16:creationId xmlns:a16="http://schemas.microsoft.com/office/drawing/2014/main" id="{97D5F3C4-BFE8-9741-95BD-F25270DFAF36}"/>
               </a:ext>
             </a:extLst>
           </p:cNvPr>
@@ -4207,73 +8436,12 @@
         </p:nvSpPr>
         <p:spPr/>
         <p:txBody>
-          <a:bodyPr>
-            <a:normAutofit fontScale="92500" lnSpcReduction="10000"/>
-          </a:bodyPr>
-          <a:lstStyle/>
-          <a:p>
-            <a:r>
-              <a:rPr lang="en-US" dirty="0"/>
-              <a:t>I strongly recommend reading all of this section of the PSA spec.</a:t>
-            </a:r>
-          </a:p>
-          <a:p>
-            <a:pPr lvl="1"/>
-            <a:r>
-              <a:rPr lang="en-US" dirty="0">
-                <a:hlinkClick r:id="rId2"/>
-              </a:rPr>
-              <a:t>https://p4.org/p4-spec/docs/PSA-v1.0.0.html#sec-data-plane-vs-control-plane-values</a:t>
-            </a:r>
-            <a:endParaRPr lang="en-US" dirty="0"/>
-          </a:p>
-          <a:p>
-            <a:pPr lvl="1"/>
-            <a:r>
-              <a:rPr lang="en-US" dirty="0"/>
-              <a:t>It is about 1-2 pages long.  It won’t take long to read, really.</a:t>
-            </a:r>
-          </a:p>
-          <a:p>
-            <a:r>
-              <a:rPr lang="en-US" dirty="0"/>
-              <a:t>Recommendation: Never use hard-coded numeric literal values like 0xfff when comparing values of </a:t>
-            </a:r>
-            <a:r>
-              <a:rPr lang="en-US" dirty="0" err="1"/>
-              <a:t>PortId_t</a:t>
-            </a:r>
-            <a:r>
-              <a:rPr lang="en-US" dirty="0"/>
-              <a:t> (or the other 6 ‘special’ PSA types), or assigning values to them.</a:t>
-            </a:r>
-          </a:p>
-          <a:p>
-            <a:pPr lvl="1"/>
-            <a:r>
-              <a:rPr lang="en-US" dirty="0"/>
-              <a:t>Instead, limit yourself to obtaining their values from action parameters with values installed by the control plane</a:t>
-            </a:r>
-          </a:p>
-          <a:p>
-            <a:pPr lvl="1"/>
-            <a:r>
-              <a:rPr lang="en-US" dirty="0"/>
-              <a:t>PSA v1.0 defines a named constants that are perfectly fine to use for a couple of special ports:</a:t>
-            </a:r>
-          </a:p>
-          <a:p>
-            <a:pPr lvl="2"/>
-            <a:r>
-              <a:rPr lang="en-US" dirty="0"/>
-              <a:t>PSA_PORT_CPU – the port to/from the CPU</a:t>
-            </a:r>
-          </a:p>
-          <a:p>
-            <a:pPr lvl="2"/>
-            <a:r>
-              <a:rPr lang="en-US" dirty="0"/>
-              <a:t>PSA_PORT_RECIRCULATE – the port to send packets to when you want to recirculate them</a:t>
+          <a:bodyPr/>
+          <a:lstStyle/>
+          <a:p>
+            <a:r>
+              <a:rPr lang="en-US" dirty="0"/>
+              <a:t>If you disagree with any of the goals, then you can stop here.  We should first agree on a set of goals.</a:t>
             </a:r>
           </a:p>
         </p:txBody>
@@ -4281,7 +8449,7 @@
     </p:spTree>
     <p:extLst>
       <p:ext uri="{BB962C8B-B14F-4D97-AF65-F5344CB8AC3E}">
-        <p14:creationId xmlns:p14="http://schemas.microsoft.com/office/powerpoint/2010/main" val="3599001240"/>
+        <p14:creationId xmlns:p14="http://schemas.microsoft.com/office/powerpoint/2010/main" val="3999728408"/>
       </p:ext>
     </p:extLst>
   </p:cSld>
@@ -4313,7 +8481,7 @@
           <p:cNvPr id="2" name="Title 1">
             <a:extLst>
               <a:ext uri="{FF2B5EF4-FFF2-40B4-BE49-F238E27FC236}">
-                <a16:creationId xmlns:a16="http://schemas.microsoft.com/office/drawing/2014/main" id="{DF6B4068-52F6-C641-ADB3-00123E89361D}"/>
+                <a16:creationId xmlns:a16="http://schemas.microsoft.com/office/drawing/2014/main" id="{E4154C84-AAFC-0F4D-B426-8BBE54EB9ECD}"/>
               </a:ext>
             </a:extLst>
           </p:cNvPr>
@@ -4331,7 +8499,7 @@
           <a:p>
             <a:r>
               <a:rPr lang="en-US" dirty="0"/>
-              <a:t>Open issues</a:t>
+              <a:t>One potential approach</a:t>
             </a:r>
           </a:p>
         </p:txBody>
@@ -4341,7 +8509,7 @@
           <p:cNvPr id="3" name="Content Placeholder 2">
             <a:extLst>
               <a:ext uri="{FF2B5EF4-FFF2-40B4-BE49-F238E27FC236}">
-                <a16:creationId xmlns:a16="http://schemas.microsoft.com/office/drawing/2014/main" id="{A3D6CB8A-23C1-B54C-A84A-64AA0BEC56F1}"/>
+                <a16:creationId xmlns:a16="http://schemas.microsoft.com/office/drawing/2014/main" id="{FA8936ED-369F-8945-9D3F-6011EEAB25F9}"/>
               </a:ext>
             </a:extLst>
           </p:cNvPr>
@@ -4352,77 +8520,28 @@
             <p:ph idx="1"/>
           </p:nvPr>
         </p:nvSpPr>
-        <p:spPr/>
+        <p:spPr>
+          <a:xfrm>
+            <a:off x="838200" y="1825624"/>
+            <a:ext cx="10515600" cy="4727575"/>
+          </a:xfrm>
+        </p:spPr>
         <p:txBody>
           <a:bodyPr>
-            <a:normAutofit fontScale="77500" lnSpcReduction="20000"/>
+            <a:normAutofit fontScale="92500" lnSpcReduction="20000"/>
           </a:bodyPr>
           <a:lstStyle/>
           <a:p>
             <a:r>
               <a:rPr lang="en-US" dirty="0"/>
-              <a:t>How to minimize the annotations needed in a P4_16 program myp4prog.p4 to achieve these effects?</a:t>
+              <a:t>Let each vendor create customized psa.p4 files that they ship with their compiler.</a:t>
             </a:r>
           </a:p>
           <a:p>
             <a:pPr lvl="1"/>
             <a:r>
               <a:rPr lang="en-US" dirty="0"/>
-              <a:t>Ideally such annotations could be limited to only the target-specific psa.p4 file, and need not be sprinkled throughout myp4prog.p4.</a:t>
-            </a:r>
-          </a:p>
-          <a:p>
-            <a:pPr lvl="1"/>
-            <a:r>
-              <a:rPr lang="en-US" dirty="0"/>
-              <a:t>The current open source p4c compiler does not enable this.</a:t>
-            </a:r>
-          </a:p>
-          <a:p>
-            <a:pPr lvl="2"/>
-            <a:r>
-              <a:rPr lang="en-US" dirty="0"/>
-              <a:t>I have created this issue for p4c asking how this might be done.</a:t>
-            </a:r>
-          </a:p>
-          <a:p>
-            <a:pPr lvl="2"/>
-            <a:r>
-              <a:rPr lang="en-US" dirty="0">
-                <a:hlinkClick r:id="rId2"/>
-              </a:rPr>
-              <a:t>https://github.com/p4lang/p4c/issues/1157</a:t>
-            </a:r>
-            <a:endParaRPr lang="en-US" dirty="0"/>
-          </a:p>
-          <a:p>
-            <a:pPr lvl="2"/>
-            <a:r>
-              <a:rPr lang="en-US" dirty="0"/>
-              <a:t>If you think this issue is important, put your +1 or comment on that issue, or convince your representative to the P4_16 language working group to beat the drum on it until it is resolved.</a:t>
-            </a:r>
-          </a:p>
-          <a:p>
-            <a:pPr lvl="2"/>
-            <a:r>
-              <a:rPr lang="en-US" dirty="0"/>
-              <a:t>Mihai </a:t>
-            </a:r>
-            <a:r>
-              <a:rPr lang="en-US" dirty="0" err="1"/>
-              <a:t>Budiu’s</a:t>
-            </a:r>
-            <a:r>
-              <a:rPr lang="en-US" dirty="0"/>
-              <a:t> suggestion of introducing in P4_16 syntax like “</a:t>
-            </a:r>
-            <a:r>
-              <a:rPr lang="en-US" dirty="0" err="1"/>
-              <a:t>newtype</a:t>
-            </a:r>
-            <a:r>
-              <a:rPr lang="en-US" dirty="0"/>
-              <a:t> bit&lt;7&gt; </a:t>
+              <a:t>They contain whatever details are needed so that their compiler will generate target-specific binary blobs that customize the bit widths of values with type </a:t>
             </a:r>
             <a:r>
               <a:rPr lang="en-US" dirty="0" err="1"/>
@@ -4430,26 +8549,68 @@
             </a:r>
             <a:r>
               <a:rPr lang="en-US" dirty="0"/>
-              <a:t>” instead of using “</a:t>
+              <a:t>.</a:t>
+            </a:r>
+          </a:p>
+          <a:p>
+            <a:pPr lvl="1"/>
+            <a:r>
+              <a:rPr lang="en-US" dirty="0"/>
+              <a:t>Other than that, the psa.p4 files for different targets are likely to be very similar.</a:t>
+            </a:r>
+          </a:p>
+          <a:p>
+            <a:pPr lvl="1"/>
+            <a:r>
+              <a:rPr lang="en-US" dirty="0"/>
+              <a:t>Note: #include &lt;</a:t>
             </a:r>
             <a:r>
               <a:rPr lang="en-US" dirty="0" err="1"/>
-              <a:t>typedef</a:t>
-            </a:r>
-            <a:r>
-              <a:rPr lang="en-US" dirty="0"/>
-              <a:t>” may be a </a:t>
-            </a:r>
+              <a:t>stdio.h</a:t>
+            </a:r>
+            <a:r>
+              <a:rPr lang="en-US" dirty="0"/>
+              <a:t>&gt; pulls in somewhat different files for different combinations of (operating system version, C library version, C compiler and version).</a:t>
+            </a:r>
+          </a:p>
+          <a:p>
+            <a:pPr lvl="2"/>
+            <a:r>
+              <a:rPr lang="en-US" dirty="0"/>
+              <a:t>These differences are mostly in things like annotations, and rarely cause troubles.</a:t>
+            </a:r>
+          </a:p>
+          <a:p>
+            <a:pPr lvl="2"/>
+            <a:r>
+              <a:rPr lang="en-US" dirty="0"/>
+              <a:t>When such differences do cause troubles, they are treated as bugs and fixed.</a:t>
+            </a:r>
+          </a:p>
+          <a:p>
+            <a:pPr lvl="2"/>
             <a:r>
               <a:rPr lang="en-US"/>
-              <a:t>fruitful approach to take there.</a:t>
-            </a:r>
-            <a:endParaRPr lang="en-US" dirty="0"/>
-          </a:p>
-          <a:p>
-            <a:r>
-              <a:rPr lang="en-US" dirty="0"/>
-              <a:t>What if my myp4prog.p4 tries to add two values of </a:t>
+              <a:t>I would expect </a:t>
+            </a:r>
+            <a:r>
+              <a:rPr lang="en-US" dirty="0"/>
+              <a:t>the same for target-specific variations in the psa.p4 file.</a:t>
+            </a:r>
+          </a:p>
+          <a:p>
+            <a:r>
+              <a:rPr lang="en-US" dirty="0"/>
+              <a:t>When a P4Info file is generated from myp4prog.p4, </a:t>
+            </a:r>
+            <a:r>
+              <a:rPr lang="en-US" b="1" u="sng" dirty="0"/>
+              <a:t>every</a:t>
+            </a:r>
+            <a:r>
+              <a:rPr lang="en-US" dirty="0"/>
+              <a:t> value of type </a:t>
             </a:r>
             <a:r>
               <a:rPr lang="en-US" dirty="0" err="1"/>
@@ -4457,21 +8618,21 @@
             </a:r>
             <a:r>
               <a:rPr lang="en-US" dirty="0"/>
-              <a:t>?</a:t>
+              <a:t> should be described as having size 32 bits.</a:t>
             </a:r>
           </a:p>
           <a:p>
             <a:pPr lvl="1"/>
             <a:r>
               <a:rPr lang="en-US" dirty="0"/>
-              <a:t>Because of the additional PSA property of there being controller &lt;-&gt; data plane translation of numeric values involved, that is likely a non-portable thing to do that will not lead to happiness.</a:t>
+              <a:t>Note: This value 32 would be common to _all_ PSA implementations.  Every P4 compiler that can generate a P4Info file would know about it, somehow.</a:t>
             </a:r>
           </a:p>
           <a:p>
             <a:pPr lvl="1"/>
             <a:r>
               <a:rPr lang="en-US" dirty="0"/>
-              <a:t>Should P4 compilers be _required_ to treat such attempts as errors?  Maybe that would be nice to have.  Beat on that drum, too, if you care strongly enough about it.  The PSA section linked on previous slide already says not to do it, but not everyone reads such things, I know.</a:t>
+              <a:t>If 32 is not big enough, we should pick a number we can all agree on really, really soon.  One that will last a long time, e.g. for the expected lifetime of PSA.</a:t>
             </a:r>
           </a:p>
         </p:txBody>
@@ -4479,7 +8640,7 @@
     </p:spTree>
     <p:extLst>
       <p:ext uri="{BB962C8B-B14F-4D97-AF65-F5344CB8AC3E}">
-        <p14:creationId xmlns:p14="http://schemas.microsoft.com/office/powerpoint/2010/main" val="2825129593"/>
+        <p14:creationId xmlns:p14="http://schemas.microsoft.com/office/powerpoint/2010/main" val="1426435965"/>
       </p:ext>
     </p:extLst>
   </p:cSld>
@@ -4511,7 +8672,7 @@
           <p:cNvPr id="2" name="Title 1">
             <a:extLst>
               <a:ext uri="{FF2B5EF4-FFF2-40B4-BE49-F238E27FC236}">
-                <a16:creationId xmlns:a16="http://schemas.microsoft.com/office/drawing/2014/main" id="{61C08744-3FB5-D448-9733-EB389CFB7253}"/>
+                <a16:creationId xmlns:a16="http://schemas.microsoft.com/office/drawing/2014/main" id="{D5C910F7-326A-C747-BE6D-8922D856FF84}"/>
               </a:ext>
             </a:extLst>
           </p:cNvPr>
@@ -4529,7 +8690,7 @@
           <a:p>
             <a:r>
               <a:rPr lang="en-US" dirty="0"/>
-              <a:t>Open issues (2)</a:t>
+              <a:t>One potential approach (2)</a:t>
             </a:r>
           </a:p>
         </p:txBody>
@@ -4539,7 +8700,7 @@
           <p:cNvPr id="3" name="Content Placeholder 2">
             <a:extLst>
               <a:ext uri="{FF2B5EF4-FFF2-40B4-BE49-F238E27FC236}">
-                <a16:creationId xmlns:a16="http://schemas.microsoft.com/office/drawing/2014/main" id="{9639C560-520B-8341-8F84-C7D6921959C6}"/>
+                <a16:creationId xmlns:a16="http://schemas.microsoft.com/office/drawing/2014/main" id="{91D49D4F-5B81-B642-BA93-137043AE4718}"/>
               </a:ext>
             </a:extLst>
           </p:cNvPr>
@@ -4557,35 +8718,14 @@
           <a:p>
             <a:r>
               <a:rPr lang="en-US" dirty="0"/>
-              <a:t>Should controller software be able to name PSA_PORT_CPU and PSA_PORT_RECIRCULATE values in target-independent way?</a:t>
+              <a:t>Result:</a:t>
             </a:r>
           </a:p>
           <a:p>
             <a:pPr lvl="1"/>
             <a:r>
               <a:rPr lang="en-US" dirty="0"/>
-              <a:t>Seems useful.  Seems like there should be a straightforward way to do this.</a:t>
-            </a:r>
-          </a:p>
-          <a:p>
-            <a:r>
-              <a:rPr lang="en-US" dirty="0"/>
-              <a:t>Potential quick hack:</a:t>
-            </a:r>
-          </a:p>
-          <a:p>
-            <a:pPr lvl="1"/>
-            <a:r>
-              <a:rPr lang="en-US" dirty="0"/>
-              <a:t>To generate P4Info file, compile with a psa.p4 file that has “</a:t>
-            </a:r>
-            <a:r>
-              <a:rPr lang="en-US" dirty="0" err="1"/>
-              <a:t>typedef</a:t>
-            </a:r>
-            <a:r>
-              <a:rPr lang="en-US" dirty="0"/>
-              <a:t> bit&lt;16&gt; </a:t>
+              <a:t>Target X binary blobs will use only 7 bits wherever type </a:t>
             </a:r>
             <a:r>
               <a:rPr lang="en-US" dirty="0" err="1"/>
@@ -4593,51 +8733,22 @@
             </a:r>
             <a:r>
               <a:rPr lang="en-US" dirty="0"/>
-              <a:t>;”, the size in bits that you want </a:t>
-            </a:r>
-            <a:r>
-              <a:rPr lang="en-US" dirty="0" err="1"/>
-              <a:t>PortId_t</a:t>
-            </a:r>
-            <a:r>
-              <a:rPr lang="en-US" dirty="0"/>
-              <a:t> values to be between controllers/clients and agents/servers.</a:t>
+              <a:t> values appear, but target Y binary blobs will use 15 bits wherever that type appears.</a:t>
             </a:r>
           </a:p>
           <a:p>
             <a:pPr lvl="1"/>
             <a:r>
               <a:rPr lang="en-US" dirty="0"/>
-              <a:t>I do not think this is a good log term approach, because for the 2 PSA types with numerical translation, </a:t>
-            </a:r>
-            <a:r>
-              <a:rPr lang="en-US" dirty="0" err="1"/>
-              <a:t>PortId_t</a:t>
-            </a:r>
-            <a:r>
-              <a:rPr lang="en-US" dirty="0"/>
-              <a:t> and </a:t>
-            </a:r>
-            <a:r>
-              <a:rPr lang="en-US" dirty="0" err="1"/>
-              <a:t>ClassOfService_t</a:t>
-            </a:r>
-            <a:r>
-              <a:rPr lang="en-US" dirty="0"/>
-              <a:t>, we still want to minimize annotations in P4 program myp4prog.p4 wherever those types are used</a:t>
-            </a:r>
-            <a:r>
-              <a:rPr lang="en-US"/>
-              <a:t>, ideally 0 of them.</a:t>
-            </a:r>
-            <a:endParaRPr lang="en-US" dirty="0"/>
+              <a:t>P4Info file will use 32 bits wherever that type appears.</a:t>
+            </a:r>
           </a:p>
         </p:txBody>
       </p:sp>
     </p:spTree>
     <p:extLst>
       <p:ext uri="{BB962C8B-B14F-4D97-AF65-F5344CB8AC3E}">
-        <p14:creationId xmlns:p14="http://schemas.microsoft.com/office/powerpoint/2010/main" val="977021181"/>
+        <p14:creationId xmlns:p14="http://schemas.microsoft.com/office/powerpoint/2010/main" val="361258838"/>
       </p:ext>
     </p:extLst>
   </p:cSld>

--- a/docs/p4runtime-and-psa-target-specific-types.pptx
+++ b/docs/p4runtime-and-psa-target-specific-types.pptx
@@ -21,6 +21,9 @@
     <p:sldId id="272" r:id="rId15"/>
     <p:sldId id="270" r:id="rId16"/>
     <p:sldId id="271" r:id="rId17"/>
+    <p:sldId id="273" r:id="rId18"/>
+    <p:sldId id="274" r:id="rId19"/>
+    <p:sldId id="276" r:id="rId20"/>
   </p:sldIdLst>
   <p:sldSz cx="12192000" cy="6858000"/>
   <p:notesSz cx="6858000" cy="9144000"/>
@@ -274,7 +277,7 @@
           <a:p>
             <a:fld id="{5B989F93-802E-9345-8A26-91F58232E6D2}" type="datetimeFigureOut">
               <a:rPr lang="en-US" smtClean="0"/>
-              <a:t>4/19/18</a:t>
+              <a:t>5/16/18</a:t>
             </a:fld>
             <a:endParaRPr lang="en-US"/>
           </a:p>
@@ -472,7 +475,7 @@
           <a:p>
             <a:fld id="{5B989F93-802E-9345-8A26-91F58232E6D2}" type="datetimeFigureOut">
               <a:rPr lang="en-US" smtClean="0"/>
-              <a:t>4/19/18</a:t>
+              <a:t>5/16/18</a:t>
             </a:fld>
             <a:endParaRPr lang="en-US"/>
           </a:p>
@@ -680,7 +683,7 @@
           <a:p>
             <a:fld id="{5B989F93-802E-9345-8A26-91F58232E6D2}" type="datetimeFigureOut">
               <a:rPr lang="en-US" smtClean="0"/>
-              <a:t>4/19/18</a:t>
+              <a:t>5/16/18</a:t>
             </a:fld>
             <a:endParaRPr lang="en-US"/>
           </a:p>
@@ -878,7 +881,7 @@
           <a:p>
             <a:fld id="{5B989F93-802E-9345-8A26-91F58232E6D2}" type="datetimeFigureOut">
               <a:rPr lang="en-US" smtClean="0"/>
-              <a:t>4/19/18</a:t>
+              <a:t>5/16/18</a:t>
             </a:fld>
             <a:endParaRPr lang="en-US"/>
           </a:p>
@@ -1153,7 +1156,7 @@
           <a:p>
             <a:fld id="{5B989F93-802E-9345-8A26-91F58232E6D2}" type="datetimeFigureOut">
               <a:rPr lang="en-US" smtClean="0"/>
-              <a:t>4/19/18</a:t>
+              <a:t>5/16/18</a:t>
             </a:fld>
             <a:endParaRPr lang="en-US"/>
           </a:p>
@@ -1418,7 +1421,7 @@
           <a:p>
             <a:fld id="{5B989F93-802E-9345-8A26-91F58232E6D2}" type="datetimeFigureOut">
               <a:rPr lang="en-US" smtClean="0"/>
-              <a:t>4/19/18</a:t>
+              <a:t>5/16/18</a:t>
             </a:fld>
             <a:endParaRPr lang="en-US"/>
           </a:p>
@@ -1830,7 +1833,7 @@
           <a:p>
             <a:fld id="{5B989F93-802E-9345-8A26-91F58232E6D2}" type="datetimeFigureOut">
               <a:rPr lang="en-US" smtClean="0"/>
-              <a:t>4/19/18</a:t>
+              <a:t>5/16/18</a:t>
             </a:fld>
             <a:endParaRPr lang="en-US"/>
           </a:p>
@@ -1971,7 +1974,7 @@
           <a:p>
             <a:fld id="{5B989F93-802E-9345-8A26-91F58232E6D2}" type="datetimeFigureOut">
               <a:rPr lang="en-US" smtClean="0"/>
-              <a:t>4/19/18</a:t>
+              <a:t>5/16/18</a:t>
             </a:fld>
             <a:endParaRPr lang="en-US"/>
           </a:p>
@@ -2084,7 +2087,7 @@
           <a:p>
             <a:fld id="{5B989F93-802E-9345-8A26-91F58232E6D2}" type="datetimeFigureOut">
               <a:rPr lang="en-US" smtClean="0"/>
-              <a:t>4/19/18</a:t>
+              <a:t>5/16/18</a:t>
             </a:fld>
             <a:endParaRPr lang="en-US"/>
           </a:p>
@@ -2395,7 +2398,7 @@
           <a:p>
             <a:fld id="{5B989F93-802E-9345-8A26-91F58232E6D2}" type="datetimeFigureOut">
               <a:rPr lang="en-US" smtClean="0"/>
-              <a:t>4/19/18</a:t>
+              <a:t>5/16/18</a:t>
             </a:fld>
             <a:endParaRPr lang="en-US"/>
           </a:p>
@@ -2683,7 +2686,7 @@
           <a:p>
             <a:fld id="{5B989F93-802E-9345-8A26-91F58232E6D2}" type="datetimeFigureOut">
               <a:rPr lang="en-US" smtClean="0"/>
-              <a:t>4/19/18</a:t>
+              <a:t>5/16/18</a:t>
             </a:fld>
             <a:endParaRPr lang="en-US"/>
           </a:p>
@@ -2924,7 +2927,7 @@
           <a:p>
             <a:fld id="{5B989F93-802E-9345-8A26-91F58232E6D2}" type="datetimeFigureOut">
               <a:rPr lang="en-US" smtClean="0"/>
-              <a:t>4/19/18</a:t>
+              <a:t>5/16/18</a:t>
             </a:fld>
             <a:endParaRPr lang="en-US"/>
           </a:p>
@@ -3403,7 +3406,7 @@
           <a:p>
             <a:r>
               <a:rPr lang="en-US" dirty="0"/>
-              <a:t>This version last updated: April 8, 2018</a:t>
+              <a:t>This version last updated: May 16, 2018</a:t>
             </a:r>
           </a:p>
           <a:p>
@@ -4045,13 +4048,8 @@
           <a:p>
             <a:r>
               <a:rPr lang="en-US" dirty="0"/>
-              <a:t>Currently p4c uses the names in the list expression to generate P4Info, disallowing expressions </a:t>
-            </a:r>
-            <a:r>
-              <a:rPr lang="en-US"/>
-              <a:t>or constants.</a:t>
-            </a:r>
-            <a:endParaRPr lang="en-US" dirty="0"/>
+              <a:t>Currently p4c uses the names in the list expression to generate P4Info, disallowing expressions or constants.</a:t>
+            </a:r>
           </a:p>
         </p:txBody>
       </p:sp>
@@ -4387,7 +4385,7 @@
         <p:spPr/>
         <p:txBody>
           <a:bodyPr>
-            <a:normAutofit fontScale="77500" lnSpcReduction="20000"/>
+            <a:normAutofit fontScale="70000" lnSpcReduction="20000"/>
           </a:bodyPr>
           <a:lstStyle/>
           <a:p>
@@ -4615,6 +4613,53 @@
             </a:r>
           </a:p>
           <a:p>
+            <a:pPr lvl="2"/>
+            <a:r>
+              <a:rPr lang="en-US" dirty="0"/>
+              <a:t>(</a:t>
+            </a:r>
+            <a:r>
+              <a:rPr lang="en-US" dirty="0" err="1"/>
+              <a:t>my_port</a:t>
+            </a:r>
+            <a:r>
+              <a:rPr lang="en-US" dirty="0"/>
+              <a:t> == (</a:t>
+            </a:r>
+            <a:r>
+              <a:rPr lang="en-US" dirty="0" err="1"/>
+              <a:t>PortId_t</a:t>
+            </a:r>
+            <a:r>
+              <a:rPr lang="en-US" dirty="0"/>
+              <a:t>) 1) would be not a compiler error, but maybe a lint tool warning.</a:t>
+            </a:r>
+          </a:p>
+          <a:p>
+            <a:pPr lvl="2"/>
+            <a:r>
+              <a:rPr lang="en-US" dirty="0"/>
+              <a:t>Should there be a “</a:t>
+            </a:r>
+            <a:r>
+              <a:rPr lang="en-US" dirty="0" err="1"/>
+              <a:t>PortIdBaseType_t</a:t>
+            </a:r>
+            <a:r>
+              <a:rPr lang="en-US" dirty="0"/>
+              <a:t>” cast auto-created from ”</a:t>
+            </a:r>
+            <a:r>
+              <a:rPr lang="en-US" dirty="0" err="1"/>
+              <a:t>newtype</a:t>
+            </a:r>
+            <a:r>
+              <a:rPr lang="en-US"/>
+              <a:t>” definition.</a:t>
+            </a:r>
+            <a:endParaRPr lang="en-US" dirty="0"/>
+          </a:p>
+          <a:p>
             <a:pPr lvl="1"/>
             <a:r>
               <a:rPr lang="en-US" dirty="0"/>
@@ -4626,6 +4671,28 @@
             <a:r>
               <a:rPr lang="en-US" dirty="0"/>
               <a:t>The compiler can’t stop you from writing functional errors in all cases.  I don’t think anyone should reasonably expect a compiler to catch all possible functional errors (or even many of them).</a:t>
+            </a:r>
+          </a:p>
+          <a:p>
+            <a:r>
+              <a:rPr lang="en-US" dirty="0"/>
+              <a:t>These ideas align well with the “</a:t>
+            </a:r>
+            <a:r>
+              <a:rPr lang="en-US" dirty="0" err="1"/>
+              <a:t>newtype</a:t>
+            </a:r>
+            <a:r>
+              <a:rPr lang="en-US" dirty="0"/>
+              <a:t> bit&lt;7&gt; </a:t>
+            </a:r>
+            <a:r>
+              <a:rPr lang="en-US" dirty="0" err="1"/>
+              <a:t>PortId_t</a:t>
+            </a:r>
+            <a:r>
+              <a:rPr lang="en-US" dirty="0"/>
+              <a:t>;” proposal.</a:t>
             </a:r>
           </a:p>
         </p:txBody>
@@ -4803,15 +4870,7 @@
             </a:r>
             <a:r>
               <a:rPr lang="en-US" dirty="0"/>
-              <a:t>&gt; </a:t>
-            </a:r>
-            <a:r>
-              <a:rPr lang="en-US" dirty="0" err="1"/>
-              <a:t>bix</a:t>
-            </a:r>
-            <a:r>
-              <a:rPr lang="en-US" dirty="0"/>
-              <a:t>&lt;X&gt; value) be?</a:t>
+              <a:t>&gt; bit&lt;X&gt; value) be?</a:t>
             </a:r>
           </a:p>
           <a:p>
@@ -4888,6 +4947,1117 @@
     <p:extLst>
       <p:ext uri="{BB962C8B-B14F-4D97-AF65-F5344CB8AC3E}">
         <p14:creationId xmlns:p14="http://schemas.microsoft.com/office/powerpoint/2010/main" val="3466415511"/>
+      </p:ext>
+    </p:extLst>
+  </p:cSld>
+  <p:clrMapOvr>
+    <a:masterClrMapping/>
+  </p:clrMapOvr>
+</p:sld>
+</file>
+
+<file path=ppt/slides/slide17.xml><?xml version="1.0" encoding="utf-8"?>
+<p:sld xmlns:a="http://schemas.openxmlformats.org/drawingml/2006/main" xmlns:r="http://schemas.openxmlformats.org/officeDocument/2006/relationships" xmlns:p="http://schemas.openxmlformats.org/presentationml/2006/main">
+  <p:cSld>
+    <p:spTree>
+      <p:nvGrpSpPr>
+        <p:cNvPr id="1" name=""/>
+        <p:cNvGrpSpPr/>
+        <p:nvPr/>
+      </p:nvGrpSpPr>
+      <p:grpSpPr>
+        <a:xfrm>
+          <a:off x="0" y="0"/>
+          <a:ext cx="0" cy="0"/>
+          <a:chOff x="0" y="0"/>
+          <a:chExt cx="0" cy="0"/>
+        </a:xfrm>
+      </p:grpSpPr>
+      <p:sp>
+        <p:nvSpPr>
+          <p:cNvPr id="2" name="Title 1">
+            <a:extLst>
+              <a:ext uri="{FF2B5EF4-FFF2-40B4-BE49-F238E27FC236}">
+                <a16:creationId xmlns:a16="http://schemas.microsoft.com/office/drawing/2014/main" id="{CF014429-7CBF-5842-A22C-2DD6A06F8EEA}"/>
+              </a:ext>
+            </a:extLst>
+          </p:cNvPr>
+          <p:cNvSpPr>
+            <a:spLocks noGrp="1"/>
+          </p:cNvSpPr>
+          <p:nvPr>
+            <p:ph type="title"/>
+          </p:nvPr>
+        </p:nvSpPr>
+        <p:spPr/>
+        <p:txBody>
+          <a:bodyPr/>
+          <a:lstStyle/>
+          <a:p>
+            <a:r>
+              <a:rPr lang="en-US" dirty="0"/>
+              <a:t>Categories of control plane types</a:t>
+            </a:r>
+            <a:br>
+              <a:rPr lang="en-US" dirty="0"/>
+            </a:br>
+            <a:endParaRPr lang="en-US" dirty="0"/>
+          </a:p>
+        </p:txBody>
+      </p:sp>
+      <p:graphicFrame>
+        <p:nvGraphicFramePr>
+          <p:cNvPr id="4" name="Content Placeholder 3">
+            <a:extLst>
+              <a:ext uri="{FF2B5EF4-FFF2-40B4-BE49-F238E27FC236}">
+                <a16:creationId xmlns:a16="http://schemas.microsoft.com/office/drawing/2014/main" id="{34B6FA22-3462-4645-AAE1-09A7E2FC434E}"/>
+              </a:ext>
+            </a:extLst>
+          </p:cNvPr>
+          <p:cNvGraphicFramePr>
+            <a:graphicFrameLocks noGrp="1"/>
+          </p:cNvGraphicFramePr>
+          <p:nvPr>
+            <p:ph idx="1"/>
+            <p:extLst>
+              <p:ext uri="{D42A27DB-BD31-4B8C-83A1-F6EECF244321}">
+                <p14:modId xmlns:p14="http://schemas.microsoft.com/office/powerpoint/2010/main" val="1247468738"/>
+              </p:ext>
+            </p:extLst>
+          </p:nvPr>
+        </p:nvGraphicFramePr>
+        <p:xfrm>
+          <a:off x="708368" y="1027906"/>
+          <a:ext cx="10297888" cy="5826760"/>
+        </p:xfrm>
+        <a:graphic>
+          <a:graphicData uri="http://schemas.openxmlformats.org/drawingml/2006/table">
+            <a:tbl>
+              <a:tblPr firstRow="1" bandRow="1">
+                <a:tableStyleId>{5C22544A-7EE6-4342-B048-85BDC9FD1C3A}</a:tableStyleId>
+              </a:tblPr>
+              <a:tblGrid>
+                <a:gridCol w="2574472">
+                  <a:extLst>
+                    <a:ext uri="{9D8B030D-6E8A-4147-A177-3AD203B41FA5}">
+                      <a16:colId xmlns:a16="http://schemas.microsoft.com/office/drawing/2014/main" val="4020416937"/>
+                    </a:ext>
+                  </a:extLst>
+                </a:gridCol>
+                <a:gridCol w="1779814">
+                  <a:extLst>
+                    <a:ext uri="{9D8B030D-6E8A-4147-A177-3AD203B41FA5}">
+                      <a16:colId xmlns:a16="http://schemas.microsoft.com/office/drawing/2014/main" val="2118309607"/>
+                    </a:ext>
+                  </a:extLst>
+                </a:gridCol>
+                <a:gridCol w="2832409">
+                  <a:extLst>
+                    <a:ext uri="{9D8B030D-6E8A-4147-A177-3AD203B41FA5}">
+                      <a16:colId xmlns:a16="http://schemas.microsoft.com/office/drawing/2014/main" val="1706010005"/>
+                    </a:ext>
+                  </a:extLst>
+                </a:gridCol>
+                <a:gridCol w="3111193">
+                  <a:extLst>
+                    <a:ext uri="{9D8B030D-6E8A-4147-A177-3AD203B41FA5}">
+                      <a16:colId xmlns:a16="http://schemas.microsoft.com/office/drawing/2014/main" val="3410714799"/>
+                    </a:ext>
+                  </a:extLst>
+                </a:gridCol>
+              </a:tblGrid>
+              <a:tr h="370840">
+                <a:tc>
+                  <a:txBody>
+                    <a:bodyPr/>
+                    <a:lstStyle/>
+                    <a:p>
+                      <a:endParaRPr lang="en-US" sz="1400" baseline="0" dirty="0"/>
+                    </a:p>
+                  </a:txBody>
+                  <a:tcPr/>
+                </a:tc>
+                <a:tc>
+                  <a:txBody>
+                    <a:bodyPr/>
+                    <a:lstStyle/>
+                    <a:p>
+                      <a:r>
+                        <a:rPr lang="en-US" sz="1400" baseline="0" dirty="0"/>
+                        <a:t>Data and control plane sizes identical.  Control plane may use custom syntax for input/output (e.g. IPv4Address_t)</a:t>
+                      </a:r>
+                    </a:p>
+                  </a:txBody>
+                  <a:tcPr/>
+                </a:tc>
+                <a:tc>
+                  <a:txBody>
+                    <a:bodyPr/>
+                    <a:lstStyle/>
+                    <a:p>
+                      <a:r>
+                        <a:rPr lang="en-US" sz="1400" baseline="0" dirty="0"/>
+                        <a:t>Per-target custom data plane size, but no numerical translation (e.g. </a:t>
+                      </a:r>
+                      <a:r>
+                        <a:rPr lang="en-US" sz="1400" baseline="0" dirty="0" err="1"/>
+                        <a:t>MulticastGroup_t</a:t>
+                      </a:r>
+                      <a:r>
+                        <a:rPr lang="en-US" sz="1400" baseline="0" dirty="0"/>
+                        <a:t>, </a:t>
+                      </a:r>
+                      <a:r>
+                        <a:rPr lang="en-US" sz="1400" baseline="0" dirty="0" err="1"/>
+                        <a:t>CloneSessionId_t</a:t>
+                      </a:r>
+                      <a:r>
+                        <a:rPr lang="en-US" sz="1400" baseline="0" dirty="0"/>
+                        <a:t>, </a:t>
+                      </a:r>
+                      <a:r>
+                        <a:rPr lang="en-US" sz="1400" baseline="0" dirty="0" err="1"/>
+                        <a:t>PacketLength_t</a:t>
+                      </a:r>
+                      <a:r>
+                        <a:rPr lang="en-US" sz="1400" baseline="0" dirty="0"/>
+                        <a:t>, </a:t>
+                      </a:r>
+                      <a:r>
+                        <a:rPr lang="en-US" sz="1400" baseline="0" dirty="0" err="1"/>
+                        <a:t>EgressInstance_t</a:t>
+                      </a:r>
+                      <a:r>
+                        <a:rPr lang="en-US" sz="1400" baseline="0" dirty="0"/>
+                        <a:t>)</a:t>
+                      </a:r>
+                    </a:p>
+                  </a:txBody>
+                  <a:tcPr/>
+                </a:tc>
+                <a:tc>
+                  <a:txBody>
+                    <a:bodyPr/>
+                    <a:lstStyle/>
+                    <a:p>
+                      <a:r>
+                        <a:rPr lang="en-US" sz="1400" baseline="0" dirty="0"/>
+                        <a:t>Per-target custom data plane size, and numerical translation between control and data planes (e.g. </a:t>
+                      </a:r>
+                      <a:r>
+                        <a:rPr lang="en-US" sz="1400" baseline="0" dirty="0" err="1"/>
+                        <a:t>PortId_t</a:t>
+                      </a:r>
+                      <a:r>
+                        <a:rPr lang="en-US" sz="1400" baseline="0" dirty="0"/>
+                        <a:t>, </a:t>
+                      </a:r>
+                      <a:r>
+                        <a:rPr lang="en-US" sz="1400" baseline="0" dirty="0" err="1"/>
+                        <a:t>ClassOfService_t</a:t>
+                      </a:r>
+                      <a:r>
+                        <a:rPr lang="en-US" sz="1400" baseline="0" dirty="0"/>
+                        <a:t>, </a:t>
+                      </a:r>
+                      <a:r>
+                        <a:rPr lang="en-US" sz="1400" baseline="0" dirty="0" err="1"/>
+                        <a:t>Timestamp_t</a:t>
+                      </a:r>
+                      <a:r>
+                        <a:rPr lang="en-US" sz="1400" baseline="0" dirty="0"/>
+                        <a:t>)</a:t>
+                      </a:r>
+                    </a:p>
+                  </a:txBody>
+                  <a:tcPr/>
+                </a:tc>
+                <a:extLst>
+                  <a:ext uri="{0D108BD9-81ED-4DB2-BD59-A6C34878D82A}">
+                    <a16:rowId xmlns:a16="http://schemas.microsoft.com/office/drawing/2014/main" val="4207647408"/>
+                  </a:ext>
+                </a:extLst>
+              </a:tr>
+              <a:tr h="370840">
+                <a:tc>
+                  <a:txBody>
+                    <a:bodyPr/>
+                    <a:lstStyle/>
+                    <a:p>
+                      <a:r>
+                        <a:rPr lang="en-US" sz="1400" baseline="0" dirty="0"/>
+                        <a:t>Numerical translation in agent?</a:t>
+                      </a:r>
+                    </a:p>
+                  </a:txBody>
+                  <a:tcPr/>
+                </a:tc>
+                <a:tc>
+                  <a:txBody>
+                    <a:bodyPr/>
+                    <a:lstStyle/>
+                    <a:p>
+                      <a:r>
+                        <a:rPr lang="en-US" sz="1400" baseline="0" dirty="0"/>
+                        <a:t>No</a:t>
+                      </a:r>
+                    </a:p>
+                  </a:txBody>
+                  <a:tcPr/>
+                </a:tc>
+                <a:tc>
+                  <a:txBody>
+                    <a:bodyPr/>
+                    <a:lstStyle/>
+                    <a:p>
+                      <a:r>
+                        <a:rPr lang="en-US" sz="1400" baseline="0" dirty="0"/>
+                        <a:t>No</a:t>
+                      </a:r>
+                    </a:p>
+                  </a:txBody>
+                  <a:tcPr/>
+                </a:tc>
+                <a:tc>
+                  <a:txBody>
+                    <a:bodyPr/>
+                    <a:lstStyle/>
+                    <a:p>
+                      <a:r>
+                        <a:rPr lang="en-US" sz="1400" baseline="0" dirty="0"/>
+                        <a:t>Yes</a:t>
+                      </a:r>
+                    </a:p>
+                  </a:txBody>
+                  <a:tcPr/>
+                </a:tc>
+                <a:extLst>
+                  <a:ext uri="{0D108BD9-81ED-4DB2-BD59-A6C34878D82A}">
+                    <a16:rowId xmlns:a16="http://schemas.microsoft.com/office/drawing/2014/main" val="3623559023"/>
+                  </a:ext>
+                </a:extLst>
+              </a:tr>
+              <a:tr h="370840">
+                <a:tc>
+                  <a:txBody>
+                    <a:bodyPr/>
+                    <a:lstStyle/>
+                    <a:p>
+                      <a:r>
+                        <a:rPr lang="en-US" sz="1400" baseline="0" dirty="0"/>
+                        <a:t>Data plane size in bits can be different than control plane size?</a:t>
+                      </a:r>
+                    </a:p>
+                  </a:txBody>
+                  <a:tcPr/>
+                </a:tc>
+                <a:tc>
+                  <a:txBody>
+                    <a:bodyPr/>
+                    <a:lstStyle/>
+                    <a:p>
+                      <a:r>
+                        <a:rPr lang="en-US" sz="1400" baseline="0" dirty="0"/>
+                        <a:t>No</a:t>
+                      </a:r>
+                    </a:p>
+                  </a:txBody>
+                  <a:tcPr/>
+                </a:tc>
+                <a:tc>
+                  <a:txBody>
+                    <a:bodyPr/>
+                    <a:lstStyle/>
+                    <a:p>
+                      <a:r>
+                        <a:rPr lang="en-US" sz="1400" baseline="0" dirty="0"/>
+                        <a:t>Yes</a:t>
+                      </a:r>
+                    </a:p>
+                  </a:txBody>
+                  <a:tcPr/>
+                </a:tc>
+                <a:tc>
+                  <a:txBody>
+                    <a:bodyPr/>
+                    <a:lstStyle/>
+                    <a:p>
+                      <a:r>
+                        <a:rPr lang="en-US" sz="1400" baseline="0" dirty="0"/>
+                        <a:t>Yes</a:t>
+                      </a:r>
+                    </a:p>
+                  </a:txBody>
+                  <a:tcPr/>
+                </a:tc>
+                <a:extLst>
+                  <a:ext uri="{0D108BD9-81ED-4DB2-BD59-A6C34878D82A}">
+                    <a16:rowId xmlns:a16="http://schemas.microsoft.com/office/drawing/2014/main" val="247764123"/>
+                  </a:ext>
+                </a:extLst>
+              </a:tr>
+              <a:tr h="370840">
+                <a:tc>
+                  <a:txBody>
+                    <a:bodyPr/>
+                    <a:lstStyle/>
+                    <a:p>
+                      <a:r>
+                        <a:rPr lang="en-US" sz="1400" baseline="0" dirty="0"/>
+                        <a:t>Agent should check and return error if controller value is invalid?</a:t>
+                      </a:r>
+                    </a:p>
+                  </a:txBody>
+                  <a:tcPr/>
+                </a:tc>
+                <a:tc>
+                  <a:txBody>
+                    <a:bodyPr/>
+                    <a:lstStyle/>
+                    <a:p>
+                      <a:r>
+                        <a:rPr lang="en-US" sz="1400" baseline="0" dirty="0"/>
+                        <a:t>No – all possible values for the type should be considered OK by the agent.</a:t>
+                      </a:r>
+                    </a:p>
+                  </a:txBody>
+                  <a:tcPr/>
+                </a:tc>
+                <a:tc>
+                  <a:txBody>
+                    <a:bodyPr/>
+                    <a:lstStyle/>
+                    <a:p>
+                      <a:r>
+                        <a:rPr lang="en-US" sz="1400" baseline="0" dirty="0"/>
+                        <a:t>Yes – </a:t>
+                      </a:r>
+                      <a:r>
+                        <a:rPr lang="en-US" sz="1400" baseline="0" dirty="0" err="1"/>
+                        <a:t>MulticastGroup_t</a:t>
+                      </a:r>
+                      <a:r>
+                        <a:rPr lang="en-US" sz="1400" baseline="0" dirty="0"/>
+                        <a:t> might have a range of valid values that is not a power of 2, e.g. [0, 12K-1].  A controller attempting to use 12K+5 should give error.</a:t>
+                      </a:r>
+                    </a:p>
+                  </a:txBody>
+                  <a:tcPr/>
+                </a:tc>
+                <a:tc>
+                  <a:txBody>
+                    <a:bodyPr/>
+                    <a:lstStyle/>
+                    <a:p>
+                      <a:r>
+                        <a:rPr lang="en-US" sz="1400" baseline="0" dirty="0"/>
+                        <a:t>Yes – Valid 32-bit </a:t>
+                      </a:r>
+                      <a:r>
+                        <a:rPr lang="en-US" sz="1400" baseline="0" dirty="0" err="1"/>
+                        <a:t>PortId_t</a:t>
+                      </a:r>
+                      <a:r>
+                        <a:rPr lang="en-US" sz="1400" baseline="0"/>
+                        <a:t> values </a:t>
+                      </a:r>
+                      <a:r>
+                        <a:rPr lang="en-US" sz="1400" baseline="0" dirty="0"/>
+                        <a:t>in control plane might be arbitrary subset of possible bit patterns, and agent should return error if controller attempts to use unsupported value.</a:t>
+                      </a:r>
+                    </a:p>
+                  </a:txBody>
+                  <a:tcPr/>
+                </a:tc>
+                <a:extLst>
+                  <a:ext uri="{0D108BD9-81ED-4DB2-BD59-A6C34878D82A}">
+                    <a16:rowId xmlns:a16="http://schemas.microsoft.com/office/drawing/2014/main" val="1749571212"/>
+                  </a:ext>
+                </a:extLst>
+              </a:tr>
+              <a:tr h="370840">
+                <a:tc>
+                  <a:txBody>
+                    <a:bodyPr/>
+                    <a:lstStyle/>
+                    <a:p>
+                      <a:r>
+                        <a:rPr lang="en-US" sz="1400" baseline="0" dirty="0"/>
+                        <a:t>Useful to do arithmetic on values in data plane?</a:t>
+                      </a:r>
+                    </a:p>
+                  </a:txBody>
+                  <a:tcPr/>
+                </a:tc>
+                <a:tc>
+                  <a:txBody>
+                    <a:bodyPr/>
+                    <a:lstStyle/>
+                    <a:p>
+                      <a:r>
+                        <a:rPr lang="en-US" sz="1400" baseline="0" dirty="0"/>
+                        <a:t>Yes</a:t>
+                      </a:r>
+                    </a:p>
+                  </a:txBody>
+                  <a:tcPr/>
+                </a:tc>
+                <a:tc>
+                  <a:txBody>
+                    <a:bodyPr/>
+                    <a:lstStyle/>
+                    <a:p>
+                      <a:r>
+                        <a:rPr lang="en-US" sz="1400" baseline="0" dirty="0"/>
+                        <a:t>Yes, addition, subtraction, &lt; &lt;= &gt; &gt;= for </a:t>
+                      </a:r>
+                      <a:r>
+                        <a:rPr lang="en-US" sz="1400" baseline="0" dirty="0" err="1"/>
+                        <a:t>PacketLength_t</a:t>
+                      </a:r>
+                      <a:r>
+                        <a:rPr lang="en-US" sz="1400" baseline="0" dirty="0"/>
+                        <a:t>.  Less clear how useful for other types.</a:t>
+                      </a:r>
+                    </a:p>
+                  </a:txBody>
+                  <a:tcPr/>
+                </a:tc>
+                <a:tc>
+                  <a:txBody>
+                    <a:bodyPr/>
+                    <a:lstStyle/>
+                    <a:p>
+                      <a:r>
+                        <a:rPr lang="en-US" sz="1400" baseline="0" dirty="0"/>
+                        <a:t>Maybe in a few unusual circumstances</a:t>
+                      </a:r>
+                    </a:p>
+                  </a:txBody>
+                  <a:tcPr/>
+                </a:tc>
+                <a:extLst>
+                  <a:ext uri="{0D108BD9-81ED-4DB2-BD59-A6C34878D82A}">
+                    <a16:rowId xmlns:a16="http://schemas.microsoft.com/office/drawing/2014/main" val="2529723695"/>
+                  </a:ext>
+                </a:extLst>
+              </a:tr>
+              <a:tr h="370840">
+                <a:tc>
+                  <a:txBody>
+                    <a:bodyPr/>
+                    <a:lstStyle/>
+                    <a:p>
+                      <a:r>
+                        <a:rPr lang="en-US" sz="1400" baseline="0" dirty="0"/>
+                        <a:t>Useful to do binary operations with bit&lt;W&gt; types of same width?</a:t>
+                      </a:r>
+                    </a:p>
+                  </a:txBody>
+                  <a:tcPr/>
+                </a:tc>
+                <a:tc>
+                  <a:txBody>
+                    <a:bodyPr/>
+                    <a:lstStyle/>
+                    <a:p>
+                      <a:r>
+                        <a:rPr lang="en-US" sz="1400" baseline="0" dirty="0"/>
+                        <a:t>Yes, e.g. bitwise AND with constant or run-time variable masks.</a:t>
+                      </a:r>
+                    </a:p>
+                  </a:txBody>
+                  <a:tcPr/>
+                </a:tc>
+                <a:tc>
+                  <a:txBody>
+                    <a:bodyPr/>
+                    <a:lstStyle/>
+                    <a:p>
+                      <a:r>
+                        <a:rPr lang="en-US" sz="1400" baseline="0" dirty="0"/>
+                        <a:t>Yes, add/subtract constant for calculating new packet lengths when adding/removing headers.</a:t>
+                      </a:r>
+                    </a:p>
+                  </a:txBody>
+                  <a:tcPr/>
+                </a:tc>
+                <a:tc>
+                  <a:txBody>
+                    <a:bodyPr/>
+                    <a:lstStyle/>
+                    <a:p>
+                      <a:r>
+                        <a:rPr lang="en-US" sz="1400" baseline="0" dirty="0"/>
+                        <a:t>Maybe in a few unusual circumstances.</a:t>
+                      </a:r>
+                    </a:p>
+                  </a:txBody>
+                  <a:tcPr/>
+                </a:tc>
+                <a:extLst>
+                  <a:ext uri="{0D108BD9-81ED-4DB2-BD59-A6C34878D82A}">
+                    <a16:rowId xmlns:a16="http://schemas.microsoft.com/office/drawing/2014/main" val="124628567"/>
+                  </a:ext>
+                </a:extLst>
+              </a:tr>
+              <a:tr h="370840">
+                <a:tc>
+                  <a:txBody>
+                    <a:bodyPr/>
+                    <a:lstStyle/>
+                    <a:p>
+                      <a:r>
+                        <a:rPr lang="en-US" sz="1400" baseline="0" dirty="0"/>
+                        <a:t>Useful to do ternary or LPM matching?</a:t>
+                      </a:r>
+                    </a:p>
+                  </a:txBody>
+                  <a:tcPr/>
+                </a:tc>
+                <a:tc>
+                  <a:txBody>
+                    <a:bodyPr/>
+                    <a:lstStyle/>
+                    <a:p>
+                      <a:r>
+                        <a:rPr lang="en-US" sz="1400" baseline="0" dirty="0"/>
+                        <a:t>Yes</a:t>
+                      </a:r>
+                    </a:p>
+                  </a:txBody>
+                  <a:tcPr/>
+                </a:tc>
+                <a:tc>
+                  <a:txBody>
+                    <a:bodyPr/>
+                    <a:lstStyle/>
+                    <a:p>
+                      <a:r>
+                        <a:rPr lang="en-US" sz="1400" baseline="0" dirty="0"/>
+                        <a:t>Maybe, e.g. ternary on </a:t>
+                      </a:r>
+                      <a:r>
+                        <a:rPr lang="en-US" sz="1400" baseline="0" dirty="0" err="1"/>
+                        <a:t>PacketLength_t</a:t>
+                      </a:r>
+                      <a:r>
+                        <a:rPr lang="en-US" sz="1400" baseline="0" dirty="0"/>
+                        <a:t> could be used for packet length ranges.</a:t>
+                      </a:r>
+                    </a:p>
+                  </a:txBody>
+                  <a:tcPr/>
+                </a:tc>
+                <a:tc>
+                  <a:txBody>
+                    <a:bodyPr/>
+                    <a:lstStyle/>
+                    <a:p>
+                      <a:r>
+                        <a:rPr lang="en-US" sz="1400" baseline="0" dirty="0"/>
+                        <a:t>Maybe for </a:t>
+                      </a:r>
+                      <a:r>
+                        <a:rPr lang="en-US" sz="1400" baseline="0" dirty="0" err="1"/>
+                        <a:t>Timestamp_t</a:t>
+                      </a:r>
+                      <a:r>
+                        <a:rPr lang="en-US" sz="1400" baseline="0" dirty="0"/>
+                        <a:t>, where numerical translation is “linear”.  Seems unlikely for </a:t>
+                      </a:r>
+                      <a:r>
+                        <a:rPr lang="en-US" sz="1400" baseline="0" dirty="0" err="1"/>
+                        <a:t>PortId_t</a:t>
+                      </a:r>
+                      <a:r>
+                        <a:rPr lang="en-US" sz="1400" baseline="0" dirty="0"/>
+                        <a:t> or </a:t>
+                      </a:r>
+                      <a:r>
+                        <a:rPr lang="en-US" sz="1400" baseline="0" dirty="0" err="1"/>
+                        <a:t>ClassOfService_t</a:t>
+                      </a:r>
+                      <a:r>
+                        <a:rPr lang="en-US" sz="1400" baseline="0" dirty="0"/>
+                        <a:t> where translation is arbitrary.</a:t>
+                      </a:r>
+                    </a:p>
+                  </a:txBody>
+                  <a:tcPr/>
+                </a:tc>
+                <a:extLst>
+                  <a:ext uri="{0D108BD9-81ED-4DB2-BD59-A6C34878D82A}">
+                    <a16:rowId xmlns:a16="http://schemas.microsoft.com/office/drawing/2014/main" val="2393019541"/>
+                  </a:ext>
+                </a:extLst>
+              </a:tr>
+            </a:tbl>
+          </a:graphicData>
+        </a:graphic>
+      </p:graphicFrame>
+    </p:spTree>
+    <p:extLst>
+      <p:ext uri="{BB962C8B-B14F-4D97-AF65-F5344CB8AC3E}">
+        <p14:creationId xmlns:p14="http://schemas.microsoft.com/office/powerpoint/2010/main" val="2459708104"/>
+      </p:ext>
+    </p:extLst>
+  </p:cSld>
+  <p:clrMapOvr>
+    <a:masterClrMapping/>
+  </p:clrMapOvr>
+</p:sld>
+</file>
+
+<file path=ppt/slides/slide18.xml><?xml version="1.0" encoding="utf-8"?>
+<p:sld xmlns:a="http://schemas.openxmlformats.org/drawingml/2006/main" xmlns:r="http://schemas.openxmlformats.org/officeDocument/2006/relationships" xmlns:p="http://schemas.openxmlformats.org/presentationml/2006/main">
+  <p:cSld>
+    <p:spTree>
+      <p:nvGrpSpPr>
+        <p:cNvPr id="1" name=""/>
+        <p:cNvGrpSpPr/>
+        <p:nvPr/>
+      </p:nvGrpSpPr>
+      <p:grpSpPr>
+        <a:xfrm>
+          <a:off x="0" y="0"/>
+          <a:ext cx="0" cy="0"/>
+          <a:chOff x="0" y="0"/>
+          <a:chExt cx="0" cy="0"/>
+        </a:xfrm>
+      </p:grpSpPr>
+      <p:sp>
+        <p:nvSpPr>
+          <p:cNvPr id="2" name="Title 1">
+            <a:extLst>
+              <a:ext uri="{FF2B5EF4-FFF2-40B4-BE49-F238E27FC236}">
+                <a16:creationId xmlns:a16="http://schemas.microsoft.com/office/drawing/2014/main" id="{A38247DC-C688-C74F-B8A7-3BD6A2307379}"/>
+              </a:ext>
+            </a:extLst>
+          </p:cNvPr>
+          <p:cNvSpPr>
+            <a:spLocks noGrp="1"/>
+          </p:cNvSpPr>
+          <p:nvPr>
+            <p:ph type="title"/>
+          </p:nvPr>
+        </p:nvSpPr>
+        <p:spPr/>
+        <p:txBody>
+          <a:bodyPr/>
+          <a:lstStyle/>
+          <a:p>
+            <a:r>
+              <a:rPr lang="en-US" dirty="0"/>
+              <a:t>Planned approach for control plane types</a:t>
+            </a:r>
+          </a:p>
+        </p:txBody>
+      </p:sp>
+      <p:sp>
+        <p:nvSpPr>
+          <p:cNvPr id="3" name="Content Placeholder 2">
+            <a:extLst>
+              <a:ext uri="{FF2B5EF4-FFF2-40B4-BE49-F238E27FC236}">
+                <a16:creationId xmlns:a16="http://schemas.microsoft.com/office/drawing/2014/main" id="{4EC228C1-19F8-D545-96F4-035D2C2D14CA}"/>
+              </a:ext>
+            </a:extLst>
+          </p:cNvPr>
+          <p:cNvSpPr>
+            <a:spLocks noGrp="1"/>
+          </p:cNvSpPr>
+          <p:nvPr>
+            <p:ph idx="1"/>
+          </p:nvPr>
+        </p:nvSpPr>
+        <p:spPr/>
+        <p:txBody>
+          <a:bodyPr>
+            <a:normAutofit fontScale="92500" lnSpcReduction="10000"/>
+          </a:bodyPr>
+          <a:lstStyle/>
+          <a:p>
+            <a:r>
+              <a:rPr lang="en-US" dirty="0"/>
+              <a:t>Add ‘type’ to P4_16 language specification:</a:t>
+            </a:r>
+          </a:p>
+          <a:p>
+            <a:pPr lvl="1"/>
+            <a:r>
+              <a:rPr lang="en-US" dirty="0"/>
+              <a:t>e.g. ‘</a:t>
+            </a:r>
+            <a:r>
+              <a:rPr lang="en-US" b="1" dirty="0"/>
+              <a:t>type bit&lt;7&gt; </a:t>
+            </a:r>
+            <a:r>
+              <a:rPr lang="en-US" b="1" dirty="0" err="1"/>
+              <a:t>PortId_t</a:t>
+            </a:r>
+            <a:r>
+              <a:rPr lang="en-US" b="1" dirty="0"/>
+              <a:t>;</a:t>
+            </a:r>
+            <a:r>
+              <a:rPr lang="en-US" dirty="0"/>
+              <a:t>’ creates a new type that is </a:t>
+            </a:r>
+            <a:r>
+              <a:rPr lang="en-US" u="sng" dirty="0"/>
+              <a:t>like</a:t>
+            </a:r>
+            <a:r>
+              <a:rPr lang="en-US" dirty="0"/>
+              <a:t> </a:t>
+            </a:r>
+            <a:r>
+              <a:rPr lang="en-US" b="1" dirty="0"/>
+              <a:t>bit&lt;7&gt;</a:t>
+            </a:r>
+            <a:r>
+              <a:rPr lang="en-US" dirty="0"/>
+              <a:t>, but </a:t>
+            </a:r>
+            <a:r>
+              <a:rPr lang="en-US" u="sng" dirty="0"/>
+              <a:t>not the same type</a:t>
+            </a:r>
+            <a:r>
+              <a:rPr lang="en-US" dirty="0"/>
+              <a:t> as </a:t>
+            </a:r>
+            <a:r>
+              <a:rPr lang="en-US" b="1" dirty="0"/>
+              <a:t>bit&lt;7&gt;</a:t>
+            </a:r>
+          </a:p>
+          <a:p>
+            <a:pPr lvl="1"/>
+            <a:r>
+              <a:rPr lang="en-US" dirty="0"/>
+              <a:t>You can do arithmetic operations on two </a:t>
+            </a:r>
+            <a:r>
+              <a:rPr lang="en-US" dirty="0" err="1"/>
+              <a:t>PortId_t</a:t>
+            </a:r>
+            <a:r>
+              <a:rPr lang="en-US" dirty="0"/>
+              <a:t> values without needing casts, e.g. </a:t>
+            </a:r>
+            <a:r>
+              <a:rPr lang="en-US" b="1" dirty="0"/>
+              <a:t>(port1 + port2)</a:t>
+            </a:r>
+            <a:endParaRPr lang="en-US" dirty="0"/>
+          </a:p>
+          <a:p>
+            <a:pPr lvl="2"/>
+            <a:r>
+              <a:rPr lang="en-US" dirty="0"/>
+              <a:t>TBD: Some might wish for P4 compiler to warn if you do arithmetic operations on PSA types that have numerical translation like </a:t>
+            </a:r>
+            <a:r>
+              <a:rPr lang="en-US" dirty="0" err="1"/>
+              <a:t>PortId_t</a:t>
+            </a:r>
+            <a:r>
+              <a:rPr lang="en-US" dirty="0"/>
+              <a:t> and </a:t>
+            </a:r>
+            <a:r>
+              <a:rPr lang="en-US" dirty="0" err="1"/>
+              <a:t>ClassOfService_t</a:t>
+            </a:r>
+            <a:r>
+              <a:rPr lang="en-US" dirty="0"/>
+              <a:t>.</a:t>
+            </a:r>
+          </a:p>
+          <a:p>
+            <a:pPr lvl="1"/>
+            <a:r>
+              <a:rPr lang="en-US" dirty="0"/>
+              <a:t>If you find a need for it, you can cast between </a:t>
+            </a:r>
+            <a:r>
+              <a:rPr lang="en-US" b="1" dirty="0" err="1"/>
+              <a:t>PortId_t</a:t>
+            </a:r>
+            <a:r>
+              <a:rPr lang="en-US" dirty="0"/>
+              <a:t> and </a:t>
+            </a:r>
+            <a:r>
+              <a:rPr lang="en-US" b="1" dirty="0" err="1"/>
+              <a:t>PortIdBitVector_t</a:t>
+            </a:r>
+            <a:r>
+              <a:rPr lang="en-US" dirty="0"/>
+              <a:t>, where </a:t>
+            </a:r>
+            <a:r>
+              <a:rPr lang="en-US" b="1" dirty="0" err="1"/>
+              <a:t>PortIdBitVector_t</a:t>
+            </a:r>
+            <a:r>
+              <a:rPr lang="en-US" dirty="0"/>
+              <a:t> </a:t>
+            </a:r>
+            <a:r>
+              <a:rPr lang="en-US" u="sng" dirty="0"/>
+              <a:t>is</a:t>
+            </a:r>
+            <a:r>
+              <a:rPr lang="en-US" dirty="0"/>
+              <a:t> </a:t>
+            </a:r>
+            <a:r>
+              <a:rPr lang="en-US" b="1" dirty="0"/>
+              <a:t>bit&lt;7&gt;</a:t>
+            </a:r>
+            <a:r>
+              <a:rPr lang="en-US" dirty="0"/>
+              <a:t>, defined as ‘</a:t>
+            </a:r>
+            <a:r>
+              <a:rPr lang="en-US" b="1" dirty="0" err="1"/>
+              <a:t>typedef</a:t>
+            </a:r>
+            <a:r>
+              <a:rPr lang="en-US" b="1" dirty="0"/>
+              <a:t> bit&lt;7&gt; </a:t>
+            </a:r>
+            <a:r>
+              <a:rPr lang="en-US" b="1" dirty="0" err="1"/>
+              <a:t>PortIdBitVector_t</a:t>
+            </a:r>
+            <a:r>
+              <a:rPr lang="en-US" b="1" dirty="0"/>
+              <a:t>;</a:t>
+            </a:r>
+            <a:r>
+              <a:rPr lang="en-US" dirty="0"/>
+              <a:t>’ in psa.p4.</a:t>
+            </a:r>
+          </a:p>
+          <a:p>
+            <a:r>
+              <a:rPr lang="en-US" dirty="0"/>
+              <a:t>PSA will contain definitions like this for each of 7 types:</a:t>
+            </a:r>
+          </a:p>
+          <a:p>
+            <a:pPr lvl="1"/>
+            <a:r>
+              <a:rPr lang="en-US" dirty="0"/>
+              <a:t>type bit&lt;7&gt; </a:t>
+            </a:r>
+            <a:r>
+              <a:rPr lang="en-US" dirty="0" err="1"/>
+              <a:t>PortId_t</a:t>
+            </a:r>
+            <a:r>
+              <a:rPr lang="en-US" dirty="0"/>
+              <a:t>;       // This will be used most often</a:t>
+            </a:r>
+          </a:p>
+          <a:p>
+            <a:pPr lvl="1"/>
+            <a:r>
+              <a:rPr lang="en-US" dirty="0" err="1"/>
+              <a:t>typedef</a:t>
+            </a:r>
+            <a:r>
+              <a:rPr lang="en-US" dirty="0"/>
+              <a:t> bit&lt;7&gt; </a:t>
+            </a:r>
+            <a:r>
+              <a:rPr lang="en-US" dirty="0" err="1"/>
+              <a:t>PortIdBitVector_t</a:t>
+            </a:r>
+            <a:r>
+              <a:rPr lang="en-US" dirty="0"/>
+              <a:t>;       // only if you want to cast to a bit&lt;7&gt;</a:t>
+            </a:r>
+          </a:p>
+          <a:p>
+            <a:pPr lvl="1"/>
+            <a:r>
+              <a:rPr lang="en-US" dirty="0" err="1"/>
+              <a:t>typedef</a:t>
+            </a:r>
+            <a:r>
+              <a:rPr lang="en-US" dirty="0"/>
+              <a:t> bit&lt;32&gt; </a:t>
+            </a:r>
+            <a:r>
+              <a:rPr lang="en-US" dirty="0" err="1"/>
+              <a:t>PortIdInHeader_t</a:t>
+            </a:r>
+            <a:r>
+              <a:rPr lang="en-US" dirty="0"/>
+              <a:t>;     // for headers to/from agent on PSA CPU port</a:t>
+            </a:r>
+          </a:p>
+        </p:txBody>
+      </p:sp>
+    </p:spTree>
+    <p:extLst>
+      <p:ext uri="{BB962C8B-B14F-4D97-AF65-F5344CB8AC3E}">
+        <p14:creationId xmlns:p14="http://schemas.microsoft.com/office/powerpoint/2010/main" val="1106856503"/>
+      </p:ext>
+    </p:extLst>
+  </p:cSld>
+  <p:clrMapOvr>
+    <a:masterClrMapping/>
+  </p:clrMapOvr>
+</p:sld>
+</file>
+
+<file path=ppt/slides/slide19.xml><?xml version="1.0" encoding="utf-8"?>
+<p:sld xmlns:a="http://schemas.openxmlformats.org/drawingml/2006/main" xmlns:r="http://schemas.openxmlformats.org/officeDocument/2006/relationships" xmlns:p="http://schemas.openxmlformats.org/presentationml/2006/main">
+  <p:cSld>
+    <p:spTree>
+      <p:nvGrpSpPr>
+        <p:cNvPr id="1" name=""/>
+        <p:cNvGrpSpPr/>
+        <p:nvPr/>
+      </p:nvGrpSpPr>
+      <p:grpSpPr>
+        <a:xfrm>
+          <a:off x="0" y="0"/>
+          <a:ext cx="0" cy="0"/>
+          <a:chOff x="0" y="0"/>
+          <a:chExt cx="0" cy="0"/>
+        </a:xfrm>
+      </p:grpSpPr>
+      <p:sp>
+        <p:nvSpPr>
+          <p:cNvPr id="2" name="Title 1">
+            <a:extLst>
+              <a:ext uri="{FF2B5EF4-FFF2-40B4-BE49-F238E27FC236}">
+                <a16:creationId xmlns:a16="http://schemas.microsoft.com/office/drawing/2014/main" id="{A38247DC-C688-C74F-B8A7-3BD6A2307379}"/>
+              </a:ext>
+            </a:extLst>
+          </p:cNvPr>
+          <p:cNvSpPr>
+            <a:spLocks noGrp="1"/>
+          </p:cNvSpPr>
+          <p:nvPr>
+            <p:ph type="title"/>
+          </p:nvPr>
+        </p:nvSpPr>
+        <p:spPr/>
+        <p:txBody>
+          <a:bodyPr/>
+          <a:lstStyle/>
+          <a:p>
+            <a:r>
+              <a:rPr lang="en-US" dirty="0"/>
+              <a:t>Planned approach for control plane types (#2)</a:t>
+            </a:r>
+          </a:p>
+        </p:txBody>
+      </p:sp>
+      <p:sp>
+        <p:nvSpPr>
+          <p:cNvPr id="3" name="Content Placeholder 2">
+            <a:extLst>
+              <a:ext uri="{FF2B5EF4-FFF2-40B4-BE49-F238E27FC236}">
+                <a16:creationId xmlns:a16="http://schemas.microsoft.com/office/drawing/2014/main" id="{4EC228C1-19F8-D545-96F4-035D2C2D14CA}"/>
+              </a:ext>
+            </a:extLst>
+          </p:cNvPr>
+          <p:cNvSpPr>
+            <a:spLocks noGrp="1"/>
+          </p:cNvSpPr>
+          <p:nvPr>
+            <p:ph idx="1"/>
+          </p:nvPr>
+        </p:nvSpPr>
+        <p:spPr/>
+        <p:txBody>
+          <a:bodyPr>
+            <a:normAutofit/>
+          </a:bodyPr>
+          <a:lstStyle/>
+          <a:p>
+            <a:r>
+              <a:rPr lang="en-US" dirty="0"/>
+              <a:t>P4 compiler will preserve type name ‘</a:t>
+            </a:r>
+            <a:r>
+              <a:rPr lang="en-US" dirty="0" err="1"/>
+              <a:t>PortId_t</a:t>
+            </a:r>
+            <a:r>
+              <a:rPr lang="en-US" dirty="0"/>
+              <a:t>’ from source code when generating P4Info files, when used as:</a:t>
+            </a:r>
+          </a:p>
+          <a:p>
+            <a:pPr lvl="1"/>
+            <a:r>
+              <a:rPr lang="en-US" dirty="0"/>
+              <a:t>Table key field</a:t>
+            </a:r>
+          </a:p>
+          <a:p>
+            <a:pPr lvl="1"/>
+            <a:r>
+              <a:rPr lang="en-US" dirty="0"/>
+              <a:t>Action parameter</a:t>
+            </a:r>
+          </a:p>
+          <a:p>
+            <a:pPr lvl="1"/>
+            <a:r>
+              <a:rPr lang="en-US" dirty="0"/>
+              <a:t>Field of </a:t>
+            </a:r>
+            <a:r>
+              <a:rPr lang="en-US" dirty="0" err="1"/>
+              <a:t>struct</a:t>
+            </a:r>
+            <a:r>
+              <a:rPr lang="en-US" dirty="0"/>
+              <a:t> for Digest or Register extern</a:t>
+            </a:r>
+          </a:p>
+          <a:p>
+            <a:pPr lvl="1"/>
+            <a:r>
+              <a:rPr lang="en-US" dirty="0"/>
+              <a:t>Perhaps other places I am forgetting right now</a:t>
+            </a:r>
+          </a:p>
+          <a:p>
+            <a:r>
+              <a:rPr lang="en-US" dirty="0"/>
+              <a:t>These 7 type names will be ‘special’ for the PSA architecture.</a:t>
+            </a:r>
+          </a:p>
+          <a:p>
+            <a:pPr lvl="1"/>
+            <a:r>
+              <a:rPr lang="en-US" dirty="0"/>
+              <a:t>They can be used for different or similar purposes in other </a:t>
+            </a:r>
+            <a:r>
+              <a:rPr lang="en-US"/>
+              <a:t>P4_16 architectures.</a:t>
+            </a:r>
+            <a:endParaRPr lang="en-US" dirty="0"/>
+          </a:p>
+        </p:txBody>
+      </p:sp>
+    </p:spTree>
+    <p:extLst>
+      <p:ext uri="{BB962C8B-B14F-4D97-AF65-F5344CB8AC3E}">
+        <p14:creationId xmlns:p14="http://schemas.microsoft.com/office/powerpoint/2010/main" val="62010619"/>
       </p:ext>
     </p:extLst>
   </p:cSld>
@@ -5004,11 +6174,11 @@
             </a:r>
             <a:r>
               <a:rPr lang="en-US" u="sng" dirty="0"/>
-              <a:t>should</a:t>
-            </a:r>
-            <a:r>
-              <a:rPr lang="en-US" dirty="0"/>
-              <a:t> know data plane has 17-bit width, to know legal range of values possible.</a:t>
+              <a:t>needs to know</a:t>
+            </a:r>
+            <a:r>
+              <a:rPr lang="en-US" dirty="0"/>
+              <a:t> the data plane has 17-bit width, to know legal range of values possible.</a:t>
             </a:r>
           </a:p>
           <a:p>
@@ -6073,7 +7243,7 @@
           <a:p>
             <a:r>
               <a:rPr lang="en-US" dirty="0"/>
-              <a:t>Agent handles these?</a:t>
+              <a:t>Agent also handles these</a:t>
             </a:r>
           </a:p>
           <a:p>
@@ -6110,7 +7280,29 @@
             <a:pPr lvl="1"/>
             <a:r>
               <a:rPr lang="en-US" dirty="0"/>
-              <a:t>If yes, agent can do translation of header fields, but may be considered too limiting on packet rates supported.</a:t>
+              <a:t>These packets traverse the same </a:t>
+            </a:r>
+            <a:r>
+              <a:rPr lang="en-US" dirty="0" err="1"/>
+              <a:t>gRPC</a:t>
+            </a:r>
+            <a:r>
+              <a:rPr lang="en-US" dirty="0"/>
+              <a:t> session between controller and agent that other P4Runtime messages do.</a:t>
+            </a:r>
+          </a:p>
+          <a:p>
+            <a:pPr lvl="1"/>
+            <a:r>
+              <a:rPr lang="en-US" dirty="0"/>
+              <a:t>Thus agent can do translation of header fields.</a:t>
+            </a:r>
+          </a:p>
+          <a:p>
+            <a:pPr lvl="1"/>
+            <a:r>
+              <a:rPr lang="en-US" dirty="0"/>
+              <a:t>See next slide for a different packet case.</a:t>
             </a:r>
           </a:p>
         </p:txBody>
@@ -7019,7 +8211,7 @@
         </p:spPr>
         <p:txBody>
           <a:bodyPr>
-            <a:normAutofit fontScale="92500" lnSpcReduction="20000"/>
+            <a:normAutofit fontScale="70000" lnSpcReduction="20000"/>
           </a:bodyPr>
           <a:lstStyle/>
           <a:p>
@@ -7063,8 +8255,67 @@
           <a:p>
             <a:r>
               <a:rPr lang="en-US" dirty="0"/>
-              <a:t>Agents do not handle direct data plane to data plane packets</a:t>
-            </a:r>
+              <a:t>Agents do </a:t>
+            </a:r>
+            <a:r>
+              <a:rPr lang="en-US" u="sng" dirty="0"/>
+              <a:t>not</a:t>
+            </a:r>
+            <a:r>
+              <a:rPr lang="en-US" dirty="0"/>
+              <a:t> handle direct data plane to data plane packets</a:t>
+            </a:r>
+          </a:p>
+          <a:p>
+            <a:pPr lvl="1"/>
+            <a:r>
+              <a:rPr lang="en-US" dirty="0"/>
+              <a:t>This includes any packets between targets and controller that do not go through P4Runtime </a:t>
+            </a:r>
+            <a:r>
+              <a:rPr lang="en-US" dirty="0" err="1"/>
+              <a:t>PacketIn</a:t>
+            </a:r>
+            <a:r>
+              <a:rPr lang="en-US" dirty="0"/>
+              <a:t> / </a:t>
+            </a:r>
+            <a:r>
+              <a:rPr lang="en-US" dirty="0" err="1"/>
+              <a:t>PacketOut</a:t>
+            </a:r>
+            <a:r>
+              <a:rPr lang="en-US" dirty="0"/>
+              <a:t> service.</a:t>
+            </a:r>
+          </a:p>
+          <a:p>
+            <a:pPr lvl="1"/>
+            <a:r>
+              <a:rPr lang="en-US" dirty="0"/>
+              <a:t>P4Runtime and PSA do not </a:t>
+            </a:r>
+            <a:r>
+              <a:rPr lang="en-US" u="sng" dirty="0"/>
+              <a:t>prevent</a:t>
+            </a:r>
+            <a:r>
+              <a:rPr lang="en-US" dirty="0"/>
+              <a:t> you from transmitting packets in this way – they just do not (in v1.0) define a way to do numerical translation of </a:t>
+            </a:r>
+            <a:r>
+              <a:rPr lang="en-US" dirty="0" err="1"/>
+              <a:t>PortId_t</a:t>
+            </a:r>
+            <a:r>
+              <a:rPr lang="en-US" dirty="0"/>
+              <a:t> and other types.  Maybe v1.x will </a:t>
+            </a:r>
+            <a:r>
+              <a:rPr lang="en-US"/>
+              <a:t>do so.</a:t>
+            </a:r>
+            <a:endParaRPr lang="en-US" dirty="0"/>
           </a:p>
           <a:p>
             <a:r>
